--- a/teaching/cs513-autocps-fall-2024/slides/ModelsOfComputation.pptx
+++ b/teaching/cs513-autocps-fall-2024/slides/ModelsOfComputation.pptx
@@ -5,10 +5,10 @@
     <p:sldMasterId id="2147483648" r:id="rId1"/>
   </p:sldMasterIdLst>
   <p:notesMasterIdLst>
-    <p:notesMasterId r:id="rId58"/>
+    <p:notesMasterId r:id="rId57"/>
   </p:notesMasterIdLst>
   <p:handoutMasterIdLst>
-    <p:handoutMasterId r:id="rId59"/>
+    <p:handoutMasterId r:id="rId58"/>
   </p:handoutMasterIdLst>
   <p:sldIdLst>
     <p:sldId id="341" r:id="rId2"/>
@@ -16,57 +16,56 @@
     <p:sldId id="272" r:id="rId4"/>
     <p:sldId id="274" r:id="rId5"/>
     <p:sldId id="344" r:id="rId6"/>
-    <p:sldId id="279" r:id="rId7"/>
-    <p:sldId id="276" r:id="rId8"/>
-    <p:sldId id="342" r:id="rId9"/>
-    <p:sldId id="343" r:id="rId10"/>
-    <p:sldId id="339" r:id="rId11"/>
-    <p:sldId id="277" r:id="rId12"/>
-    <p:sldId id="281" r:id="rId13"/>
-    <p:sldId id="283" r:id="rId14"/>
-    <p:sldId id="284" r:id="rId15"/>
-    <p:sldId id="282" r:id="rId16"/>
-    <p:sldId id="289" r:id="rId17"/>
-    <p:sldId id="324" r:id="rId18"/>
-    <p:sldId id="291" r:id="rId19"/>
-    <p:sldId id="293" r:id="rId20"/>
-    <p:sldId id="285" r:id="rId21"/>
-    <p:sldId id="286" r:id="rId22"/>
-    <p:sldId id="287" r:id="rId23"/>
-    <p:sldId id="345" r:id="rId24"/>
-    <p:sldId id="309" r:id="rId25"/>
-    <p:sldId id="298" r:id="rId26"/>
-    <p:sldId id="346" r:id="rId27"/>
-    <p:sldId id="300" r:id="rId28"/>
-    <p:sldId id="299" r:id="rId29"/>
-    <p:sldId id="301" r:id="rId30"/>
-    <p:sldId id="302" r:id="rId31"/>
-    <p:sldId id="303" r:id="rId32"/>
-    <p:sldId id="304" r:id="rId33"/>
-    <p:sldId id="319" r:id="rId34"/>
-    <p:sldId id="321" r:id="rId35"/>
-    <p:sldId id="322" r:id="rId36"/>
-    <p:sldId id="320" r:id="rId37"/>
-    <p:sldId id="323" r:id="rId38"/>
-    <p:sldId id="280" r:id="rId39"/>
-    <p:sldId id="338" r:id="rId40"/>
-    <p:sldId id="347" r:id="rId41"/>
-    <p:sldId id="348" r:id="rId42"/>
-    <p:sldId id="325" r:id="rId43"/>
-    <p:sldId id="326" r:id="rId44"/>
-    <p:sldId id="327" r:id="rId45"/>
-    <p:sldId id="292" r:id="rId46"/>
-    <p:sldId id="328" r:id="rId47"/>
-    <p:sldId id="329" r:id="rId48"/>
-    <p:sldId id="294" r:id="rId49"/>
-    <p:sldId id="295" r:id="rId50"/>
-    <p:sldId id="296" r:id="rId51"/>
-    <p:sldId id="297" r:id="rId52"/>
-    <p:sldId id="330" r:id="rId53"/>
-    <p:sldId id="331" r:id="rId54"/>
-    <p:sldId id="305" r:id="rId55"/>
-    <p:sldId id="306" r:id="rId56"/>
-    <p:sldId id="340" r:id="rId57"/>
+    <p:sldId id="276" r:id="rId7"/>
+    <p:sldId id="342" r:id="rId8"/>
+    <p:sldId id="339" r:id="rId9"/>
+    <p:sldId id="277" r:id="rId10"/>
+    <p:sldId id="281" r:id="rId11"/>
+    <p:sldId id="283" r:id="rId12"/>
+    <p:sldId id="284" r:id="rId13"/>
+    <p:sldId id="289" r:id="rId14"/>
+    <p:sldId id="324" r:id="rId15"/>
+    <p:sldId id="291" r:id="rId16"/>
+    <p:sldId id="349" r:id="rId17"/>
+    <p:sldId id="293" r:id="rId18"/>
+    <p:sldId id="285" r:id="rId19"/>
+    <p:sldId id="286" r:id="rId20"/>
+    <p:sldId id="287" r:id="rId21"/>
+    <p:sldId id="345" r:id="rId22"/>
+    <p:sldId id="282" r:id="rId23"/>
+    <p:sldId id="309" r:id="rId24"/>
+    <p:sldId id="298" r:id="rId25"/>
+    <p:sldId id="346" r:id="rId26"/>
+    <p:sldId id="300" r:id="rId27"/>
+    <p:sldId id="299" r:id="rId28"/>
+    <p:sldId id="301" r:id="rId29"/>
+    <p:sldId id="302" r:id="rId30"/>
+    <p:sldId id="303" r:id="rId31"/>
+    <p:sldId id="304" r:id="rId32"/>
+    <p:sldId id="319" r:id="rId33"/>
+    <p:sldId id="321" r:id="rId34"/>
+    <p:sldId id="322" r:id="rId35"/>
+    <p:sldId id="320" r:id="rId36"/>
+    <p:sldId id="323" r:id="rId37"/>
+    <p:sldId id="280" r:id="rId38"/>
+    <p:sldId id="338" r:id="rId39"/>
+    <p:sldId id="347" r:id="rId40"/>
+    <p:sldId id="348" r:id="rId41"/>
+    <p:sldId id="325" r:id="rId42"/>
+    <p:sldId id="326" r:id="rId43"/>
+    <p:sldId id="327" r:id="rId44"/>
+    <p:sldId id="292" r:id="rId45"/>
+    <p:sldId id="328" r:id="rId46"/>
+    <p:sldId id="329" r:id="rId47"/>
+    <p:sldId id="294" r:id="rId48"/>
+    <p:sldId id="295" r:id="rId49"/>
+    <p:sldId id="296" r:id="rId50"/>
+    <p:sldId id="297" r:id="rId51"/>
+    <p:sldId id="330" r:id="rId52"/>
+    <p:sldId id="331" r:id="rId53"/>
+    <p:sldId id="305" r:id="rId54"/>
+    <p:sldId id="306" r:id="rId55"/>
+    <p:sldId id="340" r:id="rId56"/>
   </p:sldIdLst>
   <p:sldSz cx="12192000" cy="6858000"/>
   <p:notesSz cx="6858000" cy="9144000"/>
@@ -270,7 +269,7 @@
           <a:p>
             <a:fld id="{459B985A-4C37-4D1F-A437-E4A951A85D11}" type="datetimeFigureOut">
               <a:rPr lang="en-US" smtClean="0"/>
-              <a:t>8/27/2023</a:t>
+              <a:t>8/26/2024</a:t>
             </a:fld>
             <a:endParaRPr lang="en-US"/>
           </a:p>
@@ -671,7 +670,7 @@
           <a:p>
             <a:fld id="{6580C23F-98B7-41D4-A9FA-15A275A51486}" type="datetimeFigureOut">
               <a:rPr lang="en-US" smtClean="0"/>
-              <a:t>8/27/2023</a:t>
+              <a:t>8/26/2024</a:t>
             </a:fld>
             <a:endParaRPr lang="en-US"/>
           </a:p>
@@ -1052,7 +1051,7 @@
           <a:p>
             <a:fld id="{E586B107-AA8F-4C65-A94C-468C6EEC3A14}" type="slidenum">
               <a:rPr lang="en-US" smtClean="0"/>
-              <a:t>18</a:t>
+              <a:t>15</a:t>
             </a:fld>
             <a:endParaRPr lang="en-US"/>
           </a:p>
@@ -1136,7 +1135,7 @@
           <a:p>
             <a:fld id="{E586B107-AA8F-4C65-A94C-468C6EEC3A14}" type="slidenum">
               <a:rPr lang="en-US" smtClean="0"/>
-              <a:t>21</a:t>
+              <a:t>19</a:t>
             </a:fld>
             <a:endParaRPr lang="en-US"/>
           </a:p>
@@ -1220,7 +1219,7 @@
           <a:p>
             <a:fld id="{E586B107-AA8F-4C65-A94C-468C6EEC3A14}" type="slidenum">
               <a:rPr lang="en-US" smtClean="0"/>
-              <a:t>48</a:t>
+              <a:t>47</a:t>
             </a:fld>
             <a:endParaRPr lang="en-US"/>
           </a:p>
@@ -1609,7 +1608,7 @@
           <p:nvPr userDrawn="1"/>
         </p:nvPicPr>
         <mc:AlternateContent xmlns:mc="http://schemas.openxmlformats.org/markup-compatibility/2006">
-          <mc:Choice xmlns:ma="http://schemas.microsoft.com/office/mac/drawingml/2008/main" xmlns:mv="urn:schemas-microsoft-com:mac:vml" xmlns="" Requires="ma">
+          <mc:Choice xmlns="" xmlns:mv="urn:schemas-microsoft-com:mac:vml" xmlns:ma="http://schemas.microsoft.com/office/mac/drawingml/2008/main" Requires="ma">
             <p:blipFill>
               <a:blip r:embed="rId3"/>
               <a:stretch>
@@ -2669,813 +2668,6 @@
       </p:grpSpPr>
       <p:sp>
         <p:nvSpPr>
-          <p:cNvPr id="4" name="Slide Number Placeholder 3">
-            <a:extLst>
-              <a:ext uri="{FF2B5EF4-FFF2-40B4-BE49-F238E27FC236}">
-                <a16:creationId xmlns:a16="http://schemas.microsoft.com/office/drawing/2014/main" id="{EFE333EE-F7EA-4057-923F-704C4BEE7CFE}"/>
-              </a:ext>
-            </a:extLst>
-          </p:cNvPr>
-          <p:cNvSpPr>
-            <a:spLocks noGrp="1"/>
-          </p:cNvSpPr>
-          <p:nvPr>
-            <p:ph type="sldNum" sz="quarter" idx="12"/>
-          </p:nvPr>
-        </p:nvSpPr>
-        <p:spPr/>
-        <p:txBody>
-          <a:bodyPr/>
-          <a:lstStyle/>
-          <a:p>
-            <a:fld id="{29AAD378-655A-49C6-813C-9FD132EF7440}" type="slidenum">
-              <a:rPr lang="en-US" smtClean="0"/>
-              <a:pPr/>
-              <a:t>10</a:t>
-            </a:fld>
-            <a:endParaRPr lang="en-US" dirty="0"/>
-          </a:p>
-        </p:txBody>
-      </p:sp>
-      <p:sp>
-        <p:nvSpPr>
-          <p:cNvPr id="5" name="Content Placeholder 1">
-            <a:extLst>
-              <a:ext uri="{FF2B5EF4-FFF2-40B4-BE49-F238E27FC236}">
-                <a16:creationId xmlns:a16="http://schemas.microsoft.com/office/drawing/2014/main" id="{6CAE7C5D-49AB-4486-9A62-115E76D9B439}"/>
-              </a:ext>
-            </a:extLst>
-          </p:cNvPr>
-          <p:cNvSpPr>
-            <a:spLocks noGrp="1"/>
-          </p:cNvSpPr>
-          <p:nvPr>
-            <p:ph idx="1"/>
-          </p:nvPr>
-        </p:nvSpPr>
-        <p:spPr>
-          <a:xfrm>
-            <a:off x="166681" y="1332703"/>
-            <a:ext cx="11699087" cy="4351338"/>
-          </a:xfrm>
-        </p:spPr>
-        <p:txBody>
-          <a:bodyPr anchor="ctr">
-            <a:normAutofit/>
-          </a:bodyPr>
-          <a:lstStyle/>
-          <a:p>
-            <a:pPr marL="0" indent="0" algn="ctr">
-              <a:buNone/>
-            </a:pPr>
-            <a:r>
-              <a:rPr lang="en-US" sz="4000" dirty="0"/>
-              <a:t>Synchronous Models</a:t>
-            </a:r>
-          </a:p>
-        </p:txBody>
-      </p:sp>
-    </p:spTree>
-    <p:extLst>
-      <p:ext uri="{BB962C8B-B14F-4D97-AF65-F5344CB8AC3E}">
-        <p14:creationId xmlns:p14="http://schemas.microsoft.com/office/powerpoint/2010/main" val="2350099859"/>
-      </p:ext>
-    </p:extLst>
-  </p:cSld>
-  <p:clrMapOvr>
-    <a:masterClrMapping/>
-  </p:clrMapOvr>
-</p:sld>
-</file>
-
-<file path=ppt/slides/slide11.xml><?xml version="1.0" encoding="utf-8"?>
-<p:sld xmlns:a="http://schemas.openxmlformats.org/drawingml/2006/main" xmlns:r="http://schemas.openxmlformats.org/officeDocument/2006/relationships" xmlns:p="http://schemas.openxmlformats.org/presentationml/2006/main">
-  <p:cSld>
-    <p:spTree>
-      <p:nvGrpSpPr>
-        <p:cNvPr id="1" name=""/>
-        <p:cNvGrpSpPr/>
-        <p:nvPr/>
-      </p:nvGrpSpPr>
-      <p:grpSpPr>
-        <a:xfrm>
-          <a:off x="0" y="0"/>
-          <a:ext cx="0" cy="0"/>
-          <a:chOff x="0" y="0"/>
-          <a:chExt cx="0" cy="0"/>
-        </a:xfrm>
-      </p:grpSpPr>
-      <p:sp>
-        <p:nvSpPr>
-          <p:cNvPr id="3" name="Title 2">
-            <a:extLst>
-              <a:ext uri="{FF2B5EF4-FFF2-40B4-BE49-F238E27FC236}">
-                <a16:creationId xmlns:a16="http://schemas.microsoft.com/office/drawing/2014/main" id="{B9FF7392-C344-4648-BE3C-31A2BAB15734}"/>
-              </a:ext>
-            </a:extLst>
-          </p:cNvPr>
-          <p:cNvSpPr>
-            <a:spLocks noGrp="1"/>
-          </p:cNvSpPr>
-          <p:nvPr>
-            <p:ph type="title"/>
-          </p:nvPr>
-        </p:nvSpPr>
-        <p:spPr/>
-        <p:txBody>
-          <a:bodyPr/>
-          <a:lstStyle/>
-          <a:p>
-            <a:r>
-              <a:rPr lang="en-US" dirty="0"/>
-              <a:t>Synchronous Models</a:t>
-            </a:r>
-          </a:p>
-        </p:txBody>
-      </p:sp>
-      <p:sp>
-        <p:nvSpPr>
-          <p:cNvPr id="4" name="Slide Number Placeholder 3">
-            <a:extLst>
-              <a:ext uri="{FF2B5EF4-FFF2-40B4-BE49-F238E27FC236}">
-                <a16:creationId xmlns:a16="http://schemas.microsoft.com/office/drawing/2014/main" id="{9C797320-311F-476B-8319-42886C749B75}"/>
-              </a:ext>
-            </a:extLst>
-          </p:cNvPr>
-          <p:cNvSpPr>
-            <a:spLocks noGrp="1"/>
-          </p:cNvSpPr>
-          <p:nvPr>
-            <p:ph type="sldNum" sz="quarter" idx="12"/>
-          </p:nvPr>
-        </p:nvSpPr>
-        <p:spPr/>
-        <p:txBody>
-          <a:bodyPr/>
-          <a:lstStyle/>
-          <a:p>
-            <a:fld id="{29AAD378-655A-49C6-813C-9FD132EF7440}" type="slidenum">
-              <a:rPr lang="en-US" smtClean="0"/>
-              <a:pPr/>
-              <a:t>11</a:t>
-            </a:fld>
-            <a:endParaRPr lang="en-US"/>
-          </a:p>
-        </p:txBody>
-      </p:sp>
-      <p:grpSp>
-        <p:nvGrpSpPr>
-          <p:cNvPr id="18" name="Group 17">
-            <a:extLst>
-              <a:ext uri="{FF2B5EF4-FFF2-40B4-BE49-F238E27FC236}">
-                <a16:creationId xmlns:a16="http://schemas.microsoft.com/office/drawing/2014/main" id="{A838FA56-AB8A-4F95-B419-9143BFCF26F7}"/>
-              </a:ext>
-            </a:extLst>
-          </p:cNvPr>
-          <p:cNvGrpSpPr/>
-          <p:nvPr/>
-        </p:nvGrpSpPr>
-        <p:grpSpPr>
-          <a:xfrm>
-            <a:off x="7075075" y="1332703"/>
-            <a:ext cx="4876800" cy="1905000"/>
-            <a:chOff x="6906026" y="2384791"/>
-            <a:chExt cx="4876800" cy="1905000"/>
-          </a:xfrm>
-        </p:grpSpPr>
-        <p:sp>
-          <p:nvSpPr>
-            <p:cNvPr id="5" name="Rectangle 4">
-              <a:extLst>
-                <a:ext uri="{FF2B5EF4-FFF2-40B4-BE49-F238E27FC236}">
-                  <a16:creationId xmlns:a16="http://schemas.microsoft.com/office/drawing/2014/main" id="{8DBB8AEF-DB23-41CF-B011-818626EF1DF7}"/>
-                </a:ext>
-              </a:extLst>
-            </p:cNvPr>
-            <p:cNvSpPr/>
-            <p:nvPr/>
-          </p:nvSpPr>
-          <p:spPr>
-            <a:xfrm>
-              <a:off x="7820426" y="2918191"/>
-              <a:ext cx="1219200" cy="685800"/>
-            </a:xfrm>
-            <a:prstGeom prst="rect">
-              <a:avLst/>
-            </a:prstGeom>
-            <a:noFill/>
-          </p:spPr>
-          <p:style>
-            <a:lnRef idx="2">
-              <a:schemeClr val="accent1">
-                <a:shade val="50000"/>
-              </a:schemeClr>
-            </a:lnRef>
-            <a:fillRef idx="1">
-              <a:schemeClr val="accent1"/>
-            </a:fillRef>
-            <a:effectRef idx="0">
-              <a:schemeClr val="accent1"/>
-            </a:effectRef>
-            <a:fontRef idx="minor">
-              <a:schemeClr val="lt1"/>
-            </a:fontRef>
-          </p:style>
-          <p:txBody>
-            <a:bodyPr rtlCol="0" anchor="ctr"/>
-            <a:lstStyle/>
-            <a:p>
-              <a:pPr algn="ctr"/>
-              <a:endParaRPr lang="en-US"/>
-            </a:p>
-          </p:txBody>
-        </p:sp>
-        <p:sp>
-          <p:nvSpPr>
-            <p:cNvPr id="6" name="Rectangle 5">
-              <a:extLst>
-                <a:ext uri="{FF2B5EF4-FFF2-40B4-BE49-F238E27FC236}">
-                  <a16:creationId xmlns:a16="http://schemas.microsoft.com/office/drawing/2014/main" id="{E81AB71B-5050-48B7-B63C-001441EF236E}"/>
-                </a:ext>
-              </a:extLst>
-            </p:cNvPr>
-            <p:cNvSpPr/>
-            <p:nvPr/>
-          </p:nvSpPr>
-          <p:spPr>
-            <a:xfrm>
-              <a:off x="9649226" y="2689591"/>
-              <a:ext cx="1219200" cy="533400"/>
-            </a:xfrm>
-            <a:prstGeom prst="rect">
-              <a:avLst/>
-            </a:prstGeom>
-            <a:noFill/>
-          </p:spPr>
-          <p:style>
-            <a:lnRef idx="2">
-              <a:schemeClr val="accent1">
-                <a:shade val="50000"/>
-              </a:schemeClr>
-            </a:lnRef>
-            <a:fillRef idx="1">
-              <a:schemeClr val="accent1"/>
-            </a:fillRef>
-            <a:effectRef idx="0">
-              <a:schemeClr val="accent1"/>
-            </a:effectRef>
-            <a:fontRef idx="minor">
-              <a:schemeClr val="lt1"/>
-            </a:fontRef>
-          </p:style>
-          <p:txBody>
-            <a:bodyPr rtlCol="0" anchor="ctr"/>
-            <a:lstStyle/>
-            <a:p>
-              <a:pPr algn="ctr"/>
-              <a:endParaRPr lang="en-US"/>
-            </a:p>
-          </p:txBody>
-        </p:sp>
-        <p:sp>
-          <p:nvSpPr>
-            <p:cNvPr id="7" name="Rectangle 6">
-              <a:extLst>
-                <a:ext uri="{FF2B5EF4-FFF2-40B4-BE49-F238E27FC236}">
-                  <a16:creationId xmlns:a16="http://schemas.microsoft.com/office/drawing/2014/main" id="{4DEEFAEB-0294-44A6-9AB5-EE4DB3EBD161}"/>
-                </a:ext>
-              </a:extLst>
-            </p:cNvPr>
-            <p:cNvSpPr/>
-            <p:nvPr/>
-          </p:nvSpPr>
-          <p:spPr>
-            <a:xfrm>
-              <a:off x="9649226" y="3527791"/>
-              <a:ext cx="1219200" cy="533400"/>
-            </a:xfrm>
-            <a:prstGeom prst="rect">
-              <a:avLst/>
-            </a:prstGeom>
-            <a:noFill/>
-          </p:spPr>
-          <p:style>
-            <a:lnRef idx="2">
-              <a:schemeClr val="accent1">
-                <a:shade val="50000"/>
-              </a:schemeClr>
-            </a:lnRef>
-            <a:fillRef idx="1">
-              <a:schemeClr val="accent1"/>
-            </a:fillRef>
-            <a:effectRef idx="0">
-              <a:schemeClr val="accent1"/>
-            </a:effectRef>
-            <a:fontRef idx="minor">
-              <a:schemeClr val="lt1"/>
-            </a:fontRef>
-          </p:style>
-          <p:txBody>
-            <a:bodyPr rtlCol="0" anchor="ctr"/>
-            <a:lstStyle/>
-            <a:p>
-              <a:pPr algn="ctr"/>
-              <a:endParaRPr lang="en-US"/>
-            </a:p>
-          </p:txBody>
-        </p:sp>
-        <p:cxnSp>
-          <p:nvCxnSpPr>
-            <p:cNvPr id="8" name="Straight Arrow Connector 7">
-              <a:extLst>
-                <a:ext uri="{FF2B5EF4-FFF2-40B4-BE49-F238E27FC236}">
-                  <a16:creationId xmlns:a16="http://schemas.microsoft.com/office/drawing/2014/main" id="{1C6E151B-A7FC-4223-8A16-AABC737C7671}"/>
-                </a:ext>
-              </a:extLst>
-            </p:cNvPr>
-            <p:cNvCxnSpPr>
-              <a:stCxn id="5" idx="3"/>
-              <a:endCxn id="6" idx="1"/>
-            </p:cNvCxnSpPr>
-            <p:nvPr/>
-          </p:nvCxnSpPr>
-          <p:spPr>
-            <a:xfrm flipV="1">
-              <a:off x="9039626" y="2956291"/>
-              <a:ext cx="609600" cy="304800"/>
-            </a:xfrm>
-            <a:prstGeom prst="straightConnector1">
-              <a:avLst/>
-            </a:prstGeom>
-            <a:ln w="25400">
-              <a:tailEnd type="arrow"/>
-            </a:ln>
-          </p:spPr>
-          <p:style>
-            <a:lnRef idx="1">
-              <a:schemeClr val="accent1"/>
-            </a:lnRef>
-            <a:fillRef idx="0">
-              <a:schemeClr val="accent1"/>
-            </a:fillRef>
-            <a:effectRef idx="0">
-              <a:schemeClr val="accent1"/>
-            </a:effectRef>
-            <a:fontRef idx="minor">
-              <a:schemeClr val="tx1"/>
-            </a:fontRef>
-          </p:style>
-        </p:cxnSp>
-        <p:cxnSp>
-          <p:nvCxnSpPr>
-            <p:cNvPr id="9" name="Straight Arrow Connector 8">
-              <a:extLst>
-                <a:ext uri="{FF2B5EF4-FFF2-40B4-BE49-F238E27FC236}">
-                  <a16:creationId xmlns:a16="http://schemas.microsoft.com/office/drawing/2014/main" id="{E3104716-2405-48A6-AC8F-D7BDCC6B9C13}"/>
-                </a:ext>
-              </a:extLst>
-            </p:cNvPr>
-            <p:cNvCxnSpPr/>
-            <p:nvPr/>
-          </p:nvCxnSpPr>
-          <p:spPr>
-            <a:xfrm>
-              <a:off x="10868426" y="2841991"/>
-              <a:ext cx="914400" cy="0"/>
-            </a:xfrm>
-            <a:prstGeom prst="straightConnector1">
-              <a:avLst/>
-            </a:prstGeom>
-            <a:ln w="25400">
-              <a:tailEnd type="arrow"/>
-            </a:ln>
-          </p:spPr>
-          <p:style>
-            <a:lnRef idx="1">
-              <a:schemeClr val="accent1"/>
-            </a:lnRef>
-            <a:fillRef idx="0">
-              <a:schemeClr val="accent1"/>
-            </a:fillRef>
-            <a:effectRef idx="0">
-              <a:schemeClr val="accent1"/>
-            </a:effectRef>
-            <a:fontRef idx="minor">
-              <a:schemeClr val="tx1"/>
-            </a:fontRef>
-          </p:style>
-        </p:cxnSp>
-        <p:cxnSp>
-          <p:nvCxnSpPr>
-            <p:cNvPr id="10" name="Straight Arrow Connector 9">
-              <a:extLst>
-                <a:ext uri="{FF2B5EF4-FFF2-40B4-BE49-F238E27FC236}">
-                  <a16:creationId xmlns:a16="http://schemas.microsoft.com/office/drawing/2014/main" id="{F02C21EB-47F5-41E4-A1BA-07BD88F1B923}"/>
-                </a:ext>
-              </a:extLst>
-            </p:cNvPr>
-            <p:cNvCxnSpPr/>
-            <p:nvPr/>
-          </p:nvCxnSpPr>
-          <p:spPr>
-            <a:xfrm>
-              <a:off x="10868426" y="3070591"/>
-              <a:ext cx="914400" cy="0"/>
-            </a:xfrm>
-            <a:prstGeom prst="straightConnector1">
-              <a:avLst/>
-            </a:prstGeom>
-            <a:ln w="25400">
-              <a:tailEnd type="arrow"/>
-            </a:ln>
-          </p:spPr>
-          <p:style>
-            <a:lnRef idx="1">
-              <a:schemeClr val="accent1"/>
-            </a:lnRef>
-            <a:fillRef idx="0">
-              <a:schemeClr val="accent1"/>
-            </a:fillRef>
-            <a:effectRef idx="0">
-              <a:schemeClr val="accent1"/>
-            </a:effectRef>
-            <a:fontRef idx="minor">
-              <a:schemeClr val="tx1"/>
-            </a:fontRef>
-          </p:style>
-        </p:cxnSp>
-        <p:cxnSp>
-          <p:nvCxnSpPr>
-            <p:cNvPr id="11" name="Straight Arrow Connector 10">
-              <a:extLst>
-                <a:ext uri="{FF2B5EF4-FFF2-40B4-BE49-F238E27FC236}">
-                  <a16:creationId xmlns:a16="http://schemas.microsoft.com/office/drawing/2014/main" id="{2BB40130-E0A7-46B2-95D6-CABEF23019C0}"/>
-                </a:ext>
-              </a:extLst>
-            </p:cNvPr>
-            <p:cNvCxnSpPr/>
-            <p:nvPr/>
-          </p:nvCxnSpPr>
-          <p:spPr>
-            <a:xfrm>
-              <a:off x="10868426" y="3756391"/>
-              <a:ext cx="914400" cy="0"/>
-            </a:xfrm>
-            <a:prstGeom prst="straightConnector1">
-              <a:avLst/>
-            </a:prstGeom>
-            <a:ln w="25400">
-              <a:tailEnd type="arrow"/>
-            </a:ln>
-          </p:spPr>
-          <p:style>
-            <a:lnRef idx="1">
-              <a:schemeClr val="accent1"/>
-            </a:lnRef>
-            <a:fillRef idx="0">
-              <a:schemeClr val="accent1"/>
-            </a:fillRef>
-            <a:effectRef idx="0">
-              <a:schemeClr val="accent1"/>
-            </a:effectRef>
-            <a:fontRef idx="minor">
-              <a:schemeClr val="tx1"/>
-            </a:fontRef>
-          </p:style>
-        </p:cxnSp>
-        <p:cxnSp>
-          <p:nvCxnSpPr>
-            <p:cNvPr id="12" name="Straight Arrow Connector 11">
-              <a:extLst>
-                <a:ext uri="{FF2B5EF4-FFF2-40B4-BE49-F238E27FC236}">
-                  <a16:creationId xmlns:a16="http://schemas.microsoft.com/office/drawing/2014/main" id="{3FB1A551-BEF7-4A2B-B0B3-A834092B0455}"/>
-                </a:ext>
-              </a:extLst>
-            </p:cNvPr>
-            <p:cNvCxnSpPr>
-              <a:endCxn id="7" idx="1"/>
-            </p:cNvCxnSpPr>
-            <p:nvPr/>
-          </p:nvCxnSpPr>
-          <p:spPr>
-            <a:xfrm>
-              <a:off x="9039626" y="3527791"/>
-              <a:ext cx="609600" cy="266700"/>
-            </a:xfrm>
-            <a:prstGeom prst="straightConnector1">
-              <a:avLst/>
-            </a:prstGeom>
-            <a:ln w="25400">
-              <a:tailEnd type="arrow"/>
-            </a:ln>
-          </p:spPr>
-          <p:style>
-            <a:lnRef idx="1">
-              <a:schemeClr val="accent1"/>
-            </a:lnRef>
-            <a:fillRef idx="0">
-              <a:schemeClr val="accent1"/>
-            </a:fillRef>
-            <a:effectRef idx="0">
-              <a:schemeClr val="accent1"/>
-            </a:effectRef>
-            <a:fontRef idx="minor">
-              <a:schemeClr val="tx1"/>
-            </a:fontRef>
-          </p:style>
-        </p:cxnSp>
-        <p:cxnSp>
-          <p:nvCxnSpPr>
-            <p:cNvPr id="13" name="Straight Arrow Connector 12">
-              <a:extLst>
-                <a:ext uri="{FF2B5EF4-FFF2-40B4-BE49-F238E27FC236}">
-                  <a16:creationId xmlns:a16="http://schemas.microsoft.com/office/drawing/2014/main" id="{80CE7CED-0B46-4172-83A8-52936EE1CD04}"/>
-                </a:ext>
-              </a:extLst>
-            </p:cNvPr>
-            <p:cNvCxnSpPr/>
-            <p:nvPr/>
-          </p:nvCxnSpPr>
-          <p:spPr>
-            <a:xfrm>
-              <a:off x="6906026" y="3146791"/>
-              <a:ext cx="914400" cy="0"/>
-            </a:xfrm>
-            <a:prstGeom prst="straightConnector1">
-              <a:avLst/>
-            </a:prstGeom>
-            <a:ln w="25400">
-              <a:tailEnd type="arrow"/>
-            </a:ln>
-          </p:spPr>
-          <p:style>
-            <a:lnRef idx="1">
-              <a:schemeClr val="accent1"/>
-            </a:lnRef>
-            <a:fillRef idx="0">
-              <a:schemeClr val="accent1"/>
-            </a:fillRef>
-            <a:effectRef idx="0">
-              <a:schemeClr val="accent1"/>
-            </a:effectRef>
-            <a:fontRef idx="minor">
-              <a:schemeClr val="tx1"/>
-            </a:fontRef>
-          </p:style>
-        </p:cxnSp>
-        <p:cxnSp>
-          <p:nvCxnSpPr>
-            <p:cNvPr id="14" name="Straight Arrow Connector 13">
-              <a:extLst>
-                <a:ext uri="{FF2B5EF4-FFF2-40B4-BE49-F238E27FC236}">
-                  <a16:creationId xmlns:a16="http://schemas.microsoft.com/office/drawing/2014/main" id="{47333A1E-E5F1-45DA-87FE-F99CE25CBA3D}"/>
-                </a:ext>
-              </a:extLst>
-            </p:cNvPr>
-            <p:cNvCxnSpPr/>
-            <p:nvPr/>
-          </p:nvCxnSpPr>
-          <p:spPr>
-            <a:xfrm>
-              <a:off x="6906026" y="3375391"/>
-              <a:ext cx="914400" cy="0"/>
-            </a:xfrm>
-            <a:prstGeom prst="straightConnector1">
-              <a:avLst/>
-            </a:prstGeom>
-            <a:ln w="25400">
-              <a:tailEnd type="arrow"/>
-            </a:ln>
-          </p:spPr>
-          <p:style>
-            <a:lnRef idx="1">
-              <a:schemeClr val="accent1"/>
-            </a:lnRef>
-            <a:fillRef idx="0">
-              <a:schemeClr val="accent1"/>
-            </a:fillRef>
-            <a:effectRef idx="0">
-              <a:schemeClr val="accent1"/>
-            </a:effectRef>
-            <a:fontRef idx="minor">
-              <a:schemeClr val="tx1"/>
-            </a:fontRef>
-          </p:style>
-        </p:cxnSp>
-        <p:cxnSp>
-          <p:nvCxnSpPr>
-            <p:cNvPr id="15" name="Straight Arrow Connector 14">
-              <a:extLst>
-                <a:ext uri="{FF2B5EF4-FFF2-40B4-BE49-F238E27FC236}">
-                  <a16:creationId xmlns:a16="http://schemas.microsoft.com/office/drawing/2014/main" id="{5F0B9616-5D33-4F37-9E81-658ECDFB49FE}"/>
-                </a:ext>
-              </a:extLst>
-            </p:cNvPr>
-            <p:cNvCxnSpPr/>
-            <p:nvPr/>
-          </p:nvCxnSpPr>
-          <p:spPr>
-            <a:xfrm>
-              <a:off x="7515626" y="3908791"/>
-              <a:ext cx="2133600" cy="0"/>
-            </a:xfrm>
-            <a:prstGeom prst="straightConnector1">
-              <a:avLst/>
-            </a:prstGeom>
-            <a:ln w="25400">
-              <a:tailEnd type="arrow"/>
-            </a:ln>
-          </p:spPr>
-          <p:style>
-            <a:lnRef idx="1">
-              <a:schemeClr val="accent1"/>
-            </a:lnRef>
-            <a:fillRef idx="0">
-              <a:schemeClr val="accent1"/>
-            </a:fillRef>
-            <a:effectRef idx="0">
-              <a:schemeClr val="accent1"/>
-            </a:effectRef>
-            <a:fontRef idx="minor">
-              <a:schemeClr val="tx1"/>
-            </a:fontRef>
-          </p:style>
-        </p:cxnSp>
-        <p:cxnSp>
-          <p:nvCxnSpPr>
-            <p:cNvPr id="16" name="Straight Connector 15">
-              <a:extLst>
-                <a:ext uri="{FF2B5EF4-FFF2-40B4-BE49-F238E27FC236}">
-                  <a16:creationId xmlns:a16="http://schemas.microsoft.com/office/drawing/2014/main" id="{73E8610A-BE09-48BD-B0C8-7C5F6586A78B}"/>
-                </a:ext>
-              </a:extLst>
-            </p:cNvPr>
-            <p:cNvCxnSpPr/>
-            <p:nvPr/>
-          </p:nvCxnSpPr>
-          <p:spPr>
-            <a:xfrm>
-              <a:off x="7515626" y="3375391"/>
-              <a:ext cx="0" cy="533400"/>
-            </a:xfrm>
-            <a:prstGeom prst="line">
-              <a:avLst/>
-            </a:prstGeom>
-            <a:ln w="25400"/>
-          </p:spPr>
-          <p:style>
-            <a:lnRef idx="1">
-              <a:schemeClr val="accent1"/>
-            </a:lnRef>
-            <a:fillRef idx="0">
-              <a:schemeClr val="accent1"/>
-            </a:fillRef>
-            <a:effectRef idx="0">
-              <a:schemeClr val="accent1"/>
-            </a:effectRef>
-            <a:fontRef idx="minor">
-              <a:schemeClr val="tx1"/>
-            </a:fontRef>
-          </p:style>
-        </p:cxnSp>
-        <p:sp>
-          <p:nvSpPr>
-            <p:cNvPr id="17" name="Rectangle 16">
-              <a:extLst>
-                <a:ext uri="{FF2B5EF4-FFF2-40B4-BE49-F238E27FC236}">
-                  <a16:creationId xmlns:a16="http://schemas.microsoft.com/office/drawing/2014/main" id="{FF0C9AE7-A253-4E4E-BA69-B6602A070EBC}"/>
-                </a:ext>
-              </a:extLst>
-            </p:cNvPr>
-            <p:cNvSpPr/>
-            <p:nvPr/>
-          </p:nvSpPr>
-          <p:spPr>
-            <a:xfrm>
-              <a:off x="7210826" y="2384791"/>
-              <a:ext cx="4038600" cy="1905000"/>
-            </a:xfrm>
-            <a:prstGeom prst="rect">
-              <a:avLst/>
-            </a:prstGeom>
-            <a:noFill/>
-          </p:spPr>
-          <p:style>
-            <a:lnRef idx="2">
-              <a:schemeClr val="accent1">
-                <a:shade val="50000"/>
-              </a:schemeClr>
-            </a:lnRef>
-            <a:fillRef idx="1">
-              <a:schemeClr val="accent1"/>
-            </a:fillRef>
-            <a:effectRef idx="0">
-              <a:schemeClr val="accent1"/>
-            </a:effectRef>
-            <a:fontRef idx="minor">
-              <a:schemeClr val="lt1"/>
-            </a:fontRef>
-          </p:style>
-          <p:txBody>
-            <a:bodyPr rtlCol="0" anchor="ctr"/>
-            <a:lstStyle/>
-            <a:p>
-              <a:pPr algn="ctr"/>
-              <a:endParaRPr lang="en-US"/>
-            </a:p>
-          </p:txBody>
-        </p:sp>
-      </p:grpSp>
-      <p:sp>
-        <p:nvSpPr>
-          <p:cNvPr id="20" name="Content Placeholder 1">
-            <a:extLst>
-              <a:ext uri="{FF2B5EF4-FFF2-40B4-BE49-F238E27FC236}">
-                <a16:creationId xmlns:a16="http://schemas.microsoft.com/office/drawing/2014/main" id="{5D4F5D4D-86AF-4BFD-BD2A-DF64AFF847F8}"/>
-              </a:ext>
-            </a:extLst>
-          </p:cNvPr>
-          <p:cNvSpPr>
-            <a:spLocks noGrp="1"/>
-          </p:cNvSpPr>
-          <p:nvPr>
-            <p:ph idx="1"/>
-          </p:nvPr>
-        </p:nvSpPr>
-        <p:spPr>
-          <a:xfrm>
-            <a:off x="69897" y="1332703"/>
-            <a:ext cx="6845734" cy="4285547"/>
-          </a:xfrm>
-        </p:spPr>
-        <p:txBody>
-          <a:bodyPr>
-            <a:normAutofit/>
-          </a:bodyPr>
-          <a:lstStyle/>
-          <a:p>
-            <a:r>
-              <a:rPr lang="en-US" dirty="0"/>
-              <a:t>All components execute in a sequence of rounds in lock-step</a:t>
-            </a:r>
-          </a:p>
-          <a:p>
-            <a:endParaRPr lang="en-US" dirty="0"/>
-          </a:p>
-          <a:p>
-            <a:r>
-              <a:rPr lang="en-US" dirty="0"/>
-              <a:t>Example: </a:t>
-            </a:r>
-          </a:p>
-          <a:p>
-            <a:pPr lvl="1"/>
-            <a:r>
-              <a:rPr lang="en-US" dirty="0"/>
-              <a:t>Components in a digital hardware circuit with a central global clock</a:t>
-            </a:r>
-          </a:p>
-          <a:p>
-            <a:pPr lvl="1"/>
-            <a:r>
-              <a:rPr lang="en-US" dirty="0"/>
-              <a:t>Fixed-step Simulation Models of Discrete Components in Simulink</a:t>
-            </a:r>
-          </a:p>
-        </p:txBody>
-      </p:sp>
-    </p:spTree>
-    <p:extLst>
-      <p:ext uri="{BB962C8B-B14F-4D97-AF65-F5344CB8AC3E}">
-        <p14:creationId xmlns:p14="http://schemas.microsoft.com/office/powerpoint/2010/main" val="3237185787"/>
-      </p:ext>
-    </p:extLst>
-  </p:cSld>
-  <p:clrMapOvr>
-    <a:masterClrMapping/>
-  </p:clrMapOvr>
-</p:sld>
-</file>
-
-<file path=ppt/slides/slide12.xml><?xml version="1.0" encoding="utf-8"?>
-<p:sld xmlns:a="http://schemas.openxmlformats.org/drawingml/2006/main" xmlns:r="http://schemas.openxmlformats.org/officeDocument/2006/relationships" xmlns:p="http://schemas.openxmlformats.org/presentationml/2006/main">
-  <p:cSld>
-    <p:spTree>
-      <p:nvGrpSpPr>
-        <p:cNvPr id="1" name=""/>
-        <p:cNvGrpSpPr/>
-        <p:nvPr/>
-      </p:nvGrpSpPr>
-      <p:grpSpPr>
-        <a:xfrm>
-          <a:off x="0" y="0"/>
-          <a:ext cx="0" cy="0"/>
-          <a:chOff x="0" y="0"/>
-          <a:chExt cx="0" cy="0"/>
-        </a:xfrm>
-      </p:grpSpPr>
-      <p:sp>
-        <p:nvSpPr>
           <p:cNvPr id="3" name="Title 2">
             <a:extLst>
               <a:ext uri="{FF2B5EF4-FFF2-40B4-BE49-F238E27FC236}">
@@ -3528,7 +2720,7 @@
             <a:fld id="{29AAD378-655A-49C6-813C-9FD132EF7440}" type="slidenum">
               <a:rPr lang="en-US" smtClean="0"/>
               <a:pPr/>
-              <a:t>12</a:t>
+              <a:t>10</a:t>
             </a:fld>
             <a:endParaRPr lang="en-US" dirty="0"/>
           </a:p>
@@ -3899,7 +3091,7 @@
 </p:sld>
 </file>
 
-<file path=ppt/slides/slide13.xml><?xml version="1.0" encoding="utf-8"?>
+<file path=ppt/slides/slide11.xml><?xml version="1.0" encoding="utf-8"?>
 <p:sld xmlns:a="http://schemas.openxmlformats.org/drawingml/2006/main" xmlns:r="http://schemas.openxmlformats.org/officeDocument/2006/relationships" xmlns:p="http://schemas.openxmlformats.org/presentationml/2006/main">
   <p:cSld>
     <p:spTree>
@@ -4030,7 +3222,7 @@
             <a:fld id="{29AAD378-655A-49C6-813C-9FD132EF7440}" type="slidenum">
               <a:rPr lang="en-US" smtClean="0"/>
               <a:pPr/>
-              <a:t>13</a:t>
+              <a:t>11</a:t>
             </a:fld>
             <a:endParaRPr lang="en-US" dirty="0"/>
           </a:p>
@@ -4401,7 +3593,7 @@
 </p:sld>
 </file>
 
-<file path=ppt/slides/slide14.xml><?xml version="1.0" encoding="utf-8"?>
+<file path=ppt/slides/slide12.xml><?xml version="1.0" encoding="utf-8"?>
 <p:sld xmlns:a="http://schemas.openxmlformats.org/drawingml/2006/main" xmlns:r="http://schemas.openxmlformats.org/officeDocument/2006/relationships" xmlns:p="http://schemas.openxmlformats.org/presentationml/2006/main">
   <p:cSld>
     <p:spTree>
@@ -4531,7 +3723,7 @@
             <a:fld id="{29AAD378-655A-49C6-813C-9FD132EF7440}" type="slidenum">
               <a:rPr lang="en-US" smtClean="0"/>
               <a:pPr/>
-              <a:t>14</a:t>
+              <a:t>12</a:t>
             </a:fld>
             <a:endParaRPr lang="en-US" dirty="0"/>
           </a:p>
@@ -5927,162 +5119,7 @@
 </p:sld>
 </file>
 
-<file path=ppt/slides/slide15.xml><?xml version="1.0" encoding="utf-8"?>
-<p:sld xmlns:a="http://schemas.openxmlformats.org/drawingml/2006/main" xmlns:r="http://schemas.openxmlformats.org/officeDocument/2006/relationships" xmlns:p="http://schemas.openxmlformats.org/presentationml/2006/main">
-  <p:cSld>
-    <p:spTree>
-      <p:nvGrpSpPr>
-        <p:cNvPr id="1" name=""/>
-        <p:cNvGrpSpPr/>
-        <p:nvPr/>
-      </p:nvGrpSpPr>
-      <p:grpSpPr>
-        <a:xfrm>
-          <a:off x="0" y="0"/>
-          <a:ext cx="0" cy="0"/>
-          <a:chOff x="0" y="0"/>
-          <a:chExt cx="0" cy="0"/>
-        </a:xfrm>
-      </p:grpSpPr>
-      <p:sp>
-        <p:nvSpPr>
-          <p:cNvPr id="2" name="Content Placeholder 1">
-            <a:extLst>
-              <a:ext uri="{FF2B5EF4-FFF2-40B4-BE49-F238E27FC236}">
-                <a16:creationId xmlns:a16="http://schemas.microsoft.com/office/drawing/2014/main" id="{C74E4223-4177-4A6B-AA11-03BD72DD3CC7}"/>
-              </a:ext>
-            </a:extLst>
-          </p:cNvPr>
-          <p:cNvSpPr>
-            <a:spLocks noGrp="1"/>
-          </p:cNvSpPr>
-          <p:nvPr>
-            <p:ph idx="1"/>
-          </p:nvPr>
-        </p:nvSpPr>
-        <p:spPr/>
-        <p:txBody>
-          <a:bodyPr/>
-          <a:lstStyle/>
-          <a:p>
-            <a:r>
-              <a:rPr lang="en-US" dirty="0"/>
-              <a:t>Time needed to execute update is negligible compared to arrival times between consecutive inputs</a:t>
-            </a:r>
-          </a:p>
-          <a:p>
-            <a:r>
-              <a:rPr lang="en-US" dirty="0"/>
-              <a:t>Synchronous execution is a </a:t>
-            </a:r>
-            <a:r>
-              <a:rPr lang="en-US" b="1" dirty="0"/>
-              <a:t>logical abstraction</a:t>
-            </a:r>
-          </a:p>
-          <a:p>
-            <a:pPr lvl="1"/>
-            <a:r>
-              <a:rPr lang="en-US" i="1" dirty="0"/>
-              <a:t>Execution time of update code is 0</a:t>
-            </a:r>
-          </a:p>
-          <a:p>
-            <a:pPr lvl="1"/>
-            <a:r>
-              <a:rPr lang="en-US" i="1" dirty="0"/>
-              <a:t>Production of outputs, updates to state and arrival of inputs happen instantaneously</a:t>
-            </a:r>
-          </a:p>
-          <a:p>
-            <a:r>
-              <a:rPr lang="en-US" dirty="0"/>
-              <a:t>With multiple components, assume all execute synchronously and simultaneously</a:t>
-            </a:r>
-          </a:p>
-          <a:p>
-            <a:r>
-              <a:rPr lang="en-US" dirty="0"/>
-              <a:t>Design-time burden: validate synchrony hypothesis</a:t>
-            </a:r>
-          </a:p>
-          <a:p>
-            <a:endParaRPr lang="en-US" dirty="0"/>
-          </a:p>
-        </p:txBody>
-      </p:sp>
-      <p:sp>
-        <p:nvSpPr>
-          <p:cNvPr id="3" name="Title 2">
-            <a:extLst>
-              <a:ext uri="{FF2B5EF4-FFF2-40B4-BE49-F238E27FC236}">
-                <a16:creationId xmlns:a16="http://schemas.microsoft.com/office/drawing/2014/main" id="{08D78A8E-87E4-4CB4-BBB1-0290DFE564C0}"/>
-              </a:ext>
-            </a:extLst>
-          </p:cNvPr>
-          <p:cNvSpPr>
-            <a:spLocks noGrp="1"/>
-          </p:cNvSpPr>
-          <p:nvPr>
-            <p:ph type="title"/>
-          </p:nvPr>
-        </p:nvSpPr>
-        <p:spPr/>
-        <p:txBody>
-          <a:bodyPr/>
-          <a:lstStyle/>
-          <a:p>
-            <a:r>
-              <a:rPr lang="en-US" dirty="0"/>
-              <a:t>Synchrony hypothesis</a:t>
-            </a:r>
-          </a:p>
-        </p:txBody>
-      </p:sp>
-      <p:sp>
-        <p:nvSpPr>
-          <p:cNvPr id="4" name="Slide Number Placeholder 3">
-            <a:extLst>
-              <a:ext uri="{FF2B5EF4-FFF2-40B4-BE49-F238E27FC236}">
-                <a16:creationId xmlns:a16="http://schemas.microsoft.com/office/drawing/2014/main" id="{89E79142-E6CA-4AED-B21A-ED8C48D4FF3F}"/>
-              </a:ext>
-            </a:extLst>
-          </p:cNvPr>
-          <p:cNvSpPr>
-            <a:spLocks noGrp="1"/>
-          </p:cNvSpPr>
-          <p:nvPr>
-            <p:ph type="sldNum" sz="quarter" idx="12"/>
-          </p:nvPr>
-        </p:nvSpPr>
-        <p:spPr/>
-        <p:txBody>
-          <a:bodyPr/>
-          <a:lstStyle/>
-          <a:p>
-            <a:fld id="{29AAD378-655A-49C6-813C-9FD132EF7440}" type="slidenum">
-              <a:rPr lang="en-US" smtClean="0"/>
-              <a:pPr/>
-              <a:t>15</a:t>
-            </a:fld>
-            <a:endParaRPr lang="en-US" dirty="0"/>
-          </a:p>
-        </p:txBody>
-      </p:sp>
-    </p:spTree>
-    <p:extLst>
-      <p:ext uri="{BB962C8B-B14F-4D97-AF65-F5344CB8AC3E}">
-        <p14:creationId xmlns:p14="http://schemas.microsoft.com/office/powerpoint/2010/main" val="157147551"/>
-      </p:ext>
-    </p:extLst>
-  </p:cSld>
-  <p:clrMapOvr>
-    <a:masterClrMapping/>
-  </p:clrMapOvr>
-</p:sld>
-</file>
-
-<file path=ppt/slides/slide16.xml><?xml version="1.0" encoding="utf-8"?>
+<file path=ppt/slides/slide13.xml><?xml version="1.0" encoding="utf-8"?>
 <p:sld xmlns:a="http://schemas.openxmlformats.org/drawingml/2006/main" xmlns:r="http://schemas.openxmlformats.org/officeDocument/2006/relationships" xmlns:p="http://schemas.openxmlformats.org/presentationml/2006/main">
   <p:cSld>
     <p:spTree>
@@ -6293,7 +5330,7 @@
             <a:fld id="{29AAD378-655A-49C6-813C-9FD132EF7440}" type="slidenum">
               <a:rPr lang="en-US" smtClean="0"/>
               <a:pPr/>
-              <a:t>16</a:t>
+              <a:t>13</a:t>
             </a:fld>
             <a:endParaRPr lang="en-US" dirty="0"/>
           </a:p>
@@ -7994,7 +7031,7 @@
 </p:sld>
 </file>
 
-<file path=ppt/slides/slide17.xml><?xml version="1.0" encoding="utf-8"?>
+<file path=ppt/slides/slide14.xml><?xml version="1.0" encoding="utf-8"?>
 <p:sld xmlns:a="http://schemas.openxmlformats.org/drawingml/2006/main" xmlns:r="http://schemas.openxmlformats.org/officeDocument/2006/relationships" xmlns:p="http://schemas.openxmlformats.org/presentationml/2006/main">
   <p:cSld>
     <p:spTree>
@@ -8011,8 +7048,8 @@
           <a:chExt cx="0" cy="0"/>
         </a:xfrm>
       </p:grpSpPr>
-      <mc:AlternateContent xmlns:mc="http://schemas.openxmlformats.org/markup-compatibility/2006" xmlns:a14="http://schemas.microsoft.com/office/drawing/2010/main">
-        <mc:Choice Requires="a14">
+      <mc:AlternateContent xmlns:mc="http://schemas.openxmlformats.org/markup-compatibility/2006">
+        <mc:Choice xmlns:a14="http://schemas.microsoft.com/office/drawing/2010/main" Requires="a14">
           <p:sp>
             <p:nvSpPr>
               <p:cNvPr id="2" name="Content Placeholder 1">
@@ -8139,369 +7176,6 @@
                 <a:endParaRPr lang="en-US" sz="2400" dirty="0"/>
               </a:p>
               <a:p>
-                <a:r>
-                  <a:rPr lang="en-US" sz="2400" dirty="0"/>
-                  <a:t>Semantics of the initialization function:</a:t>
-                </a:r>
-              </a:p>
-              <a:p>
-                <a:pPr lvl="1"/>
-                <a:r>
-                  <a:rPr lang="en-US" sz="2400" dirty="0"/>
-                  <a:t>At time/round 0, maps the state variables to some specified value (or values) in </a:t>
-                </a:r>
-                <a14:m>
-                  <m:oMath xmlns:m="http://schemas.openxmlformats.org/officeDocument/2006/math">
-                    <m:sSub>
-                      <m:sSubPr>
-                        <m:ctrlPr>
-                          <a:rPr lang="en-US" sz="2400" b="0" i="1" smtClean="0">
-                            <a:latin typeface="Cambria Math" panose="02040503050406030204" pitchFamily="18" charset="0"/>
-                          </a:rPr>
-                        </m:ctrlPr>
-                      </m:sSubPr>
-                      <m:e>
-                        <m:r>
-                          <a:rPr lang="en-US" sz="2400" b="0" i="1" smtClean="0">
-                            <a:latin typeface="Cambria Math" panose="02040503050406030204" pitchFamily="18" charset="0"/>
-                          </a:rPr>
-                          <m:t>𝑄</m:t>
-                        </m:r>
-                      </m:e>
-                      <m:sub>
-                        <m:r>
-                          <a:rPr lang="en-US" sz="2400" b="0" i="1" smtClean="0">
-                            <a:latin typeface="Cambria Math" panose="02040503050406030204" pitchFamily="18" charset="0"/>
-                          </a:rPr>
-                          <m:t>𝑋</m:t>
-                        </m:r>
-                      </m:sub>
-                    </m:sSub>
-                  </m:oMath>
-                </a14:m>
-                <a:endParaRPr lang="en-US" sz="2400" dirty="0"/>
-              </a:p>
-              <a:p>
-                <a:r>
-                  <a:rPr lang="en-US" sz="2400" dirty="0"/>
-                  <a:t>Semantics of the update function (some sequence of conditionals and assignments): </a:t>
-                </a:r>
-              </a:p>
-              <a:p>
-                <a:pPr lvl="1"/>
-                <a:r>
-                  <a:rPr lang="en-US" sz="2400" dirty="0"/>
-                  <a:t>Set </a:t>
-                </a:r>
-                <a14:m>
-                  <m:oMath xmlns:m="http://schemas.openxmlformats.org/officeDocument/2006/math">
-                    <m:r>
-                      <a:rPr lang="en-US" sz="2400" b="0" i="1" smtClean="0">
-                        <a:latin typeface="Cambria Math" panose="02040503050406030204" pitchFamily="18" charset="0"/>
-                      </a:rPr>
-                      <m:t>𝑅</m:t>
-                    </m:r>
-                    <m:r>
-                      <a:rPr lang="en-US" sz="2400" b="0" i="1" smtClean="0">
-                        <a:latin typeface="Cambria Math" panose="02040503050406030204" pitchFamily="18" charset="0"/>
-                      </a:rPr>
-                      <m:t> </m:t>
-                    </m:r>
-                  </m:oMath>
-                </a14:m>
-                <a:r>
-                  <a:rPr lang="en-US" sz="2400" dirty="0"/>
-                  <a:t>of transitions where each transition is of the form: </a:t>
-                </a:r>
-                <a14:m>
-                  <m:oMath xmlns:m="http://schemas.openxmlformats.org/officeDocument/2006/math">
-                    <m:r>
-                      <a:rPr lang="en-US" sz="2400" b="0" i="1" smtClean="0">
-                        <a:latin typeface="Cambria Math" panose="02040503050406030204" pitchFamily="18" charset="0"/>
-                      </a:rPr>
-                      <m:t>𝑞</m:t>
-                    </m:r>
-                    <m:r>
-                      <a:rPr lang="en-US" sz="2400" b="0" i="1" smtClean="0">
-                        <a:latin typeface="Cambria Math" panose="02040503050406030204" pitchFamily="18" charset="0"/>
-                      </a:rPr>
-                      <m:t> </m:t>
-                    </m:r>
-                    <m:groupChr>
-                      <m:groupChrPr>
-                        <m:chr m:val="→"/>
-                        <m:vertJc m:val="bot"/>
-                        <m:ctrlPr>
-                          <a:rPr lang="en-US" sz="2400" b="0" i="1" smtClean="0">
-                            <a:latin typeface="Cambria Math" panose="02040503050406030204" pitchFamily="18" charset="0"/>
-                          </a:rPr>
-                        </m:ctrlPr>
-                      </m:groupChrPr>
-                      <m:e>
-                        <m:r>
-                          <m:rPr>
-                            <m:brk m:alnAt="2"/>
-                          </m:rPr>
-                          <a:rPr lang="en-US" sz="2400" b="0" i="1" smtClean="0">
-                            <a:latin typeface="Cambria Math" panose="02040503050406030204" pitchFamily="18" charset="0"/>
-                          </a:rPr>
-                          <m:t>𝑖</m:t>
-                        </m:r>
-                        <m:r>
-                          <a:rPr lang="en-US" sz="2400" b="0" i="1" smtClean="0">
-                            <a:latin typeface="Cambria Math" panose="02040503050406030204" pitchFamily="18" charset="0"/>
-                          </a:rPr>
-                          <m:t>/</m:t>
-                        </m:r>
-                        <m:r>
-                          <a:rPr lang="en-US" sz="2400" b="0" i="1" smtClean="0">
-                            <a:latin typeface="Cambria Math" panose="02040503050406030204" pitchFamily="18" charset="0"/>
-                          </a:rPr>
-                          <m:t>𝑜</m:t>
-                        </m:r>
-                      </m:e>
-                    </m:groupChr>
-                    <m:r>
-                      <a:rPr lang="en-US" sz="2400" b="0" i="0" smtClean="0">
-                        <a:latin typeface="Cambria Math" panose="02040503050406030204" pitchFamily="18" charset="0"/>
-                      </a:rPr>
-                      <m:t> </m:t>
-                    </m:r>
-                    <m:sSup>
-                      <m:sSupPr>
-                        <m:ctrlPr>
-                          <a:rPr lang="en-US" sz="2400" b="0" i="1" smtClean="0">
-                            <a:latin typeface="Cambria Math" panose="02040503050406030204" pitchFamily="18" charset="0"/>
-                          </a:rPr>
-                        </m:ctrlPr>
-                      </m:sSupPr>
-                      <m:e>
-                        <m:r>
-                          <a:rPr lang="en-US" sz="2400" b="0" i="1" smtClean="0">
-                            <a:latin typeface="Cambria Math" panose="02040503050406030204" pitchFamily="18" charset="0"/>
-                          </a:rPr>
-                          <m:t>𝑞</m:t>
-                        </m:r>
-                      </m:e>
-                      <m:sup>
-                        <m:r>
-                          <a:rPr lang="en-US" sz="2400" b="0" i="0" smtClean="0">
-                            <a:latin typeface="Cambria Math" panose="02040503050406030204" pitchFamily="18" charset="0"/>
-                          </a:rPr>
-                          <m:t>′</m:t>
-                        </m:r>
-                      </m:sup>
-                    </m:sSup>
-                  </m:oMath>
-                </a14:m>
-                <a:r>
-                  <a:rPr lang="en-US" sz="2400" dirty="0"/>
-                  <a:t>, where </a:t>
-                </a:r>
-                <a14:m>
-                  <m:oMath xmlns:m="http://schemas.openxmlformats.org/officeDocument/2006/math">
-                    <m:r>
-                      <a:rPr lang="en-US" sz="2400" b="0" i="1" smtClean="0">
-                        <a:latin typeface="Cambria Math" panose="02040503050406030204" pitchFamily="18" charset="0"/>
-                      </a:rPr>
-                      <m:t>𝑞</m:t>
-                    </m:r>
-                  </m:oMath>
-                </a14:m>
-                <a:r>
-                  <a:rPr lang="en-US" sz="2400" dirty="0"/>
-                  <a:t> is the old value of the state variables, </a:t>
-                </a:r>
-                <a14:m>
-                  <m:oMath xmlns:m="http://schemas.openxmlformats.org/officeDocument/2006/math">
-                    <m:r>
-                      <a:rPr lang="en-US" sz="2400" b="0" i="1" smtClean="0">
-                        <a:latin typeface="Cambria Math" panose="02040503050406030204" pitchFamily="18" charset="0"/>
-                      </a:rPr>
-                      <m:t>𝑞</m:t>
-                    </m:r>
-                    <m:r>
-                      <a:rPr lang="en-US" sz="2400" b="0" i="1" smtClean="0">
-                        <a:latin typeface="Cambria Math" panose="02040503050406030204" pitchFamily="18" charset="0"/>
-                      </a:rPr>
-                      <m:t>′</m:t>
-                    </m:r>
-                  </m:oMath>
-                </a14:m>
-                <a:r>
-                  <a:rPr lang="en-US" sz="2400" dirty="0"/>
-                  <a:t> is the new value of the state variables, </a:t>
-                </a:r>
-                <a14:m>
-                  <m:oMath xmlns:m="http://schemas.openxmlformats.org/officeDocument/2006/math">
-                    <m:r>
-                      <a:rPr lang="en-US" sz="2400" b="0" i="1" smtClean="0">
-                        <a:latin typeface="Cambria Math" panose="02040503050406030204" pitchFamily="18" charset="0"/>
-                      </a:rPr>
-                      <m:t>𝑖</m:t>
-                    </m:r>
-                  </m:oMath>
-                </a14:m>
-                <a:r>
-                  <a:rPr lang="en-US" sz="2400" dirty="0"/>
-                  <a:t> is the value of the input in that round, and </a:t>
-                </a:r>
-                <a14:m>
-                  <m:oMath xmlns:m="http://schemas.openxmlformats.org/officeDocument/2006/math">
-                    <m:r>
-                      <a:rPr lang="en-US" sz="2400" b="0" i="1" smtClean="0">
-                        <a:latin typeface="Cambria Math" panose="02040503050406030204" pitchFamily="18" charset="0"/>
-                      </a:rPr>
-                      <m:t>𝑜</m:t>
-                    </m:r>
-                  </m:oMath>
-                </a14:m>
-                <a:r>
-                  <a:rPr lang="en-US" sz="2400" dirty="0"/>
-                  <a:t> is the value of the output</a:t>
-                </a:r>
-              </a:p>
-              <a:p>
-                <a:pPr lvl="1"/>
-                <a14:m>
-                  <m:oMath xmlns:m="http://schemas.openxmlformats.org/officeDocument/2006/math">
-                    <m:r>
-                      <a:rPr lang="en-US" sz="2400" b="0" i="1" smtClean="0">
-                        <a:latin typeface="Cambria Math" panose="02040503050406030204" pitchFamily="18" charset="0"/>
-                      </a:rPr>
-                      <m:t>𝑅</m:t>
-                    </m:r>
-                  </m:oMath>
-                </a14:m>
-                <a:r>
-                  <a:rPr lang="en-US" sz="2400" dirty="0"/>
-                  <a:t> is a subset of </a:t>
-                </a:r>
-                <a14:m>
-                  <m:oMath xmlns:m="http://schemas.openxmlformats.org/officeDocument/2006/math">
-                    <m:sSub>
-                      <m:sSubPr>
-                        <m:ctrlPr>
-                          <a:rPr lang="en-US" sz="2400" b="0" i="1" smtClean="0">
-                            <a:latin typeface="Cambria Math" panose="02040503050406030204" pitchFamily="18" charset="0"/>
-                          </a:rPr>
-                        </m:ctrlPr>
-                      </m:sSubPr>
-                      <m:e>
-                        <m:r>
-                          <a:rPr lang="en-US" sz="2400" b="0" i="1" smtClean="0">
-                            <a:latin typeface="Cambria Math" panose="02040503050406030204" pitchFamily="18" charset="0"/>
-                          </a:rPr>
-                          <m:t>𝑄</m:t>
-                        </m:r>
-                      </m:e>
-                      <m:sub>
-                        <m:r>
-                          <a:rPr lang="en-US" sz="2400" b="0" i="1" smtClean="0">
-                            <a:latin typeface="Cambria Math" panose="02040503050406030204" pitchFamily="18" charset="0"/>
-                          </a:rPr>
-                          <m:t>𝑋</m:t>
-                        </m:r>
-                      </m:sub>
-                    </m:sSub>
-                    <m:r>
-                      <a:rPr lang="en-US" sz="2400" b="0" i="1" smtClean="0">
-                        <a:latin typeface="Cambria Math" panose="02040503050406030204" pitchFamily="18" charset="0"/>
-                      </a:rPr>
-                      <m:t>×</m:t>
-                    </m:r>
-                    <m:sSub>
-                      <m:sSubPr>
-                        <m:ctrlPr>
-                          <a:rPr lang="en-US" sz="2400" b="0" i="1" smtClean="0">
-                            <a:latin typeface="Cambria Math" panose="02040503050406030204" pitchFamily="18" charset="0"/>
-                          </a:rPr>
-                        </m:ctrlPr>
-                      </m:sSubPr>
-                      <m:e>
-                        <m:r>
-                          <a:rPr lang="en-US" sz="2400" b="0" i="1" smtClean="0">
-                            <a:latin typeface="Cambria Math" panose="02040503050406030204" pitchFamily="18" charset="0"/>
-                          </a:rPr>
-                          <m:t>𝑄</m:t>
-                        </m:r>
-                      </m:e>
-                      <m:sub>
-                        <m:r>
-                          <a:rPr lang="en-US" sz="2400" b="0" i="1" smtClean="0">
-                            <a:latin typeface="Cambria Math" panose="02040503050406030204" pitchFamily="18" charset="0"/>
-                          </a:rPr>
-                          <m:t>𝐼</m:t>
-                        </m:r>
-                      </m:sub>
-                    </m:sSub>
-                    <m:r>
-                      <a:rPr lang="en-US" sz="2400" b="0" i="1" smtClean="0">
-                        <a:latin typeface="Cambria Math" panose="02040503050406030204" pitchFamily="18" charset="0"/>
-                      </a:rPr>
-                      <m:t>×</m:t>
-                    </m:r>
-                    <m:sSub>
-                      <m:sSubPr>
-                        <m:ctrlPr>
-                          <a:rPr lang="en-US" sz="2400" b="0" i="1" smtClean="0">
-                            <a:latin typeface="Cambria Math" panose="02040503050406030204" pitchFamily="18" charset="0"/>
-                          </a:rPr>
-                        </m:ctrlPr>
-                      </m:sSubPr>
-                      <m:e>
-                        <m:r>
-                          <a:rPr lang="en-US" sz="2400" b="0" i="1" smtClean="0">
-                            <a:latin typeface="Cambria Math" panose="02040503050406030204" pitchFamily="18" charset="0"/>
-                          </a:rPr>
-                          <m:t>𝑄</m:t>
-                        </m:r>
-                      </m:e>
-                      <m:sub>
-                        <m:r>
-                          <a:rPr lang="en-US" sz="2400" b="0" i="1" smtClean="0">
-                            <a:latin typeface="Cambria Math" panose="02040503050406030204" pitchFamily="18" charset="0"/>
-                          </a:rPr>
-                          <m:t>𝑂</m:t>
-                        </m:r>
-                      </m:sub>
-                    </m:sSub>
-                    <m:r>
-                      <a:rPr lang="en-US" sz="2400" b="0" i="1" smtClean="0">
-                        <a:latin typeface="Cambria Math" panose="02040503050406030204" pitchFamily="18" charset="0"/>
-                      </a:rPr>
-                      <m:t>×</m:t>
-                    </m:r>
-                    <m:sSub>
-                      <m:sSubPr>
-                        <m:ctrlPr>
-                          <a:rPr lang="en-US" sz="2400" b="0" i="1" smtClean="0">
-                            <a:latin typeface="Cambria Math" panose="02040503050406030204" pitchFamily="18" charset="0"/>
-                          </a:rPr>
-                        </m:ctrlPr>
-                      </m:sSubPr>
-                      <m:e>
-                        <m:r>
-                          <a:rPr lang="en-US" sz="2400" b="0" i="1" smtClean="0">
-                            <a:latin typeface="Cambria Math" panose="02040503050406030204" pitchFamily="18" charset="0"/>
-                          </a:rPr>
-                          <m:t>𝑄</m:t>
-                        </m:r>
-                      </m:e>
-                      <m:sub>
-                        <m:r>
-                          <a:rPr lang="en-US" sz="2400" b="0" i="1" smtClean="0">
-                            <a:latin typeface="Cambria Math" panose="02040503050406030204" pitchFamily="18" charset="0"/>
-                          </a:rPr>
-                          <m:t>𝑋</m:t>
-                        </m:r>
-                      </m:sub>
-                    </m:sSub>
-                  </m:oMath>
-                </a14:m>
-                <a:endParaRPr lang="en-US" sz="2400" dirty="0"/>
-              </a:p>
-              <a:p>
                 <a:pPr lvl="1"/>
                 <a:endParaRPr lang="en-US" sz="2400" dirty="0"/>
               </a:p>
@@ -8511,7 +7185,7 @@
             </p:txBody>
           </p:sp>
         </mc:Choice>
-        <mc:Fallback xmlns="">
+        <mc:Fallback>
           <p:sp>
             <p:nvSpPr>
               <p:cNvPr id="2" name="Content Placeholder 1">
@@ -8536,7 +7210,7 @@
               <a:blipFill>
                 <a:blip r:embed="rId2"/>
                 <a:stretch>
-                  <a:fillRect l="-403" t="-1964" r="-1258"/>
+                  <a:fillRect l="-403" t="-1964"/>
                 </a:stretch>
               </a:blipFill>
             </p:spPr>
@@ -8607,7 +7281,7 @@
             <a:fld id="{29AAD378-655A-49C6-813C-9FD132EF7440}" type="slidenum">
               <a:rPr lang="en-US" smtClean="0"/>
               <a:pPr/>
-              <a:t>17</a:t>
+              <a:t>14</a:t>
             </a:fld>
             <a:endParaRPr lang="en-US" dirty="0"/>
           </a:p>
@@ -8626,7 +7300,7 @@
 </p:sld>
 </file>
 
-<file path=ppt/slides/slide18.xml><?xml version="1.0" encoding="utf-8"?>
+<file path=ppt/slides/slide15.xml><?xml version="1.0" encoding="utf-8"?>
 <p:sld xmlns:a="http://schemas.openxmlformats.org/drawingml/2006/main" xmlns:r="http://schemas.openxmlformats.org/officeDocument/2006/relationships" xmlns:p="http://schemas.openxmlformats.org/presentationml/2006/main">
   <p:cSld>
     <p:spTree>
@@ -8833,7 +7507,7 @@
             <a:fld id="{29AAD378-655A-49C6-813C-9FD132EF7440}" type="slidenum">
               <a:rPr lang="en-US" smtClean="0"/>
               <a:pPr/>
-              <a:t>18</a:t>
+              <a:t>15</a:t>
             </a:fld>
             <a:endParaRPr lang="en-US" dirty="0"/>
           </a:p>
@@ -9579,8 +8253,8 @@
           </p:txBody>
         </p:sp>
       </p:grpSp>
-      <mc:AlternateContent xmlns:mc="http://schemas.openxmlformats.org/markup-compatibility/2006" xmlns:a14="http://schemas.microsoft.com/office/drawing/2010/main">
-        <mc:Choice Requires="a14">
+      <mc:AlternateContent xmlns:mc="http://schemas.openxmlformats.org/markup-compatibility/2006">
+        <mc:Choice xmlns:a14="http://schemas.microsoft.com/office/drawing/2010/main" Requires="a14">
           <p:sp>
             <p:nvSpPr>
               <p:cNvPr id="23" name="TextBox 22">
@@ -9595,7 +8269,7 @@
             </p:nvSpPr>
             <p:spPr>
               <a:xfrm>
-                <a:off x="806824" y="4788698"/>
+                <a:off x="679531" y="5112953"/>
                 <a:ext cx="4653710" cy="461665"/>
               </a:xfrm>
               <a:prstGeom prst="rect">
@@ -9767,7 +8441,7 @@
             </p:txBody>
           </p:sp>
         </mc:Choice>
-        <mc:Fallback xmlns="">
+        <mc:Fallback>
           <p:sp>
             <p:nvSpPr>
               <p:cNvPr id="23" name="TextBox 22">
@@ -9784,7 +8458,7 @@
             </p:nvSpPr>
             <p:spPr>
               <a:xfrm>
-                <a:off x="806824" y="4788698"/>
+                <a:off x="679531" y="5112953"/>
                 <a:ext cx="4653710" cy="461665"/>
               </a:xfrm>
               <a:prstGeom prst="rect">
@@ -10189,7 +8863,639 @@
 </p:sld>
 </file>
 
-<file path=ppt/slides/slide19.xml><?xml version="1.0" encoding="utf-8"?>
+<file path=ppt/slides/slide16.xml><?xml version="1.0" encoding="utf-8"?>
+<p:sld xmlns:a="http://schemas.openxmlformats.org/drawingml/2006/main" xmlns:r="http://schemas.openxmlformats.org/officeDocument/2006/relationships" xmlns:p="http://schemas.openxmlformats.org/presentationml/2006/main">
+  <p:cSld>
+    <p:spTree>
+      <p:nvGrpSpPr>
+        <p:cNvPr id="1" name=""/>
+        <p:cNvGrpSpPr/>
+        <p:nvPr/>
+      </p:nvGrpSpPr>
+      <p:grpSpPr>
+        <a:xfrm>
+          <a:off x="0" y="0"/>
+          <a:ext cx="0" cy="0"/>
+          <a:chOff x="0" y="0"/>
+          <a:chExt cx="0" cy="0"/>
+        </a:xfrm>
+      </p:grpSpPr>
+      <mc:AlternateContent xmlns:mc="http://schemas.openxmlformats.org/markup-compatibility/2006" xmlns:a14="http://schemas.microsoft.com/office/drawing/2010/main">
+        <mc:Choice Requires="a14">
+          <p:sp>
+            <p:nvSpPr>
+              <p:cNvPr id="2" name="Content Placeholder 1">
+                <a:extLst>
+                  <a:ext uri="{FF2B5EF4-FFF2-40B4-BE49-F238E27FC236}">
+                    <a16:creationId xmlns:a16="http://schemas.microsoft.com/office/drawing/2014/main" id="{595D15F2-DFE5-4230-90E0-18B8C372E1C6}"/>
+                  </a:ext>
+                </a:extLst>
+              </p:cNvPr>
+              <p:cNvSpPr>
+                <a:spLocks noGrp="1"/>
+              </p:cNvSpPr>
+              <p:nvPr>
+                <p:ph idx="1"/>
+              </p:nvPr>
+            </p:nvSpPr>
+            <p:spPr>
+              <a:xfrm>
+                <a:off x="0" y="1332703"/>
+                <a:ext cx="12111135" cy="4351338"/>
+              </a:xfrm>
+            </p:spPr>
+            <p:txBody>
+              <a:bodyPr>
+                <a:normAutofit/>
+              </a:bodyPr>
+              <a:lstStyle/>
+              <a:p>
+                <a:r>
+                  <a:rPr lang="en-US" sz="2400" dirty="0"/>
+                  <a:t>Let the set of input, output, and state values be </a:t>
+                </a:r>
+                <a14:m>
+                  <m:oMath xmlns:m="http://schemas.openxmlformats.org/officeDocument/2006/math">
+                    <m:sSub>
+                      <m:sSubPr>
+                        <m:ctrlPr>
+                          <a:rPr lang="en-US" sz="2400" i="1">
+                            <a:latin typeface="Cambria Math" panose="02040503050406030204" pitchFamily="18" charset="0"/>
+                          </a:rPr>
+                        </m:ctrlPr>
+                      </m:sSubPr>
+                      <m:e>
+                        <m:r>
+                          <a:rPr lang="en-US" sz="2400" i="1">
+                            <a:latin typeface="Cambria Math" panose="02040503050406030204" pitchFamily="18" charset="0"/>
+                          </a:rPr>
+                          <m:t>𝑄</m:t>
+                        </m:r>
+                      </m:e>
+                      <m:sub>
+                        <m:r>
+                          <a:rPr lang="en-US" sz="2400" i="1">
+                            <a:latin typeface="Cambria Math" panose="02040503050406030204" pitchFamily="18" charset="0"/>
+                          </a:rPr>
+                          <m:t>𝐼</m:t>
+                        </m:r>
+                      </m:sub>
+                    </m:sSub>
+                    <m:r>
+                      <a:rPr lang="en-US" sz="2400" i="1">
+                        <a:latin typeface="Cambria Math" panose="02040503050406030204" pitchFamily="18" charset="0"/>
+                      </a:rPr>
+                      <m:t>, </m:t>
+                    </m:r>
+                    <m:sSub>
+                      <m:sSubPr>
+                        <m:ctrlPr>
+                          <a:rPr lang="en-US" sz="2400" i="1">
+                            <a:latin typeface="Cambria Math" panose="02040503050406030204" pitchFamily="18" charset="0"/>
+                          </a:rPr>
+                        </m:ctrlPr>
+                      </m:sSubPr>
+                      <m:e>
+                        <m:r>
+                          <a:rPr lang="en-US" sz="2400" i="1">
+                            <a:latin typeface="Cambria Math" panose="02040503050406030204" pitchFamily="18" charset="0"/>
+                          </a:rPr>
+                          <m:t>𝑄</m:t>
+                        </m:r>
+                      </m:e>
+                      <m:sub>
+                        <m:r>
+                          <a:rPr lang="en-US" sz="2400" i="1">
+                            <a:latin typeface="Cambria Math" panose="02040503050406030204" pitchFamily="18" charset="0"/>
+                          </a:rPr>
+                          <m:t>𝑂</m:t>
+                        </m:r>
+                      </m:sub>
+                    </m:sSub>
+                    <m:r>
+                      <a:rPr lang="en-US" sz="2400" i="1">
+                        <a:latin typeface="Cambria Math" panose="02040503050406030204" pitchFamily="18" charset="0"/>
+                      </a:rPr>
+                      <m:t>, </m:t>
+                    </m:r>
+                    <m:sSub>
+                      <m:sSubPr>
+                        <m:ctrlPr>
+                          <a:rPr lang="en-US" sz="2400" i="1">
+                            <a:latin typeface="Cambria Math" panose="02040503050406030204" pitchFamily="18" charset="0"/>
+                          </a:rPr>
+                        </m:ctrlPr>
+                      </m:sSubPr>
+                      <m:e>
+                        <m:r>
+                          <a:rPr lang="en-US" sz="2400" i="1">
+                            <a:latin typeface="Cambria Math" panose="02040503050406030204" pitchFamily="18" charset="0"/>
+                          </a:rPr>
+                          <m:t>𝑄</m:t>
+                        </m:r>
+                      </m:e>
+                      <m:sub>
+                        <m:r>
+                          <a:rPr lang="en-US" sz="2400" i="1">
+                            <a:latin typeface="Cambria Math" panose="02040503050406030204" pitchFamily="18" charset="0"/>
+                          </a:rPr>
+                          <m:t>𝑋</m:t>
+                        </m:r>
+                      </m:sub>
+                    </m:sSub>
+                  </m:oMath>
+                </a14:m>
+                <a:endParaRPr lang="en-US" sz="2400" dirty="0"/>
+              </a:p>
+              <a:p>
+                <a:r>
+                  <a:rPr lang="en-US" sz="2400" dirty="0"/>
+                  <a:t>Semantics of the initialization function:</a:t>
+                </a:r>
+              </a:p>
+              <a:p>
+                <a:pPr lvl="1"/>
+                <a:r>
+                  <a:rPr lang="en-US" sz="2400" dirty="0"/>
+                  <a:t>At time/round 0, maps the state variables to some specified value (or values) in </a:t>
+                </a:r>
+                <a14:m>
+                  <m:oMath xmlns:m="http://schemas.openxmlformats.org/officeDocument/2006/math">
+                    <m:sSub>
+                      <m:sSubPr>
+                        <m:ctrlPr>
+                          <a:rPr lang="en-US" sz="2400" b="0" i="1" smtClean="0">
+                            <a:latin typeface="Cambria Math" panose="02040503050406030204" pitchFamily="18" charset="0"/>
+                          </a:rPr>
+                        </m:ctrlPr>
+                      </m:sSubPr>
+                      <m:e>
+                        <m:r>
+                          <a:rPr lang="en-US" sz="2400" b="0" i="1" smtClean="0">
+                            <a:latin typeface="Cambria Math" panose="02040503050406030204" pitchFamily="18" charset="0"/>
+                          </a:rPr>
+                          <m:t>𝑄</m:t>
+                        </m:r>
+                      </m:e>
+                      <m:sub>
+                        <m:r>
+                          <a:rPr lang="en-US" sz="2400" b="0" i="1" smtClean="0">
+                            <a:latin typeface="Cambria Math" panose="02040503050406030204" pitchFamily="18" charset="0"/>
+                          </a:rPr>
+                          <m:t>𝑋</m:t>
+                        </m:r>
+                      </m:sub>
+                    </m:sSub>
+                  </m:oMath>
+                </a14:m>
+                <a:endParaRPr lang="en-US" sz="2400" dirty="0"/>
+              </a:p>
+              <a:p>
+                <a:r>
+                  <a:rPr lang="en-US" sz="2400" dirty="0"/>
+                  <a:t>Semantics of the update function (some sequence of conditionals and assignments): </a:t>
+                </a:r>
+              </a:p>
+              <a:p>
+                <a:pPr lvl="1"/>
+                <a:r>
+                  <a:rPr lang="en-US" sz="2400" dirty="0"/>
+                  <a:t>Set </a:t>
+                </a:r>
+                <a14:m>
+                  <m:oMath xmlns:m="http://schemas.openxmlformats.org/officeDocument/2006/math">
+                    <m:r>
+                      <a:rPr lang="en-US" sz="2400" b="0" i="1" smtClean="0">
+                        <a:latin typeface="Cambria Math" panose="02040503050406030204" pitchFamily="18" charset="0"/>
+                      </a:rPr>
+                      <m:t>𝑅</m:t>
+                    </m:r>
+                    <m:r>
+                      <a:rPr lang="en-US" sz="2400" b="0" i="1" smtClean="0">
+                        <a:latin typeface="Cambria Math" panose="02040503050406030204" pitchFamily="18" charset="0"/>
+                      </a:rPr>
+                      <m:t> </m:t>
+                    </m:r>
+                  </m:oMath>
+                </a14:m>
+                <a:r>
+                  <a:rPr lang="en-US" sz="2400" dirty="0"/>
+                  <a:t>of transitions where each transition is of the form: </a:t>
+                </a:r>
+                <a14:m>
+                  <m:oMath xmlns:m="http://schemas.openxmlformats.org/officeDocument/2006/math">
+                    <m:r>
+                      <a:rPr lang="en-US" sz="2400" b="0" i="1" smtClean="0">
+                        <a:latin typeface="Cambria Math" panose="02040503050406030204" pitchFamily="18" charset="0"/>
+                      </a:rPr>
+                      <m:t>𝑞</m:t>
+                    </m:r>
+                    <m:r>
+                      <a:rPr lang="en-US" sz="2400" b="0" i="1" smtClean="0">
+                        <a:latin typeface="Cambria Math" panose="02040503050406030204" pitchFamily="18" charset="0"/>
+                      </a:rPr>
+                      <m:t> </m:t>
+                    </m:r>
+                    <m:groupChr>
+                      <m:groupChrPr>
+                        <m:chr m:val="→"/>
+                        <m:vertJc m:val="bot"/>
+                        <m:ctrlPr>
+                          <a:rPr lang="en-US" sz="2400" b="0" i="1" smtClean="0">
+                            <a:latin typeface="Cambria Math" panose="02040503050406030204" pitchFamily="18" charset="0"/>
+                          </a:rPr>
+                        </m:ctrlPr>
+                      </m:groupChrPr>
+                      <m:e>
+                        <m:r>
+                          <m:rPr>
+                            <m:brk m:alnAt="2"/>
+                          </m:rPr>
+                          <a:rPr lang="en-US" sz="2400" b="0" i="1" smtClean="0">
+                            <a:latin typeface="Cambria Math" panose="02040503050406030204" pitchFamily="18" charset="0"/>
+                          </a:rPr>
+                          <m:t>𝑖</m:t>
+                        </m:r>
+                        <m:r>
+                          <a:rPr lang="en-US" sz="2400" b="0" i="1" smtClean="0">
+                            <a:latin typeface="Cambria Math" panose="02040503050406030204" pitchFamily="18" charset="0"/>
+                          </a:rPr>
+                          <m:t>/</m:t>
+                        </m:r>
+                        <m:r>
+                          <a:rPr lang="en-US" sz="2400" b="0" i="1" smtClean="0">
+                            <a:latin typeface="Cambria Math" panose="02040503050406030204" pitchFamily="18" charset="0"/>
+                          </a:rPr>
+                          <m:t>𝑜</m:t>
+                        </m:r>
+                      </m:e>
+                    </m:groupChr>
+                    <m:r>
+                      <a:rPr lang="en-US" sz="2400" b="0" i="0" smtClean="0">
+                        <a:latin typeface="Cambria Math" panose="02040503050406030204" pitchFamily="18" charset="0"/>
+                      </a:rPr>
+                      <m:t> </m:t>
+                    </m:r>
+                    <m:sSup>
+                      <m:sSupPr>
+                        <m:ctrlPr>
+                          <a:rPr lang="en-US" sz="2400" b="0" i="1" smtClean="0">
+                            <a:latin typeface="Cambria Math" panose="02040503050406030204" pitchFamily="18" charset="0"/>
+                          </a:rPr>
+                        </m:ctrlPr>
+                      </m:sSupPr>
+                      <m:e>
+                        <m:r>
+                          <a:rPr lang="en-US" sz="2400" b="0" i="1" smtClean="0">
+                            <a:latin typeface="Cambria Math" panose="02040503050406030204" pitchFamily="18" charset="0"/>
+                          </a:rPr>
+                          <m:t>𝑞</m:t>
+                        </m:r>
+                      </m:e>
+                      <m:sup>
+                        <m:r>
+                          <a:rPr lang="en-US" sz="2400" b="0" i="0" smtClean="0">
+                            <a:latin typeface="Cambria Math" panose="02040503050406030204" pitchFamily="18" charset="0"/>
+                          </a:rPr>
+                          <m:t>′</m:t>
+                        </m:r>
+                      </m:sup>
+                    </m:sSup>
+                  </m:oMath>
+                </a14:m>
+                <a:r>
+                  <a:rPr lang="en-US" sz="2400" dirty="0"/>
+                  <a:t>, where </a:t>
+                </a:r>
+                <a14:m>
+                  <m:oMath xmlns:m="http://schemas.openxmlformats.org/officeDocument/2006/math">
+                    <m:r>
+                      <a:rPr lang="en-US" sz="2400" b="0" i="1" smtClean="0">
+                        <a:latin typeface="Cambria Math" panose="02040503050406030204" pitchFamily="18" charset="0"/>
+                      </a:rPr>
+                      <m:t>𝑞</m:t>
+                    </m:r>
+                  </m:oMath>
+                </a14:m>
+                <a:r>
+                  <a:rPr lang="en-US" sz="2400" dirty="0"/>
+                  <a:t> is the old value of the state variables, </a:t>
+                </a:r>
+                <a14:m>
+                  <m:oMath xmlns:m="http://schemas.openxmlformats.org/officeDocument/2006/math">
+                    <m:r>
+                      <a:rPr lang="en-US" sz="2400" b="0" i="1" smtClean="0">
+                        <a:latin typeface="Cambria Math" panose="02040503050406030204" pitchFamily="18" charset="0"/>
+                      </a:rPr>
+                      <m:t>𝑞</m:t>
+                    </m:r>
+                    <m:r>
+                      <a:rPr lang="en-US" sz="2400" b="0" i="1" smtClean="0">
+                        <a:latin typeface="Cambria Math" panose="02040503050406030204" pitchFamily="18" charset="0"/>
+                      </a:rPr>
+                      <m:t>′</m:t>
+                    </m:r>
+                  </m:oMath>
+                </a14:m>
+                <a:r>
+                  <a:rPr lang="en-US" sz="2400" dirty="0"/>
+                  <a:t> is the new value of the state variables, </a:t>
+                </a:r>
+                <a14:m>
+                  <m:oMath xmlns:m="http://schemas.openxmlformats.org/officeDocument/2006/math">
+                    <m:r>
+                      <a:rPr lang="en-US" sz="2400" b="0" i="1" smtClean="0">
+                        <a:latin typeface="Cambria Math" panose="02040503050406030204" pitchFamily="18" charset="0"/>
+                      </a:rPr>
+                      <m:t>𝑖</m:t>
+                    </m:r>
+                  </m:oMath>
+                </a14:m>
+                <a:r>
+                  <a:rPr lang="en-US" sz="2400" dirty="0"/>
+                  <a:t> is the value of the input in that round, and </a:t>
+                </a:r>
+                <a14:m>
+                  <m:oMath xmlns:m="http://schemas.openxmlformats.org/officeDocument/2006/math">
+                    <m:r>
+                      <a:rPr lang="en-US" sz="2400" b="0" i="1" smtClean="0">
+                        <a:latin typeface="Cambria Math" panose="02040503050406030204" pitchFamily="18" charset="0"/>
+                      </a:rPr>
+                      <m:t>𝑜</m:t>
+                    </m:r>
+                  </m:oMath>
+                </a14:m>
+                <a:r>
+                  <a:rPr lang="en-US" sz="2400" dirty="0"/>
+                  <a:t> is the value of the output</a:t>
+                </a:r>
+              </a:p>
+              <a:p>
+                <a:pPr lvl="1"/>
+                <a14:m>
+                  <m:oMath xmlns:m="http://schemas.openxmlformats.org/officeDocument/2006/math">
+                    <m:r>
+                      <a:rPr lang="en-US" sz="2400" b="0" i="1" smtClean="0">
+                        <a:latin typeface="Cambria Math" panose="02040503050406030204" pitchFamily="18" charset="0"/>
+                      </a:rPr>
+                      <m:t>𝑅</m:t>
+                    </m:r>
+                  </m:oMath>
+                </a14:m>
+                <a:r>
+                  <a:rPr lang="en-US" sz="2400" dirty="0"/>
+                  <a:t> is a subset of </a:t>
+                </a:r>
+                <a14:m>
+                  <m:oMath xmlns:m="http://schemas.openxmlformats.org/officeDocument/2006/math">
+                    <m:sSub>
+                      <m:sSubPr>
+                        <m:ctrlPr>
+                          <a:rPr lang="en-US" sz="2400" b="0" i="1" smtClean="0">
+                            <a:latin typeface="Cambria Math" panose="02040503050406030204" pitchFamily="18" charset="0"/>
+                          </a:rPr>
+                        </m:ctrlPr>
+                      </m:sSubPr>
+                      <m:e>
+                        <m:r>
+                          <a:rPr lang="en-US" sz="2400" b="0" i="1" smtClean="0">
+                            <a:latin typeface="Cambria Math" panose="02040503050406030204" pitchFamily="18" charset="0"/>
+                          </a:rPr>
+                          <m:t>𝑄</m:t>
+                        </m:r>
+                      </m:e>
+                      <m:sub>
+                        <m:r>
+                          <a:rPr lang="en-US" sz="2400" b="0" i="1" smtClean="0">
+                            <a:latin typeface="Cambria Math" panose="02040503050406030204" pitchFamily="18" charset="0"/>
+                          </a:rPr>
+                          <m:t>𝑋</m:t>
+                        </m:r>
+                      </m:sub>
+                    </m:sSub>
+                    <m:r>
+                      <a:rPr lang="en-US" sz="2400" b="0" i="1" smtClean="0">
+                        <a:latin typeface="Cambria Math" panose="02040503050406030204" pitchFamily="18" charset="0"/>
+                      </a:rPr>
+                      <m:t>×</m:t>
+                    </m:r>
+                    <m:sSub>
+                      <m:sSubPr>
+                        <m:ctrlPr>
+                          <a:rPr lang="en-US" sz="2400" b="0" i="1" smtClean="0">
+                            <a:latin typeface="Cambria Math" panose="02040503050406030204" pitchFamily="18" charset="0"/>
+                          </a:rPr>
+                        </m:ctrlPr>
+                      </m:sSubPr>
+                      <m:e>
+                        <m:r>
+                          <a:rPr lang="en-US" sz="2400" b="0" i="1" smtClean="0">
+                            <a:latin typeface="Cambria Math" panose="02040503050406030204" pitchFamily="18" charset="0"/>
+                          </a:rPr>
+                          <m:t>𝑄</m:t>
+                        </m:r>
+                      </m:e>
+                      <m:sub>
+                        <m:r>
+                          <a:rPr lang="en-US" sz="2400" b="0" i="1" smtClean="0">
+                            <a:latin typeface="Cambria Math" panose="02040503050406030204" pitchFamily="18" charset="0"/>
+                          </a:rPr>
+                          <m:t>𝐼</m:t>
+                        </m:r>
+                      </m:sub>
+                    </m:sSub>
+                    <m:r>
+                      <a:rPr lang="en-US" sz="2400" b="0" i="1" smtClean="0">
+                        <a:latin typeface="Cambria Math" panose="02040503050406030204" pitchFamily="18" charset="0"/>
+                      </a:rPr>
+                      <m:t>×</m:t>
+                    </m:r>
+                    <m:sSub>
+                      <m:sSubPr>
+                        <m:ctrlPr>
+                          <a:rPr lang="en-US" sz="2400" b="0" i="1" smtClean="0">
+                            <a:latin typeface="Cambria Math" panose="02040503050406030204" pitchFamily="18" charset="0"/>
+                          </a:rPr>
+                        </m:ctrlPr>
+                      </m:sSubPr>
+                      <m:e>
+                        <m:r>
+                          <a:rPr lang="en-US" sz="2400" b="0" i="1" smtClean="0">
+                            <a:latin typeface="Cambria Math" panose="02040503050406030204" pitchFamily="18" charset="0"/>
+                          </a:rPr>
+                          <m:t>𝑄</m:t>
+                        </m:r>
+                      </m:e>
+                      <m:sub>
+                        <m:r>
+                          <a:rPr lang="en-US" sz="2400" b="0" i="1" smtClean="0">
+                            <a:latin typeface="Cambria Math" panose="02040503050406030204" pitchFamily="18" charset="0"/>
+                          </a:rPr>
+                          <m:t>𝑂</m:t>
+                        </m:r>
+                      </m:sub>
+                    </m:sSub>
+                    <m:r>
+                      <a:rPr lang="en-US" sz="2400" b="0" i="1" smtClean="0">
+                        <a:latin typeface="Cambria Math" panose="02040503050406030204" pitchFamily="18" charset="0"/>
+                      </a:rPr>
+                      <m:t>×</m:t>
+                    </m:r>
+                    <m:sSub>
+                      <m:sSubPr>
+                        <m:ctrlPr>
+                          <a:rPr lang="en-US" sz="2400" b="0" i="1" smtClean="0">
+                            <a:latin typeface="Cambria Math" panose="02040503050406030204" pitchFamily="18" charset="0"/>
+                          </a:rPr>
+                        </m:ctrlPr>
+                      </m:sSubPr>
+                      <m:e>
+                        <m:r>
+                          <a:rPr lang="en-US" sz="2400" b="0" i="1" smtClean="0">
+                            <a:latin typeface="Cambria Math" panose="02040503050406030204" pitchFamily="18" charset="0"/>
+                          </a:rPr>
+                          <m:t>𝑄</m:t>
+                        </m:r>
+                      </m:e>
+                      <m:sub>
+                        <m:r>
+                          <a:rPr lang="en-US" sz="2400" b="0" i="1" smtClean="0">
+                            <a:latin typeface="Cambria Math" panose="02040503050406030204" pitchFamily="18" charset="0"/>
+                          </a:rPr>
+                          <m:t>𝑋</m:t>
+                        </m:r>
+                      </m:sub>
+                    </m:sSub>
+                  </m:oMath>
+                </a14:m>
+                <a:endParaRPr lang="en-US" sz="2400" dirty="0"/>
+              </a:p>
+              <a:p>
+                <a:pPr lvl="1"/>
+                <a:endParaRPr lang="en-US" sz="2400" dirty="0"/>
+              </a:p>
+              <a:p>
+                <a:endParaRPr lang="en-US" sz="2400" dirty="0"/>
+              </a:p>
+            </p:txBody>
+          </p:sp>
+        </mc:Choice>
+        <mc:Fallback xmlns="">
+          <p:sp>
+            <p:nvSpPr>
+              <p:cNvPr id="2" name="Content Placeholder 1">
+                <a:extLst>
+                  <a:ext uri="{FF2B5EF4-FFF2-40B4-BE49-F238E27FC236}">
+                    <a16:creationId xmlns:a16="http://schemas.microsoft.com/office/drawing/2014/main" id="{595D15F2-DFE5-4230-90E0-18B8C372E1C6}"/>
+                  </a:ext>
+                </a:extLst>
+              </p:cNvPr>
+              <p:cNvSpPr>
+                <a:spLocks noGrp="1" noRot="1" noChangeAspect="1" noMove="1" noResize="1" noEditPoints="1" noAdjustHandles="1" noChangeArrowheads="1" noChangeShapeType="1" noTextEdit="1"/>
+              </p:cNvSpPr>
+              <p:nvPr>
+                <p:ph idx="1"/>
+              </p:nvPr>
+            </p:nvSpPr>
+            <p:spPr>
+              <a:xfrm>
+                <a:off x="0" y="1332703"/>
+                <a:ext cx="12111135" cy="4351338"/>
+              </a:xfrm>
+              <a:blipFill>
+                <a:blip r:embed="rId2"/>
+                <a:stretch>
+                  <a:fillRect l="-403" t="-1964" r="-1258"/>
+                </a:stretch>
+              </a:blipFill>
+            </p:spPr>
+            <p:txBody>
+              <a:bodyPr/>
+              <a:lstStyle/>
+              <a:p>
+                <a:r>
+                  <a:rPr lang="en-US">
+                    <a:noFill/>
+                  </a:rPr>
+                  <a:t> </a:t>
+                </a:r>
+              </a:p>
+            </p:txBody>
+          </p:sp>
+        </mc:Fallback>
+      </mc:AlternateContent>
+      <p:sp>
+        <p:nvSpPr>
+          <p:cNvPr id="3" name="Title 2">
+            <a:extLst>
+              <a:ext uri="{FF2B5EF4-FFF2-40B4-BE49-F238E27FC236}">
+                <a16:creationId xmlns:a16="http://schemas.microsoft.com/office/drawing/2014/main" id="{AB50EDC8-BD0C-47D3-8DE0-25BCF20A9D38}"/>
+              </a:ext>
+            </a:extLst>
+          </p:cNvPr>
+          <p:cNvSpPr>
+            <a:spLocks noGrp="1"/>
+          </p:cNvSpPr>
+          <p:nvPr>
+            <p:ph type="title"/>
+          </p:nvPr>
+        </p:nvSpPr>
+        <p:spPr/>
+        <p:txBody>
+          <a:bodyPr/>
+          <a:lstStyle/>
+          <a:p>
+            <a:r>
+              <a:rPr lang="en-US" dirty="0"/>
+              <a:t>Semantics of updates &amp; initialization</a:t>
+            </a:r>
+          </a:p>
+        </p:txBody>
+      </p:sp>
+      <p:sp>
+        <p:nvSpPr>
+          <p:cNvPr id="4" name="Slide Number Placeholder 3">
+            <a:extLst>
+              <a:ext uri="{FF2B5EF4-FFF2-40B4-BE49-F238E27FC236}">
+                <a16:creationId xmlns:a16="http://schemas.microsoft.com/office/drawing/2014/main" id="{CDF41D8D-0FD3-4987-BA19-5943F5748537}"/>
+              </a:ext>
+            </a:extLst>
+          </p:cNvPr>
+          <p:cNvSpPr>
+            <a:spLocks noGrp="1"/>
+          </p:cNvSpPr>
+          <p:nvPr>
+            <p:ph type="sldNum" sz="quarter" idx="12"/>
+          </p:nvPr>
+        </p:nvSpPr>
+        <p:spPr/>
+        <p:txBody>
+          <a:bodyPr/>
+          <a:lstStyle/>
+          <a:p>
+            <a:fld id="{29AAD378-655A-49C6-813C-9FD132EF7440}" type="slidenum">
+              <a:rPr lang="en-US" smtClean="0"/>
+              <a:pPr/>
+              <a:t>16</a:t>
+            </a:fld>
+            <a:endParaRPr lang="en-US" dirty="0"/>
+          </a:p>
+        </p:txBody>
+      </p:sp>
+    </p:spTree>
+    <p:extLst>
+      <p:ext uri="{BB962C8B-B14F-4D97-AF65-F5344CB8AC3E}">
+        <p14:creationId xmlns:p14="http://schemas.microsoft.com/office/powerpoint/2010/main" val="1975443774"/>
+      </p:ext>
+    </p:extLst>
+  </p:cSld>
+  <p:clrMapOvr>
+    <a:masterClrMapping/>
+  </p:clrMapOvr>
+</p:sld>
+</file>
+
+<file path=ppt/slides/slide17.xml><?xml version="1.0" encoding="utf-8"?>
 <p:sld xmlns:a="http://schemas.openxmlformats.org/drawingml/2006/main" xmlns:r="http://schemas.openxmlformats.org/officeDocument/2006/relationships" xmlns:p="http://schemas.openxmlformats.org/presentationml/2006/main">
   <p:cSld>
     <p:spTree>
@@ -10615,7 +9921,7 @@
             <a:fld id="{29AAD378-655A-49C6-813C-9FD132EF7440}" type="slidenum">
               <a:rPr lang="en-US" smtClean="0"/>
               <a:pPr/>
-              <a:t>19</a:t>
+              <a:t>17</a:t>
             </a:fld>
             <a:endParaRPr lang="en-US" dirty="0"/>
           </a:p>
@@ -11723,305 +11029,7 @@
 </p:sld>
 </file>
 
-<file path=ppt/slides/slide2.xml><?xml version="1.0" encoding="utf-8"?>
-<p:sld xmlns:a="http://schemas.openxmlformats.org/drawingml/2006/main" xmlns:r="http://schemas.openxmlformats.org/officeDocument/2006/relationships" xmlns:p="http://schemas.openxmlformats.org/presentationml/2006/main">
-  <p:cSld>
-    <p:spTree>
-      <p:nvGrpSpPr>
-        <p:cNvPr id="1" name=""/>
-        <p:cNvGrpSpPr/>
-        <p:nvPr/>
-      </p:nvGrpSpPr>
-      <p:grpSpPr>
-        <a:xfrm>
-          <a:off x="0" y="0"/>
-          <a:ext cx="0" cy="0"/>
-          <a:chOff x="0" y="0"/>
-          <a:chExt cx="0" cy="0"/>
-        </a:xfrm>
-      </p:grpSpPr>
-      <p:sp>
-        <p:nvSpPr>
-          <p:cNvPr id="3" name="Title 2">
-            <a:extLst>
-              <a:ext uri="{FF2B5EF4-FFF2-40B4-BE49-F238E27FC236}">
-                <a16:creationId xmlns:a16="http://schemas.microsoft.com/office/drawing/2014/main" id="{1434F66F-00EF-439B-BAD2-CBF16A36325F}"/>
-              </a:ext>
-            </a:extLst>
-          </p:cNvPr>
-          <p:cNvSpPr>
-            <a:spLocks noGrp="1"/>
-          </p:cNvSpPr>
-          <p:nvPr>
-            <p:ph type="title"/>
-          </p:nvPr>
-        </p:nvSpPr>
-        <p:spPr/>
-        <p:txBody>
-          <a:bodyPr/>
-          <a:lstStyle/>
-          <a:p>
-            <a:r>
-              <a:rPr lang="en-US" dirty="0"/>
-              <a:t>Model-based Development (MBD) or design</a:t>
-            </a:r>
-          </a:p>
-        </p:txBody>
-      </p:sp>
-      <p:sp>
-        <p:nvSpPr>
-          <p:cNvPr id="4" name="TextBox 3">
-            <a:extLst>
-              <a:ext uri="{FF2B5EF4-FFF2-40B4-BE49-F238E27FC236}">
-                <a16:creationId xmlns:a16="http://schemas.microsoft.com/office/drawing/2014/main" id="{9B84B02C-A1AC-4CA0-B349-4E16229135E5}"/>
-              </a:ext>
-            </a:extLst>
-          </p:cNvPr>
-          <p:cNvSpPr txBox="1"/>
-          <p:nvPr/>
-        </p:nvSpPr>
-        <p:spPr>
-          <a:xfrm>
-            <a:off x="7241367" y="5206987"/>
-            <a:ext cx="4433688" cy="954107"/>
-          </a:xfrm>
-          <a:prstGeom prst="rect">
-            <a:avLst/>
-          </a:prstGeom>
-          <a:noFill/>
-        </p:spPr>
-        <p:txBody>
-          <a:bodyPr wrap="square" rtlCol="0">
-            <a:spAutoFit/>
-          </a:bodyPr>
-          <a:lstStyle/>
-          <a:p>
-            <a:r>
-              <a:rPr lang="en-US" sz="1400" dirty="0">
-                <a:solidFill>
-                  <a:srgbClr val="FF0000"/>
-                </a:solidFill>
-              </a:rPr>
-              <a:t>[1] </a:t>
-            </a:r>
-            <a:r>
-              <a:rPr lang="en-US" sz="1400" dirty="0" err="1">
-                <a:solidFill>
-                  <a:srgbClr val="FF0000"/>
-                </a:solidFill>
-              </a:rPr>
-              <a:t>Nicolescu</a:t>
-            </a:r>
-            <a:r>
-              <a:rPr lang="en-US" sz="1400" dirty="0">
-                <a:solidFill>
-                  <a:srgbClr val="FF0000"/>
-                </a:solidFill>
-              </a:rPr>
-              <a:t>, Gabriela; </a:t>
-            </a:r>
-            <a:r>
-              <a:rPr lang="en-US" sz="1400" dirty="0" err="1">
-                <a:solidFill>
-                  <a:srgbClr val="FF0000"/>
-                </a:solidFill>
-              </a:rPr>
-              <a:t>Mosterman</a:t>
-            </a:r>
-            <a:r>
-              <a:rPr lang="en-US" sz="1400" dirty="0">
-                <a:solidFill>
-                  <a:srgbClr val="FF0000"/>
-                </a:solidFill>
-              </a:rPr>
-              <a:t>, Pieter J., eds. (2010). Model-Based Design for Embedded Systems. Computational Analysis, Synthesis, and Design of Dynamic Systems. 1. Boca Raton: CRC Press.</a:t>
-            </a:r>
-          </a:p>
-        </p:txBody>
-      </p:sp>
-      <p:sp>
-        <p:nvSpPr>
-          <p:cNvPr id="5" name="Slide Number Placeholder 4">
-            <a:extLst>
-              <a:ext uri="{FF2B5EF4-FFF2-40B4-BE49-F238E27FC236}">
-                <a16:creationId xmlns:a16="http://schemas.microsoft.com/office/drawing/2014/main" id="{6BC6F85E-AFC3-47E8-A245-FA22ACB004B2}"/>
-              </a:ext>
-            </a:extLst>
-          </p:cNvPr>
-          <p:cNvSpPr>
-            <a:spLocks noGrp="1"/>
-          </p:cNvSpPr>
-          <p:nvPr>
-            <p:ph type="sldNum" sz="quarter" idx="12"/>
-          </p:nvPr>
-        </p:nvSpPr>
-        <p:spPr/>
-        <p:txBody>
-          <a:bodyPr/>
-          <a:lstStyle/>
-          <a:p>
-            <a:fld id="{29AAD378-655A-49C6-813C-9FD132EF7440}" type="slidenum">
-              <a:rPr lang="en-US" smtClean="0"/>
-              <a:pPr/>
-              <a:t>2</a:t>
-            </a:fld>
-            <a:endParaRPr lang="en-US"/>
-          </a:p>
-        </p:txBody>
-      </p:sp>
-      <p:sp>
-        <p:nvSpPr>
-          <p:cNvPr id="6" name="Content Placeholder 1">
-            <a:extLst>
-              <a:ext uri="{FF2B5EF4-FFF2-40B4-BE49-F238E27FC236}">
-                <a16:creationId xmlns:a16="http://schemas.microsoft.com/office/drawing/2014/main" id="{ECA1F746-D8A3-41B7-9B76-587EBE666B38}"/>
-              </a:ext>
-            </a:extLst>
-          </p:cNvPr>
-          <p:cNvSpPr>
-            <a:spLocks noGrp="1"/>
-          </p:cNvSpPr>
-          <p:nvPr>
-            <p:ph idx="1"/>
-          </p:nvPr>
-        </p:nvSpPr>
-        <p:spPr>
-          <a:xfrm>
-            <a:off x="166681" y="1398494"/>
-            <a:ext cx="11699087" cy="4285547"/>
-          </a:xfrm>
-        </p:spPr>
-        <p:txBody>
-          <a:bodyPr>
-            <a:normAutofit fontScale="92500"/>
-          </a:bodyPr>
-          <a:lstStyle/>
-          <a:p>
-            <a:r>
-              <a:rPr lang="en-US" dirty="0"/>
-              <a:t>Most popular paradigm for principled software development in CPS</a:t>
-            </a:r>
-          </a:p>
-          <a:p>
-            <a:r>
-              <a:rPr lang="en-US" dirty="0"/>
-              <a:t>We will learn various aspects of MBD through this course</a:t>
-            </a:r>
-          </a:p>
-          <a:p>
-            <a:r>
-              <a:rPr lang="en-US" dirty="0"/>
-              <a:t>MBD when used for designing embedded software</a:t>
-            </a:r>
-            <a:r>
-              <a:rPr lang="en-US" baseline="30000" dirty="0"/>
-              <a:t>1</a:t>
-            </a:r>
-            <a:r>
-              <a:rPr lang="en-US" dirty="0"/>
-              <a:t> has 4 main steps</a:t>
-            </a:r>
-          </a:p>
-          <a:p>
-            <a:pPr marL="868680" lvl="1" indent="-457200">
-              <a:buFont typeface="+mj-lt"/>
-              <a:buAutoNum type="arabicPeriod"/>
-            </a:pPr>
-            <a:r>
-              <a:rPr lang="en-US" dirty="0"/>
-              <a:t>Model the physical components/environment (also known as a plant model)</a:t>
-            </a:r>
-          </a:p>
-          <a:p>
-            <a:pPr marL="868680" lvl="1" indent="-457200">
-              <a:buFont typeface="+mj-lt"/>
-              <a:buAutoNum type="arabicPeriod"/>
-            </a:pPr>
-            <a:r>
-              <a:rPr lang="en-US" dirty="0"/>
-              <a:t>Analyze the plant, and synthesize/design the control-software at a high-level</a:t>
-            </a:r>
-          </a:p>
-          <a:p>
-            <a:pPr marL="868680" lvl="1" indent="-457200">
-              <a:buFont typeface="+mj-lt"/>
-              <a:buAutoNum type="arabicPeriod"/>
-            </a:pPr>
-            <a:r>
-              <a:rPr lang="en-US" dirty="0"/>
-              <a:t>Co-Simulate the plant and control-software for testing/analysis</a:t>
-            </a:r>
-          </a:p>
-          <a:p>
-            <a:pPr marL="868680" lvl="1" indent="-457200">
-              <a:buFont typeface="+mj-lt"/>
-              <a:buAutoNum type="arabicPeriod"/>
-            </a:pPr>
-            <a:r>
-              <a:rPr lang="en-US" dirty="0"/>
-              <a:t>Automatically generate code from the control-software model for deployment</a:t>
-            </a:r>
-          </a:p>
-          <a:p>
-            <a:r>
-              <a:rPr lang="en-US" dirty="0"/>
-              <a:t>Popular MBD frameworks such as Simulink®, LabView™, </a:t>
-            </a:r>
-            <a:r>
-              <a:rPr lang="en-US" dirty="0" err="1"/>
-              <a:t>RationalRose</a:t>
-            </a:r>
-            <a:r>
-              <a:rPr lang="en-US" dirty="0"/>
-              <a:t>, </a:t>
-            </a:r>
-            <a:r>
-              <a:rPr lang="en-US" dirty="0" err="1"/>
-              <a:t>DyMola</a:t>
-            </a:r>
-            <a:r>
-              <a:rPr lang="en-US" dirty="0"/>
-              <a:t>, </a:t>
-            </a:r>
-            <a:r>
-              <a:rPr lang="en-US" dirty="0" err="1"/>
-              <a:t>TargetLink</a:t>
-            </a:r>
-            <a:r>
-              <a:rPr lang="en-US" dirty="0"/>
-              <a:t>, </a:t>
-            </a:r>
-            <a:r>
-              <a:rPr lang="en-US" dirty="0" err="1"/>
-              <a:t>Scade</a:t>
-            </a:r>
-            <a:r>
-              <a:rPr lang="en-US" dirty="0"/>
-              <a:t>, Python etc. </a:t>
-            </a:r>
-          </a:p>
-          <a:p>
-            <a:pPr marL="0" indent="0">
-              <a:buNone/>
-            </a:pPr>
-            <a:endParaRPr lang="en-US" dirty="0"/>
-          </a:p>
-        </p:txBody>
-      </p:sp>
-    </p:spTree>
-    <p:extLst>
-      <p:ext uri="{BB962C8B-B14F-4D97-AF65-F5344CB8AC3E}">
-        <p14:creationId xmlns:p14="http://schemas.microsoft.com/office/powerpoint/2010/main" val="79341691"/>
-      </p:ext>
-    </p:extLst>
-  </p:cSld>
-  <p:clrMapOvr>
-    <a:masterClrMapping/>
-  </p:clrMapOvr>
-</p:sld>
-</file>
-
-<file path=ppt/slides/slide20.xml><?xml version="1.0" encoding="utf-8"?>
+<file path=ppt/slides/slide18.xml><?xml version="1.0" encoding="utf-8"?>
 <p:sld xmlns:a="http://schemas.openxmlformats.org/drawingml/2006/main" xmlns:r="http://schemas.openxmlformats.org/officeDocument/2006/relationships" xmlns:p="http://schemas.openxmlformats.org/presentationml/2006/main">
   <p:cSld>
     <p:spTree>
@@ -12090,7 +11098,7 @@
             <a:fld id="{29AAD378-655A-49C6-813C-9FD132EF7440}" type="slidenum">
               <a:rPr lang="en-US" smtClean="0"/>
               <a:pPr/>
-              <a:t>20</a:t>
+              <a:t>18</a:t>
             </a:fld>
             <a:endParaRPr lang="en-US" dirty="0"/>
           </a:p>
@@ -12915,7 +11923,7 @@
 </p:sld>
 </file>
 
-<file path=ppt/slides/slide21.xml><?xml version="1.0" encoding="utf-8"?>
+<file path=ppt/slides/slide19.xml><?xml version="1.0" encoding="utf-8"?>
 <p:sld xmlns:a="http://schemas.openxmlformats.org/drawingml/2006/main" xmlns:r="http://schemas.openxmlformats.org/officeDocument/2006/relationships" xmlns:p="http://schemas.openxmlformats.org/presentationml/2006/main">
   <p:cSld>
     <p:spTree>
@@ -12984,7 +11992,7 @@
             <a:fld id="{29AAD378-655A-49C6-813C-9FD132EF7440}" type="slidenum">
               <a:rPr lang="en-US" smtClean="0"/>
               <a:pPr/>
-              <a:t>21</a:t>
+              <a:t>19</a:t>
             </a:fld>
             <a:endParaRPr lang="en-US" dirty="0"/>
           </a:p>
@@ -16035,7 +15043,298 @@
 </p:sld>
 </file>
 
-<file path=ppt/slides/slide22.xml><?xml version="1.0" encoding="utf-8"?>
+<file path=ppt/slides/slide2.xml><?xml version="1.0" encoding="utf-8"?>
+<p:sld xmlns:a="http://schemas.openxmlformats.org/drawingml/2006/main" xmlns:r="http://schemas.openxmlformats.org/officeDocument/2006/relationships" xmlns:p="http://schemas.openxmlformats.org/presentationml/2006/main">
+  <p:cSld>
+    <p:spTree>
+      <p:nvGrpSpPr>
+        <p:cNvPr id="1" name=""/>
+        <p:cNvGrpSpPr/>
+        <p:nvPr/>
+      </p:nvGrpSpPr>
+      <p:grpSpPr>
+        <a:xfrm>
+          <a:off x="0" y="0"/>
+          <a:ext cx="0" cy="0"/>
+          <a:chOff x="0" y="0"/>
+          <a:chExt cx="0" cy="0"/>
+        </a:xfrm>
+      </p:grpSpPr>
+      <p:sp>
+        <p:nvSpPr>
+          <p:cNvPr id="3" name="Title 2">
+            <a:extLst>
+              <a:ext uri="{FF2B5EF4-FFF2-40B4-BE49-F238E27FC236}">
+                <a16:creationId xmlns:a16="http://schemas.microsoft.com/office/drawing/2014/main" id="{1434F66F-00EF-439B-BAD2-CBF16A36325F}"/>
+              </a:ext>
+            </a:extLst>
+          </p:cNvPr>
+          <p:cNvSpPr>
+            <a:spLocks noGrp="1"/>
+          </p:cNvSpPr>
+          <p:nvPr>
+            <p:ph type="title"/>
+          </p:nvPr>
+        </p:nvSpPr>
+        <p:spPr/>
+        <p:txBody>
+          <a:bodyPr/>
+          <a:lstStyle/>
+          <a:p>
+            <a:r>
+              <a:rPr lang="en-US" dirty="0"/>
+              <a:t>Model-based Development (MBD) or design</a:t>
+            </a:r>
+          </a:p>
+        </p:txBody>
+      </p:sp>
+      <p:sp>
+        <p:nvSpPr>
+          <p:cNvPr id="4" name="TextBox 3">
+            <a:extLst>
+              <a:ext uri="{FF2B5EF4-FFF2-40B4-BE49-F238E27FC236}">
+                <a16:creationId xmlns:a16="http://schemas.microsoft.com/office/drawing/2014/main" id="{9B84B02C-A1AC-4CA0-B349-4E16229135E5}"/>
+              </a:ext>
+            </a:extLst>
+          </p:cNvPr>
+          <p:cNvSpPr txBox="1"/>
+          <p:nvPr/>
+        </p:nvSpPr>
+        <p:spPr>
+          <a:xfrm>
+            <a:off x="7241367" y="5206987"/>
+            <a:ext cx="4433688" cy="954107"/>
+          </a:xfrm>
+          <a:prstGeom prst="rect">
+            <a:avLst/>
+          </a:prstGeom>
+          <a:noFill/>
+        </p:spPr>
+        <p:txBody>
+          <a:bodyPr wrap="square" rtlCol="0">
+            <a:spAutoFit/>
+          </a:bodyPr>
+          <a:lstStyle/>
+          <a:p>
+            <a:r>
+              <a:rPr lang="en-US" sz="1400" dirty="0">
+                <a:solidFill>
+                  <a:srgbClr val="FF0000"/>
+                </a:solidFill>
+              </a:rPr>
+              <a:t>[1] </a:t>
+            </a:r>
+            <a:r>
+              <a:rPr lang="en-US" sz="1400" dirty="0" err="1">
+                <a:solidFill>
+                  <a:srgbClr val="FF0000"/>
+                </a:solidFill>
+              </a:rPr>
+              <a:t>Nicolescu</a:t>
+            </a:r>
+            <a:r>
+              <a:rPr lang="en-US" sz="1400" dirty="0">
+                <a:solidFill>
+                  <a:srgbClr val="FF0000"/>
+                </a:solidFill>
+              </a:rPr>
+              <a:t>, Gabriela; </a:t>
+            </a:r>
+            <a:r>
+              <a:rPr lang="en-US" sz="1400" dirty="0" err="1">
+                <a:solidFill>
+                  <a:srgbClr val="FF0000"/>
+                </a:solidFill>
+              </a:rPr>
+              <a:t>Mosterman</a:t>
+            </a:r>
+            <a:r>
+              <a:rPr lang="en-US" sz="1400" dirty="0">
+                <a:solidFill>
+                  <a:srgbClr val="FF0000"/>
+                </a:solidFill>
+              </a:rPr>
+              <a:t>, Pieter J., eds. (2010). Model-Based Design for Embedded Systems. Computational Analysis, Synthesis, and Design of Dynamic Systems. 1. Boca Raton: CRC Press.</a:t>
+            </a:r>
+          </a:p>
+        </p:txBody>
+      </p:sp>
+      <p:sp>
+        <p:nvSpPr>
+          <p:cNvPr id="5" name="Slide Number Placeholder 4">
+            <a:extLst>
+              <a:ext uri="{FF2B5EF4-FFF2-40B4-BE49-F238E27FC236}">
+                <a16:creationId xmlns:a16="http://schemas.microsoft.com/office/drawing/2014/main" id="{6BC6F85E-AFC3-47E8-A245-FA22ACB004B2}"/>
+              </a:ext>
+            </a:extLst>
+          </p:cNvPr>
+          <p:cNvSpPr>
+            <a:spLocks noGrp="1"/>
+          </p:cNvSpPr>
+          <p:nvPr>
+            <p:ph type="sldNum" sz="quarter" idx="12"/>
+          </p:nvPr>
+        </p:nvSpPr>
+        <p:spPr/>
+        <p:txBody>
+          <a:bodyPr/>
+          <a:lstStyle/>
+          <a:p>
+            <a:fld id="{29AAD378-655A-49C6-813C-9FD132EF7440}" type="slidenum">
+              <a:rPr lang="en-US" smtClean="0"/>
+              <a:pPr/>
+              <a:t>2</a:t>
+            </a:fld>
+            <a:endParaRPr lang="en-US"/>
+          </a:p>
+        </p:txBody>
+      </p:sp>
+      <p:sp>
+        <p:nvSpPr>
+          <p:cNvPr id="6" name="Content Placeholder 1">
+            <a:extLst>
+              <a:ext uri="{FF2B5EF4-FFF2-40B4-BE49-F238E27FC236}">
+                <a16:creationId xmlns:a16="http://schemas.microsoft.com/office/drawing/2014/main" id="{ECA1F746-D8A3-41B7-9B76-587EBE666B38}"/>
+              </a:ext>
+            </a:extLst>
+          </p:cNvPr>
+          <p:cNvSpPr>
+            <a:spLocks noGrp="1"/>
+          </p:cNvSpPr>
+          <p:nvPr>
+            <p:ph idx="1"/>
+          </p:nvPr>
+        </p:nvSpPr>
+        <p:spPr>
+          <a:xfrm>
+            <a:off x="166681" y="1398494"/>
+            <a:ext cx="11699087" cy="4285547"/>
+          </a:xfrm>
+        </p:spPr>
+        <p:txBody>
+          <a:bodyPr>
+            <a:normAutofit fontScale="92500"/>
+          </a:bodyPr>
+          <a:lstStyle/>
+          <a:p>
+            <a:r>
+              <a:rPr lang="en-US" dirty="0"/>
+              <a:t>Most popular paradigm for principled software development in CPS</a:t>
+            </a:r>
+          </a:p>
+          <a:p>
+            <a:r>
+              <a:rPr lang="en-US" dirty="0"/>
+              <a:t>MBD when used for designing CPS has 4 main steps</a:t>
+            </a:r>
+          </a:p>
+          <a:p>
+            <a:pPr marL="868680" lvl="1" indent="-457200">
+              <a:buFont typeface="+mj-lt"/>
+              <a:buAutoNum type="arabicPeriod"/>
+            </a:pPr>
+            <a:r>
+              <a:rPr lang="en-US" dirty="0"/>
+              <a:t>Model the physical components/environment (also known as a plant model)</a:t>
+            </a:r>
+          </a:p>
+          <a:p>
+            <a:pPr marL="868680" lvl="1" indent="-457200">
+              <a:buFont typeface="+mj-lt"/>
+              <a:buAutoNum type="arabicPeriod"/>
+            </a:pPr>
+            <a:r>
+              <a:rPr lang="en-US" dirty="0"/>
+              <a:t>Analyze the plant, and synthesize/design the control-software at a high-level</a:t>
+            </a:r>
+          </a:p>
+          <a:p>
+            <a:pPr marL="868680" lvl="1" indent="-457200">
+              <a:buFont typeface="+mj-lt"/>
+              <a:buAutoNum type="arabicPeriod"/>
+            </a:pPr>
+            <a:r>
+              <a:rPr lang="en-US" dirty="0"/>
+              <a:t>Co-Simulate the plant and control-software for testing/analysis</a:t>
+            </a:r>
+          </a:p>
+          <a:p>
+            <a:pPr marL="868680" lvl="1" indent="-457200">
+              <a:buFont typeface="+mj-lt"/>
+              <a:buAutoNum type="arabicPeriod"/>
+            </a:pPr>
+            <a:r>
+              <a:rPr lang="en-US" dirty="0"/>
+              <a:t>Automatically generate code from the control-software model for deployment</a:t>
+            </a:r>
+          </a:p>
+          <a:p>
+            <a:r>
+              <a:rPr lang="en-US" dirty="0"/>
+              <a:t>Many popular MBD frameworks</a:t>
+            </a:r>
+          </a:p>
+          <a:p>
+            <a:pPr lvl="1"/>
+            <a:r>
+              <a:rPr lang="en-US" sz="2200" dirty="0"/>
+              <a:t>Simulink®, LabView™, </a:t>
+            </a:r>
+            <a:r>
+              <a:rPr lang="en-US" sz="2200" dirty="0" err="1"/>
+              <a:t>RationalRose</a:t>
+            </a:r>
+            <a:r>
+              <a:rPr lang="en-US" sz="2200" dirty="0"/>
+              <a:t>, </a:t>
+            </a:r>
+            <a:r>
+              <a:rPr lang="en-US" sz="2200" dirty="0" err="1"/>
+              <a:t>DyMola</a:t>
+            </a:r>
+            <a:r>
+              <a:rPr lang="en-US" sz="2200" dirty="0"/>
+              <a:t>, </a:t>
+            </a:r>
+            <a:r>
+              <a:rPr lang="en-US" sz="2200" dirty="0" err="1"/>
+              <a:t>TargetLink</a:t>
+            </a:r>
+            <a:r>
+              <a:rPr lang="en-US" sz="2200" dirty="0"/>
+              <a:t>, </a:t>
+            </a:r>
+            <a:r>
+              <a:rPr lang="en-US" sz="2200" dirty="0" err="1"/>
+              <a:t>Scade</a:t>
+            </a:r>
+            <a:r>
+              <a:rPr lang="en-US" sz="2200" dirty="0"/>
+              <a:t>, Python etc. </a:t>
+            </a:r>
+          </a:p>
+          <a:p>
+            <a:pPr marL="0" indent="0">
+              <a:buNone/>
+            </a:pPr>
+            <a:endParaRPr lang="en-US" dirty="0"/>
+          </a:p>
+        </p:txBody>
+      </p:sp>
+    </p:spTree>
+    <p:extLst>
+      <p:ext uri="{BB962C8B-B14F-4D97-AF65-F5344CB8AC3E}">
+        <p14:creationId xmlns:p14="http://schemas.microsoft.com/office/powerpoint/2010/main" val="79341691"/>
+      </p:ext>
+    </p:extLst>
+  </p:cSld>
+  <p:clrMapOvr>
+    <a:masterClrMapping/>
+  </p:clrMapOvr>
+</p:sld>
+</file>
+
+<file path=ppt/slides/slide20.xml><?xml version="1.0" encoding="utf-8"?>
 <p:sld xmlns:a="http://schemas.openxmlformats.org/drawingml/2006/main" xmlns:r="http://schemas.openxmlformats.org/officeDocument/2006/relationships" xmlns:p="http://schemas.openxmlformats.org/presentationml/2006/main">
   <p:cSld>
     <p:spTree>
@@ -16104,7 +15403,7 @@
             <a:fld id="{29AAD378-655A-49C6-813C-9FD132EF7440}" type="slidenum">
               <a:rPr lang="en-US" smtClean="0"/>
               <a:pPr/>
-              <a:t>22</a:t>
+              <a:t>20</a:t>
             </a:fld>
             <a:endParaRPr lang="en-US" dirty="0"/>
           </a:p>
@@ -17353,7 +16652,7 @@
 </p:sld>
 </file>
 
-<file path=ppt/slides/slide23.xml><?xml version="1.0" encoding="utf-8"?>
+<file path=ppt/slides/slide21.xml><?xml version="1.0" encoding="utf-8"?>
 <p:sld xmlns:a="http://schemas.openxmlformats.org/drawingml/2006/main" xmlns:r="http://schemas.openxmlformats.org/officeDocument/2006/relationships" xmlns:p="http://schemas.openxmlformats.org/presentationml/2006/main">
   <p:cSld>
     <p:spTree>
@@ -17422,7 +16721,7 @@
             <a:fld id="{29AAD378-655A-49C6-813C-9FD132EF7440}" type="slidenum">
               <a:rPr lang="en-US" smtClean="0"/>
               <a:pPr/>
-              <a:t>23</a:t>
+              <a:t>21</a:t>
             </a:fld>
             <a:endParaRPr lang="en-US" dirty="0"/>
           </a:p>
@@ -18493,7 +17792,162 @@
 </p:sld>
 </file>
 
-<file path=ppt/slides/slide24.xml><?xml version="1.0" encoding="utf-8"?>
+<file path=ppt/slides/slide22.xml><?xml version="1.0" encoding="utf-8"?>
+<p:sld xmlns:a="http://schemas.openxmlformats.org/drawingml/2006/main" xmlns:r="http://schemas.openxmlformats.org/officeDocument/2006/relationships" xmlns:p="http://schemas.openxmlformats.org/presentationml/2006/main">
+  <p:cSld>
+    <p:spTree>
+      <p:nvGrpSpPr>
+        <p:cNvPr id="1" name=""/>
+        <p:cNvGrpSpPr/>
+        <p:nvPr/>
+      </p:nvGrpSpPr>
+      <p:grpSpPr>
+        <a:xfrm>
+          <a:off x="0" y="0"/>
+          <a:ext cx="0" cy="0"/>
+          <a:chOff x="0" y="0"/>
+          <a:chExt cx="0" cy="0"/>
+        </a:xfrm>
+      </p:grpSpPr>
+      <p:sp>
+        <p:nvSpPr>
+          <p:cNvPr id="2" name="Content Placeholder 1">
+            <a:extLst>
+              <a:ext uri="{FF2B5EF4-FFF2-40B4-BE49-F238E27FC236}">
+                <a16:creationId xmlns:a16="http://schemas.microsoft.com/office/drawing/2014/main" id="{C74E4223-4177-4A6B-AA11-03BD72DD3CC7}"/>
+              </a:ext>
+            </a:extLst>
+          </p:cNvPr>
+          <p:cNvSpPr>
+            <a:spLocks noGrp="1"/>
+          </p:cNvSpPr>
+          <p:nvPr>
+            <p:ph idx="1"/>
+          </p:nvPr>
+        </p:nvSpPr>
+        <p:spPr/>
+        <p:txBody>
+          <a:bodyPr/>
+          <a:lstStyle/>
+          <a:p>
+            <a:r>
+              <a:rPr lang="en-US" dirty="0"/>
+              <a:t>Time needed to execute update is negligible compared to arrival times between consecutive inputs</a:t>
+            </a:r>
+          </a:p>
+          <a:p>
+            <a:r>
+              <a:rPr lang="en-US" dirty="0"/>
+              <a:t>Synchronous execution is a </a:t>
+            </a:r>
+            <a:r>
+              <a:rPr lang="en-US" b="1" dirty="0"/>
+              <a:t>logical abstraction</a:t>
+            </a:r>
+          </a:p>
+          <a:p>
+            <a:pPr lvl="1"/>
+            <a:r>
+              <a:rPr lang="en-US" i="1" dirty="0"/>
+              <a:t>Execution time of update code is 0</a:t>
+            </a:r>
+          </a:p>
+          <a:p>
+            <a:pPr lvl="1"/>
+            <a:r>
+              <a:rPr lang="en-US" i="1" dirty="0"/>
+              <a:t>Production of outputs, updates to state and arrival of inputs happen instantaneously</a:t>
+            </a:r>
+          </a:p>
+          <a:p>
+            <a:r>
+              <a:rPr lang="en-US" dirty="0"/>
+              <a:t>With multiple components, assume all execute synchronously and simultaneously</a:t>
+            </a:r>
+          </a:p>
+          <a:p>
+            <a:r>
+              <a:rPr lang="en-US" dirty="0"/>
+              <a:t>Design-time burden: validate synchrony hypothesis</a:t>
+            </a:r>
+          </a:p>
+          <a:p>
+            <a:endParaRPr lang="en-US" dirty="0"/>
+          </a:p>
+        </p:txBody>
+      </p:sp>
+      <p:sp>
+        <p:nvSpPr>
+          <p:cNvPr id="3" name="Title 2">
+            <a:extLst>
+              <a:ext uri="{FF2B5EF4-FFF2-40B4-BE49-F238E27FC236}">
+                <a16:creationId xmlns:a16="http://schemas.microsoft.com/office/drawing/2014/main" id="{08D78A8E-87E4-4CB4-BBB1-0290DFE564C0}"/>
+              </a:ext>
+            </a:extLst>
+          </p:cNvPr>
+          <p:cNvSpPr>
+            <a:spLocks noGrp="1"/>
+          </p:cNvSpPr>
+          <p:nvPr>
+            <p:ph type="title"/>
+          </p:nvPr>
+        </p:nvSpPr>
+        <p:spPr/>
+        <p:txBody>
+          <a:bodyPr/>
+          <a:lstStyle/>
+          <a:p>
+            <a:r>
+              <a:rPr lang="en-US" dirty="0"/>
+              <a:t>Synchrony hypothesis</a:t>
+            </a:r>
+          </a:p>
+        </p:txBody>
+      </p:sp>
+      <p:sp>
+        <p:nvSpPr>
+          <p:cNvPr id="4" name="Slide Number Placeholder 3">
+            <a:extLst>
+              <a:ext uri="{FF2B5EF4-FFF2-40B4-BE49-F238E27FC236}">
+                <a16:creationId xmlns:a16="http://schemas.microsoft.com/office/drawing/2014/main" id="{89E79142-E6CA-4AED-B21A-ED8C48D4FF3F}"/>
+              </a:ext>
+            </a:extLst>
+          </p:cNvPr>
+          <p:cNvSpPr>
+            <a:spLocks noGrp="1"/>
+          </p:cNvSpPr>
+          <p:nvPr>
+            <p:ph type="sldNum" sz="quarter" idx="12"/>
+          </p:nvPr>
+        </p:nvSpPr>
+        <p:spPr/>
+        <p:txBody>
+          <a:bodyPr/>
+          <a:lstStyle/>
+          <a:p>
+            <a:fld id="{29AAD378-655A-49C6-813C-9FD132EF7440}" type="slidenum">
+              <a:rPr lang="en-US" smtClean="0"/>
+              <a:pPr/>
+              <a:t>22</a:t>
+            </a:fld>
+            <a:endParaRPr lang="en-US" dirty="0"/>
+          </a:p>
+        </p:txBody>
+      </p:sp>
+    </p:spTree>
+    <p:extLst>
+      <p:ext uri="{BB962C8B-B14F-4D97-AF65-F5344CB8AC3E}">
+        <p14:creationId xmlns:p14="http://schemas.microsoft.com/office/powerpoint/2010/main" val="157147551"/>
+      </p:ext>
+    </p:extLst>
+  </p:cSld>
+  <p:clrMapOvr>
+    <a:masterClrMapping/>
+  </p:clrMapOvr>
+</p:sld>
+</file>
+
+<file path=ppt/slides/slide23.xml><?xml version="1.0" encoding="utf-8"?>
 <p:sld xmlns:a="http://schemas.openxmlformats.org/drawingml/2006/main" xmlns:r="http://schemas.openxmlformats.org/officeDocument/2006/relationships" xmlns:p="http://schemas.openxmlformats.org/presentationml/2006/main">
   <p:cSld>
     <p:spTree>
@@ -18824,7 +18278,7 @@
             <a:fld id="{29AAD378-655A-49C6-813C-9FD132EF7440}" type="slidenum">
               <a:rPr lang="en-US" smtClean="0"/>
               <a:pPr/>
-              <a:t>24</a:t>
+              <a:t>23</a:t>
             </a:fld>
             <a:endParaRPr lang="en-US" dirty="0"/>
           </a:p>
@@ -18843,7 +18297,7 @@
 </p:sld>
 </file>
 
-<file path=ppt/slides/slide25.xml><?xml version="1.0" encoding="utf-8"?>
+<file path=ppt/slides/slide24.xml><?xml version="1.0" encoding="utf-8"?>
 <p:sld xmlns:a="http://schemas.openxmlformats.org/drawingml/2006/main" xmlns:r="http://schemas.openxmlformats.org/officeDocument/2006/relationships" xmlns:p="http://schemas.openxmlformats.org/presentationml/2006/main">
   <p:cSld>
     <p:spTree>
@@ -18951,7 +18405,7 @@
             <a:fld id="{29AAD378-655A-49C6-813C-9FD132EF7440}" type="slidenum">
               <a:rPr lang="en-US" smtClean="0"/>
               <a:pPr/>
-              <a:t>25</a:t>
+              <a:t>24</a:t>
             </a:fld>
             <a:endParaRPr lang="en-US" dirty="0"/>
           </a:p>
@@ -19754,7 +19208,7 @@
 </p:sld>
 </file>
 
-<file path=ppt/slides/slide26.xml><?xml version="1.0" encoding="utf-8"?>
+<file path=ppt/slides/slide25.xml><?xml version="1.0" encoding="utf-8"?>
 <p:sld xmlns:a="http://schemas.openxmlformats.org/drawingml/2006/main" xmlns:r="http://schemas.openxmlformats.org/officeDocument/2006/relationships" xmlns:p="http://schemas.openxmlformats.org/presentationml/2006/main">
   <p:cSld>
     <p:spTree>
@@ -19856,7 +19310,7 @@
             <a:fld id="{29AAD378-655A-49C6-813C-9FD132EF7440}" type="slidenum">
               <a:rPr lang="en-US" smtClean="0"/>
               <a:pPr/>
-              <a:t>26</a:t>
+              <a:t>25</a:t>
             </a:fld>
             <a:endParaRPr lang="en-US" dirty="0"/>
           </a:p>
@@ -20208,7 +19662,7 @@
 </p:sld>
 </file>
 
-<file path=ppt/slides/slide27.xml><?xml version="1.0" encoding="utf-8"?>
+<file path=ppt/slides/slide26.xml><?xml version="1.0" encoding="utf-8"?>
 <p:sld xmlns:a="http://schemas.openxmlformats.org/drawingml/2006/main" xmlns:r="http://schemas.openxmlformats.org/officeDocument/2006/relationships" xmlns:p="http://schemas.openxmlformats.org/presentationml/2006/main">
   <p:cSld>
     <p:spTree>
@@ -20277,7 +19731,7 @@
             <a:fld id="{29AAD378-655A-49C6-813C-9FD132EF7440}" type="slidenum">
               <a:rPr lang="en-US" smtClean="0"/>
               <a:pPr/>
-              <a:t>27</a:t>
+              <a:t>26</a:t>
             </a:fld>
             <a:endParaRPr lang="en-US" dirty="0"/>
           </a:p>
@@ -20731,7 +20185,7 @@
 </p:sld>
 </file>
 
-<file path=ppt/slides/slide28.xml><?xml version="1.0" encoding="utf-8"?>
+<file path=ppt/slides/slide27.xml><?xml version="1.0" encoding="utf-8"?>
 <p:sld xmlns:a="http://schemas.openxmlformats.org/drawingml/2006/main" xmlns:r="http://schemas.openxmlformats.org/officeDocument/2006/relationships" xmlns:p="http://schemas.openxmlformats.org/presentationml/2006/main">
   <p:cSld>
     <p:spTree>
@@ -20800,7 +20254,7 @@
             <a:fld id="{29AAD378-655A-49C6-813C-9FD132EF7440}" type="slidenum">
               <a:rPr lang="en-US" smtClean="0"/>
               <a:pPr/>
-              <a:t>28</a:t>
+              <a:t>27</a:t>
             </a:fld>
             <a:endParaRPr lang="en-US" dirty="0"/>
           </a:p>
@@ -21664,7 +21118,7 @@
 </p:sld>
 </file>
 
-<file path=ppt/slides/slide29.xml><?xml version="1.0" encoding="utf-8"?>
+<file path=ppt/slides/slide28.xml><?xml version="1.0" encoding="utf-8"?>
 <p:sld xmlns:a="http://schemas.openxmlformats.org/drawingml/2006/main" xmlns:r="http://schemas.openxmlformats.org/officeDocument/2006/relationships" xmlns:p="http://schemas.openxmlformats.org/presentationml/2006/main">
   <p:cSld>
     <p:spTree>
@@ -21808,7 +21262,7 @@
             <a:fld id="{29AAD378-655A-49C6-813C-9FD132EF7440}" type="slidenum">
               <a:rPr lang="en-US" smtClean="0"/>
               <a:pPr/>
-              <a:t>29</a:t>
+              <a:t>28</a:t>
             </a:fld>
             <a:endParaRPr lang="en-US" dirty="0"/>
           </a:p>
@@ -22638,217 +22092,7 @@
 </p:sld>
 </file>
 
-<file path=ppt/slides/slide3.xml><?xml version="1.0" encoding="utf-8"?>
-<p:sld xmlns:a="http://schemas.openxmlformats.org/drawingml/2006/main" xmlns:r="http://schemas.openxmlformats.org/officeDocument/2006/relationships" xmlns:p="http://schemas.openxmlformats.org/presentationml/2006/main">
-  <p:cSld>
-    <p:spTree>
-      <p:nvGrpSpPr>
-        <p:cNvPr id="1" name=""/>
-        <p:cNvGrpSpPr/>
-        <p:nvPr/>
-      </p:nvGrpSpPr>
-      <p:grpSpPr>
-        <a:xfrm>
-          <a:off x="0" y="0"/>
-          <a:ext cx="0" cy="0"/>
-          <a:chOff x="0" y="0"/>
-          <a:chExt cx="0" cy="0"/>
-        </a:xfrm>
-      </p:grpSpPr>
-      <p:sp>
-        <p:nvSpPr>
-          <p:cNvPr id="3" name="Title 2">
-            <a:extLst>
-              <a:ext uri="{FF2B5EF4-FFF2-40B4-BE49-F238E27FC236}">
-                <a16:creationId xmlns:a16="http://schemas.microsoft.com/office/drawing/2014/main" id="{770E9C3A-B37F-4ADF-899B-AC2EA49325FB}"/>
-              </a:ext>
-            </a:extLst>
-          </p:cNvPr>
-          <p:cNvSpPr>
-            <a:spLocks noGrp="1"/>
-          </p:cNvSpPr>
-          <p:nvPr>
-            <p:ph type="title"/>
-          </p:nvPr>
-        </p:nvSpPr>
-        <p:spPr/>
-        <p:txBody>
-          <a:bodyPr/>
-          <a:lstStyle/>
-          <a:p>
-            <a:r>
-              <a:rPr lang="en-US" dirty="0"/>
-              <a:t>Models of Computation: Functional</a:t>
-            </a:r>
-          </a:p>
-        </p:txBody>
-      </p:sp>
-      <p:pic>
-        <p:nvPicPr>
-          <p:cNvPr id="4" name="Picture 4" descr="Alan Turing">
-            <a:extLst>
-              <a:ext uri="{FF2B5EF4-FFF2-40B4-BE49-F238E27FC236}">
-                <a16:creationId xmlns:a16="http://schemas.microsoft.com/office/drawing/2014/main" id="{59B0622A-A5FC-4C55-8B7B-6F6D63866F59}"/>
-              </a:ext>
-            </a:extLst>
-          </p:cNvPr>
-          <p:cNvPicPr>
-            <a:picLocks noChangeAspect="1" noChangeArrowheads="1"/>
-          </p:cNvPicPr>
-          <p:nvPr/>
-        </p:nvPicPr>
-        <p:blipFill>
-          <a:blip r:embed="rId2" cstate="print"/>
-          <a:srcRect/>
-          <a:stretch>
-            <a:fillRect/>
-          </a:stretch>
-        </p:blipFill>
-        <p:spPr bwMode="auto">
-          <a:xfrm>
-            <a:off x="10264802" y="1467239"/>
-            <a:ext cx="1794602" cy="2262238"/>
-          </a:xfrm>
-          <a:prstGeom prst="rect">
-            <a:avLst/>
-          </a:prstGeom>
-          <a:noFill/>
-        </p:spPr>
-      </p:pic>
-      <p:sp>
-        <p:nvSpPr>
-          <p:cNvPr id="2" name="Slide Number Placeholder 1">
-            <a:extLst>
-              <a:ext uri="{FF2B5EF4-FFF2-40B4-BE49-F238E27FC236}">
-                <a16:creationId xmlns:a16="http://schemas.microsoft.com/office/drawing/2014/main" id="{5569DC68-C7C5-4EAA-BA37-B354B5C0087D}"/>
-              </a:ext>
-            </a:extLst>
-          </p:cNvPr>
-          <p:cNvSpPr>
-            <a:spLocks noGrp="1"/>
-          </p:cNvSpPr>
-          <p:nvPr>
-            <p:ph type="sldNum" sz="quarter" idx="12"/>
-          </p:nvPr>
-        </p:nvSpPr>
-        <p:spPr/>
-        <p:txBody>
-          <a:bodyPr/>
-          <a:lstStyle/>
-          <a:p>
-            <a:fld id="{29AAD378-655A-49C6-813C-9FD132EF7440}" type="slidenum">
-              <a:rPr lang="en-US" smtClean="0"/>
-              <a:pPr/>
-              <a:t>3</a:t>
-            </a:fld>
-            <a:endParaRPr lang="en-US"/>
-          </a:p>
-        </p:txBody>
-      </p:sp>
-      <p:sp>
-        <p:nvSpPr>
-          <p:cNvPr id="6" name="Content Placeholder 1">
-            <a:extLst>
-              <a:ext uri="{FF2B5EF4-FFF2-40B4-BE49-F238E27FC236}">
-                <a16:creationId xmlns:a16="http://schemas.microsoft.com/office/drawing/2014/main" id="{F7539A66-BCD0-404F-8B81-0F6F2AEF8C40}"/>
-              </a:ext>
-            </a:extLst>
-          </p:cNvPr>
-          <p:cNvSpPr>
-            <a:spLocks noGrp="1"/>
-          </p:cNvSpPr>
-          <p:nvPr>
-            <p:ph idx="1"/>
-          </p:nvPr>
-        </p:nvSpPr>
-        <p:spPr>
-          <a:xfrm>
-            <a:off x="76200" y="1341573"/>
-            <a:ext cx="9791700" cy="4285547"/>
-          </a:xfrm>
-        </p:spPr>
-        <p:txBody>
-          <a:bodyPr>
-            <a:normAutofit/>
-          </a:bodyPr>
-          <a:lstStyle/>
-          <a:p>
-            <a:pPr marL="0" indent="0">
-              <a:buNone/>
-            </a:pPr>
-            <a:r>
-              <a:rPr lang="en-US" i="1" dirty="0"/>
-              <a:t>Classical </a:t>
-            </a:r>
-            <a:r>
-              <a:rPr lang="en-US" dirty="0"/>
-              <a:t>model of computation: Programs as Functions</a:t>
-            </a:r>
-          </a:p>
-          <a:p>
-            <a:pPr lvl="1"/>
-            <a:r>
-              <a:rPr lang="en-US" dirty="0"/>
-              <a:t>Start from a given input, </a:t>
-            </a:r>
-          </a:p>
-          <a:p>
-            <a:pPr lvl="1"/>
-            <a:r>
-              <a:rPr lang="en-US" dirty="0"/>
-              <a:t>Produce a certain output and then </a:t>
-            </a:r>
-            <a:r>
-              <a:rPr lang="en-US" b="1" dirty="0"/>
-              <a:t>terminate</a:t>
-            </a:r>
-          </a:p>
-          <a:p>
-            <a:pPr lvl="1"/>
-            <a:r>
-              <a:rPr lang="en-US" dirty="0"/>
-              <a:t>Desired functionality can be described by a mathematical function</a:t>
-            </a:r>
-          </a:p>
-          <a:p>
-            <a:pPr lvl="1"/>
-            <a:r>
-              <a:rPr lang="en-US" dirty="0"/>
-              <a:t>Emphasis is on data computation</a:t>
-            </a:r>
-          </a:p>
-          <a:p>
-            <a:pPr lvl="1"/>
-            <a:r>
-              <a:rPr lang="en-US" dirty="0"/>
-              <a:t>Canonical model: Turing machines e.g. compute square-root, encrypt some text, etc.</a:t>
-            </a:r>
-          </a:p>
-          <a:p>
-            <a:endParaRPr lang="en-US" dirty="0"/>
-          </a:p>
-          <a:p>
-            <a:pPr marL="0" indent="0">
-              <a:buNone/>
-            </a:pPr>
-            <a:endParaRPr lang="en-US" dirty="0"/>
-          </a:p>
-        </p:txBody>
-      </p:sp>
-    </p:spTree>
-    <p:extLst>
-      <p:ext uri="{BB962C8B-B14F-4D97-AF65-F5344CB8AC3E}">
-        <p14:creationId xmlns:p14="http://schemas.microsoft.com/office/powerpoint/2010/main" val="3387314526"/>
-      </p:ext>
-    </p:extLst>
-  </p:cSld>
-  <p:clrMapOvr>
-    <a:masterClrMapping/>
-  </p:clrMapOvr>
-</p:sld>
-</file>
-
-<file path=ppt/slides/slide30.xml><?xml version="1.0" encoding="utf-8"?>
+<file path=ppt/slides/slide29.xml><?xml version="1.0" encoding="utf-8"?>
 <p:sld xmlns:a="http://schemas.openxmlformats.org/drawingml/2006/main" xmlns:r="http://schemas.openxmlformats.org/officeDocument/2006/relationships" xmlns:p="http://schemas.openxmlformats.org/presentationml/2006/main">
   <p:cSld>
     <p:spTree>
@@ -22958,7 +22202,7 @@
             <a:fld id="{29AAD378-655A-49C6-813C-9FD132EF7440}" type="slidenum">
               <a:rPr lang="en-US" smtClean="0"/>
               <a:pPr/>
-              <a:t>30</a:t>
+              <a:t>29</a:t>
             </a:fld>
             <a:endParaRPr lang="en-US" dirty="0"/>
           </a:p>
@@ -24689,7 +23933,217 @@
 </p:sld>
 </file>
 
-<file path=ppt/slides/slide31.xml><?xml version="1.0" encoding="utf-8"?>
+<file path=ppt/slides/slide3.xml><?xml version="1.0" encoding="utf-8"?>
+<p:sld xmlns:a="http://schemas.openxmlformats.org/drawingml/2006/main" xmlns:r="http://schemas.openxmlformats.org/officeDocument/2006/relationships" xmlns:p="http://schemas.openxmlformats.org/presentationml/2006/main">
+  <p:cSld>
+    <p:spTree>
+      <p:nvGrpSpPr>
+        <p:cNvPr id="1" name=""/>
+        <p:cNvGrpSpPr/>
+        <p:nvPr/>
+      </p:nvGrpSpPr>
+      <p:grpSpPr>
+        <a:xfrm>
+          <a:off x="0" y="0"/>
+          <a:ext cx="0" cy="0"/>
+          <a:chOff x="0" y="0"/>
+          <a:chExt cx="0" cy="0"/>
+        </a:xfrm>
+      </p:grpSpPr>
+      <p:sp>
+        <p:nvSpPr>
+          <p:cNvPr id="3" name="Title 2">
+            <a:extLst>
+              <a:ext uri="{FF2B5EF4-FFF2-40B4-BE49-F238E27FC236}">
+                <a16:creationId xmlns:a16="http://schemas.microsoft.com/office/drawing/2014/main" id="{770E9C3A-B37F-4ADF-899B-AC2EA49325FB}"/>
+              </a:ext>
+            </a:extLst>
+          </p:cNvPr>
+          <p:cNvSpPr>
+            <a:spLocks noGrp="1"/>
+          </p:cNvSpPr>
+          <p:nvPr>
+            <p:ph type="title"/>
+          </p:nvPr>
+        </p:nvSpPr>
+        <p:spPr/>
+        <p:txBody>
+          <a:bodyPr/>
+          <a:lstStyle/>
+          <a:p>
+            <a:r>
+              <a:rPr lang="en-US" dirty="0"/>
+              <a:t>Models of Computation: Functional</a:t>
+            </a:r>
+          </a:p>
+        </p:txBody>
+      </p:sp>
+      <p:pic>
+        <p:nvPicPr>
+          <p:cNvPr id="4" name="Picture 4" descr="Alan Turing">
+            <a:extLst>
+              <a:ext uri="{FF2B5EF4-FFF2-40B4-BE49-F238E27FC236}">
+                <a16:creationId xmlns:a16="http://schemas.microsoft.com/office/drawing/2014/main" id="{59B0622A-A5FC-4C55-8B7B-6F6D63866F59}"/>
+              </a:ext>
+            </a:extLst>
+          </p:cNvPr>
+          <p:cNvPicPr>
+            <a:picLocks noChangeAspect="1" noChangeArrowheads="1"/>
+          </p:cNvPicPr>
+          <p:nvPr/>
+        </p:nvPicPr>
+        <p:blipFill>
+          <a:blip r:embed="rId2" cstate="print"/>
+          <a:srcRect/>
+          <a:stretch>
+            <a:fillRect/>
+          </a:stretch>
+        </p:blipFill>
+        <p:spPr bwMode="auto">
+          <a:xfrm>
+            <a:off x="10264802" y="1467239"/>
+            <a:ext cx="1794602" cy="2262238"/>
+          </a:xfrm>
+          <a:prstGeom prst="rect">
+            <a:avLst/>
+          </a:prstGeom>
+          <a:noFill/>
+        </p:spPr>
+      </p:pic>
+      <p:sp>
+        <p:nvSpPr>
+          <p:cNvPr id="2" name="Slide Number Placeholder 1">
+            <a:extLst>
+              <a:ext uri="{FF2B5EF4-FFF2-40B4-BE49-F238E27FC236}">
+                <a16:creationId xmlns:a16="http://schemas.microsoft.com/office/drawing/2014/main" id="{5569DC68-C7C5-4EAA-BA37-B354B5C0087D}"/>
+              </a:ext>
+            </a:extLst>
+          </p:cNvPr>
+          <p:cNvSpPr>
+            <a:spLocks noGrp="1"/>
+          </p:cNvSpPr>
+          <p:nvPr>
+            <p:ph type="sldNum" sz="quarter" idx="12"/>
+          </p:nvPr>
+        </p:nvSpPr>
+        <p:spPr/>
+        <p:txBody>
+          <a:bodyPr/>
+          <a:lstStyle/>
+          <a:p>
+            <a:fld id="{29AAD378-655A-49C6-813C-9FD132EF7440}" type="slidenum">
+              <a:rPr lang="en-US" smtClean="0"/>
+              <a:pPr/>
+              <a:t>3</a:t>
+            </a:fld>
+            <a:endParaRPr lang="en-US"/>
+          </a:p>
+        </p:txBody>
+      </p:sp>
+      <p:sp>
+        <p:nvSpPr>
+          <p:cNvPr id="6" name="Content Placeholder 1">
+            <a:extLst>
+              <a:ext uri="{FF2B5EF4-FFF2-40B4-BE49-F238E27FC236}">
+                <a16:creationId xmlns:a16="http://schemas.microsoft.com/office/drawing/2014/main" id="{F7539A66-BCD0-404F-8B81-0F6F2AEF8C40}"/>
+              </a:ext>
+            </a:extLst>
+          </p:cNvPr>
+          <p:cNvSpPr>
+            <a:spLocks noGrp="1"/>
+          </p:cNvSpPr>
+          <p:nvPr>
+            <p:ph idx="1"/>
+          </p:nvPr>
+        </p:nvSpPr>
+        <p:spPr>
+          <a:xfrm>
+            <a:off x="76200" y="1341573"/>
+            <a:ext cx="9791700" cy="4285547"/>
+          </a:xfrm>
+        </p:spPr>
+        <p:txBody>
+          <a:bodyPr>
+            <a:normAutofit/>
+          </a:bodyPr>
+          <a:lstStyle/>
+          <a:p>
+            <a:pPr marL="0" indent="0">
+              <a:buNone/>
+            </a:pPr>
+            <a:r>
+              <a:rPr lang="en-US" i="1" dirty="0"/>
+              <a:t>Classical </a:t>
+            </a:r>
+            <a:r>
+              <a:rPr lang="en-US" dirty="0"/>
+              <a:t>model of computation: Programs as Functions</a:t>
+            </a:r>
+          </a:p>
+          <a:p>
+            <a:pPr lvl="1"/>
+            <a:r>
+              <a:rPr lang="en-US" dirty="0"/>
+              <a:t>Start from a given input, </a:t>
+            </a:r>
+          </a:p>
+          <a:p>
+            <a:pPr lvl="1"/>
+            <a:r>
+              <a:rPr lang="en-US" dirty="0"/>
+              <a:t>Produce a certain output and then </a:t>
+            </a:r>
+            <a:r>
+              <a:rPr lang="en-US" b="1" dirty="0"/>
+              <a:t>terminate</a:t>
+            </a:r>
+          </a:p>
+          <a:p>
+            <a:pPr lvl="1"/>
+            <a:r>
+              <a:rPr lang="en-US" dirty="0"/>
+              <a:t>Desired functionality can be described by a mathematical function</a:t>
+            </a:r>
+          </a:p>
+          <a:p>
+            <a:pPr lvl="1"/>
+            <a:r>
+              <a:rPr lang="en-US" dirty="0"/>
+              <a:t>Emphasis is on data computation</a:t>
+            </a:r>
+          </a:p>
+          <a:p>
+            <a:pPr lvl="1"/>
+            <a:r>
+              <a:rPr lang="en-US" dirty="0"/>
+              <a:t>Canonical model: Turing machines e.g. compute square-root, encrypt some text, etc.</a:t>
+            </a:r>
+          </a:p>
+          <a:p>
+            <a:endParaRPr lang="en-US" dirty="0"/>
+          </a:p>
+          <a:p>
+            <a:pPr marL="0" indent="0">
+              <a:buNone/>
+            </a:pPr>
+            <a:endParaRPr lang="en-US" dirty="0"/>
+          </a:p>
+        </p:txBody>
+      </p:sp>
+    </p:spTree>
+    <p:extLst>
+      <p:ext uri="{BB962C8B-B14F-4D97-AF65-F5344CB8AC3E}">
+        <p14:creationId xmlns:p14="http://schemas.microsoft.com/office/powerpoint/2010/main" val="3387314526"/>
+      </p:ext>
+    </p:extLst>
+  </p:cSld>
+  <p:clrMapOvr>
+    <a:masterClrMapping/>
+  </p:clrMapOvr>
+</p:sld>
+</file>
+
+<file path=ppt/slides/slide30.xml><?xml version="1.0" encoding="utf-8"?>
 <p:sld xmlns:a="http://schemas.openxmlformats.org/drawingml/2006/main" xmlns:r="http://schemas.openxmlformats.org/officeDocument/2006/relationships" xmlns:p="http://schemas.openxmlformats.org/presentationml/2006/main">
   <p:cSld>
     <p:spTree>
@@ -24758,7 +24212,7 @@
             <a:fld id="{29AAD378-655A-49C6-813C-9FD132EF7440}" type="slidenum">
               <a:rPr lang="en-US" smtClean="0"/>
               <a:pPr/>
-              <a:t>31</a:t>
+              <a:t>30</a:t>
             </a:fld>
             <a:endParaRPr lang="en-US" dirty="0"/>
           </a:p>
@@ -25643,7 +25097,7 @@
 </p:sld>
 </file>
 
-<file path=ppt/slides/slide32.xml><?xml version="1.0" encoding="utf-8"?>
+<file path=ppt/slides/slide31.xml><?xml version="1.0" encoding="utf-8"?>
 <p:sld xmlns:a="http://schemas.openxmlformats.org/drawingml/2006/main" xmlns:r="http://schemas.openxmlformats.org/officeDocument/2006/relationships" xmlns:p="http://schemas.openxmlformats.org/presentationml/2006/main">
   <p:cSld>
     <p:spTree>
@@ -25712,7 +25166,7 @@
             <a:fld id="{29AAD378-655A-49C6-813C-9FD132EF7440}" type="slidenum">
               <a:rPr lang="en-US" smtClean="0"/>
               <a:pPr/>
-              <a:t>32</a:t>
+              <a:t>31</a:t>
             </a:fld>
             <a:endParaRPr lang="en-US" dirty="0"/>
           </a:p>
@@ -26600,7 +26054,7 @@
 </p:sld>
 </file>
 
-<file path=ppt/slides/slide33.xml><?xml version="1.0" encoding="utf-8"?>
+<file path=ppt/slides/slide32.xml><?xml version="1.0" encoding="utf-8"?>
 <p:sld xmlns:a="http://schemas.openxmlformats.org/drawingml/2006/main" xmlns:r="http://schemas.openxmlformats.org/officeDocument/2006/relationships" xmlns:p="http://schemas.openxmlformats.org/presentationml/2006/main">
   <p:cSld>
     <p:spTree>
@@ -26669,7 +26123,7 @@
             <a:fld id="{29AAD378-655A-49C6-813C-9FD132EF7440}" type="slidenum">
               <a:rPr lang="en-US" smtClean="0"/>
               <a:pPr/>
-              <a:t>33</a:t>
+              <a:t>32</a:t>
             </a:fld>
             <a:endParaRPr lang="en-US" dirty="0"/>
           </a:p>
@@ -28102,7 +27556,7 @@
 </p:sld>
 </file>
 
-<file path=ppt/slides/slide34.xml><?xml version="1.0" encoding="utf-8"?>
+<file path=ppt/slides/slide33.xml><?xml version="1.0" encoding="utf-8"?>
 <p:sld xmlns:a="http://schemas.openxmlformats.org/drawingml/2006/main" xmlns:r="http://schemas.openxmlformats.org/officeDocument/2006/relationships" xmlns:p="http://schemas.openxmlformats.org/presentationml/2006/main">
   <p:cSld>
     <p:spTree>
@@ -28221,7 +27675,7 @@
             <a:fld id="{29AAD378-655A-49C6-813C-9FD132EF7440}" type="slidenum">
               <a:rPr lang="en-US" smtClean="0"/>
               <a:pPr/>
-              <a:t>34</a:t>
+              <a:t>33</a:t>
             </a:fld>
             <a:endParaRPr lang="en-US" dirty="0"/>
           </a:p>
@@ -28304,7 +27758,7 @@
 </p:sld>
 </file>
 
-<file path=ppt/slides/slide35.xml><?xml version="1.0" encoding="utf-8"?>
+<file path=ppt/slides/slide34.xml><?xml version="1.0" encoding="utf-8"?>
 <p:sld xmlns:a="http://schemas.openxmlformats.org/drawingml/2006/main" xmlns:r="http://schemas.openxmlformats.org/officeDocument/2006/relationships" xmlns:p="http://schemas.openxmlformats.org/presentationml/2006/main">
   <p:cSld>
     <p:spTree>
@@ -28410,7 +27864,7 @@
             <a:fld id="{29AAD378-655A-49C6-813C-9FD132EF7440}" type="slidenum">
               <a:rPr lang="en-US" smtClean="0"/>
               <a:pPr/>
-              <a:t>35</a:t>
+              <a:t>34</a:t>
             </a:fld>
             <a:endParaRPr lang="en-US" dirty="0"/>
           </a:p>
@@ -29758,7 +29212,7 @@
 </p:sld>
 </file>
 
-<file path=ppt/slides/slide36.xml><?xml version="1.0" encoding="utf-8"?>
+<file path=ppt/slides/slide35.xml><?xml version="1.0" encoding="utf-8"?>
 <p:sld xmlns:a="http://schemas.openxmlformats.org/drawingml/2006/main" xmlns:r="http://schemas.openxmlformats.org/officeDocument/2006/relationships" xmlns:p="http://schemas.openxmlformats.org/presentationml/2006/main">
   <p:cSld>
     <p:spTree>
@@ -29835,7 +29289,7 @@
             <a:fld id="{29AAD378-655A-49C6-813C-9FD132EF7440}" type="slidenum">
               <a:rPr lang="en-US" smtClean="0"/>
               <a:pPr/>
-              <a:t>36</a:t>
+              <a:t>35</a:t>
             </a:fld>
             <a:endParaRPr lang="en-US" dirty="0"/>
           </a:p>
@@ -29936,7 +29390,7 @@
 </p:sld>
 </file>
 
-<file path=ppt/slides/slide37.xml><?xml version="1.0" encoding="utf-8"?>
+<file path=ppt/slides/slide36.xml><?xml version="1.0" encoding="utf-8"?>
 <p:sld xmlns:a="http://schemas.openxmlformats.org/drawingml/2006/main" xmlns:r="http://schemas.openxmlformats.org/officeDocument/2006/relationships" xmlns:p="http://schemas.openxmlformats.org/presentationml/2006/main">
   <p:cSld>
     <p:spTree>
@@ -30009,7 +29463,7 @@
             <a:fld id="{29AAD378-655A-49C6-813C-9FD132EF7440}" type="slidenum">
               <a:rPr lang="en-US" smtClean="0"/>
               <a:pPr/>
-              <a:t>37</a:t>
+              <a:t>36</a:t>
             </a:fld>
             <a:endParaRPr lang="en-US" dirty="0"/>
           </a:p>
@@ -30526,7 +29980,7 @@
 </p:sld>
 </file>
 
-<file path=ppt/slides/slide38.xml><?xml version="1.0" encoding="utf-8"?>
+<file path=ppt/slides/slide37.xml><?xml version="1.0" encoding="utf-8"?>
 <p:sld xmlns:a="http://schemas.openxmlformats.org/drawingml/2006/main" xmlns:r="http://schemas.openxmlformats.org/officeDocument/2006/relationships" xmlns:p="http://schemas.openxmlformats.org/presentationml/2006/main">
   <p:cSld>
     <p:spTree>
@@ -30665,7 +30119,7 @@
             <a:fld id="{29AAD378-655A-49C6-813C-9FD132EF7440}" type="slidenum">
               <a:rPr lang="en-US" smtClean="0"/>
               <a:pPr/>
-              <a:t>38</a:t>
+              <a:t>37</a:t>
             </a:fld>
             <a:endParaRPr lang="en-US" dirty="0"/>
           </a:p>
@@ -30684,7 +30138,7 @@
 </p:sld>
 </file>
 
-<file path=ppt/slides/slide39.xml><?xml version="1.0" encoding="utf-8"?>
+<file path=ppt/slides/slide38.xml><?xml version="1.0" encoding="utf-8"?>
 <p:sld xmlns:a="http://schemas.openxmlformats.org/drawingml/2006/main" xmlns:r="http://schemas.openxmlformats.org/officeDocument/2006/relationships" xmlns:p="http://schemas.openxmlformats.org/presentationml/2006/main">
   <p:cSld>
     <p:spTree>
@@ -30758,6 +30212,170 @@
             <a:fld id="{29AAD378-655A-49C6-813C-9FD132EF7440}" type="slidenum">
               <a:rPr lang="en-US" smtClean="0"/>
               <a:pPr/>
+              <a:t>38</a:t>
+            </a:fld>
+            <a:endParaRPr lang="en-US" dirty="0"/>
+          </a:p>
+        </p:txBody>
+      </p:sp>
+    </p:spTree>
+    <p:extLst>
+      <p:ext uri="{BB962C8B-B14F-4D97-AF65-F5344CB8AC3E}">
+        <p14:creationId xmlns:p14="http://schemas.microsoft.com/office/powerpoint/2010/main" val="172198124"/>
+      </p:ext>
+    </p:extLst>
+  </p:cSld>
+  <p:clrMapOvr>
+    <a:masterClrMapping/>
+  </p:clrMapOvr>
+</p:sld>
+</file>
+
+<file path=ppt/slides/slide39.xml><?xml version="1.0" encoding="utf-8"?>
+<p:sld xmlns:a="http://schemas.openxmlformats.org/drawingml/2006/main" xmlns:r="http://schemas.openxmlformats.org/officeDocument/2006/relationships" xmlns:p="http://schemas.openxmlformats.org/presentationml/2006/main" show="0">
+  <p:cSld>
+    <p:spTree>
+      <p:nvGrpSpPr>
+        <p:cNvPr id="1" name=""/>
+        <p:cNvGrpSpPr/>
+        <p:nvPr/>
+      </p:nvGrpSpPr>
+      <p:grpSpPr>
+        <a:xfrm>
+          <a:off x="0" y="0"/>
+          <a:ext cx="0" cy="0"/>
+          <a:chOff x="0" y="0"/>
+          <a:chExt cx="0" cy="0"/>
+        </a:xfrm>
+      </p:grpSpPr>
+      <p:sp>
+        <p:nvSpPr>
+          <p:cNvPr id="2" name="Content Placeholder 1">
+            <a:extLst>
+              <a:ext uri="{FF2B5EF4-FFF2-40B4-BE49-F238E27FC236}">
+                <a16:creationId xmlns:a16="http://schemas.microsoft.com/office/drawing/2014/main" id="{FDF34425-5C2E-FC21-4406-89E23A36BD80}"/>
+              </a:ext>
+            </a:extLst>
+          </p:cNvPr>
+          <p:cNvSpPr>
+            <a:spLocks noGrp="1"/>
+          </p:cNvSpPr>
+          <p:nvPr>
+            <p:ph idx="1"/>
+          </p:nvPr>
+        </p:nvSpPr>
+        <p:spPr/>
+        <p:txBody>
+          <a:bodyPr/>
+          <a:lstStyle/>
+          <a:p>
+            <a:r>
+              <a:rPr lang="en-US" dirty="0"/>
+              <a:t>Discussed class structure</a:t>
+            </a:r>
+          </a:p>
+          <a:p>
+            <a:r>
+              <a:rPr lang="en-US" dirty="0"/>
+              <a:t>Discussed class project</a:t>
+            </a:r>
+          </a:p>
+          <a:p>
+            <a:r>
+              <a:rPr lang="en-US" dirty="0"/>
+              <a:t>Homework assignments, discussions on Piazza</a:t>
+            </a:r>
+          </a:p>
+          <a:p>
+            <a:r>
+              <a:rPr lang="en-US" dirty="0"/>
+              <a:t>TAs: Sam Williams, Jeremy Morgan, Navid Hashemi</a:t>
+            </a:r>
+          </a:p>
+          <a:p>
+            <a:pPr marL="0" indent="0">
+              <a:buNone/>
+            </a:pPr>
+            <a:endParaRPr lang="en-US" dirty="0"/>
+          </a:p>
+          <a:p>
+            <a:pPr marL="0" indent="0">
+              <a:buNone/>
+            </a:pPr>
+            <a:r>
+              <a:rPr lang="en-US" dirty="0"/>
+              <a:t>Subject matter:</a:t>
+            </a:r>
+          </a:p>
+          <a:p>
+            <a:r>
+              <a:rPr lang="en-US" dirty="0"/>
+              <a:t>Discussed synchronous components, the synchrony hypothesis</a:t>
+            </a:r>
+          </a:p>
+          <a:p>
+            <a:r>
+              <a:rPr lang="en-US" dirty="0"/>
+              <a:t>Discussed cruise control module using synchronous assumptions</a:t>
+            </a:r>
+          </a:p>
+          <a:p>
+            <a:endParaRPr lang="en-US" dirty="0"/>
+          </a:p>
+        </p:txBody>
+      </p:sp>
+      <p:sp>
+        <p:nvSpPr>
+          <p:cNvPr id="3" name="Title 2">
+            <a:extLst>
+              <a:ext uri="{FF2B5EF4-FFF2-40B4-BE49-F238E27FC236}">
+                <a16:creationId xmlns:a16="http://schemas.microsoft.com/office/drawing/2014/main" id="{6912B12F-E4CC-F999-11B6-22D543037A5A}"/>
+              </a:ext>
+            </a:extLst>
+          </p:cNvPr>
+          <p:cNvSpPr>
+            <a:spLocks noGrp="1"/>
+          </p:cNvSpPr>
+          <p:nvPr>
+            <p:ph type="title"/>
+          </p:nvPr>
+        </p:nvSpPr>
+        <p:spPr/>
+        <p:txBody>
+          <a:bodyPr/>
+          <a:lstStyle/>
+          <a:p>
+            <a:r>
+              <a:rPr lang="en-US" dirty="0"/>
+              <a:t>Summary of last lecture</a:t>
+            </a:r>
+          </a:p>
+        </p:txBody>
+      </p:sp>
+      <p:sp>
+        <p:nvSpPr>
+          <p:cNvPr id="4" name="Slide Number Placeholder 3">
+            <a:extLst>
+              <a:ext uri="{FF2B5EF4-FFF2-40B4-BE49-F238E27FC236}">
+                <a16:creationId xmlns:a16="http://schemas.microsoft.com/office/drawing/2014/main" id="{11428796-F0A3-8021-FD93-FF90BE85432E}"/>
+              </a:ext>
+            </a:extLst>
+          </p:cNvPr>
+          <p:cNvSpPr>
+            <a:spLocks noGrp="1"/>
+          </p:cNvSpPr>
+          <p:nvPr>
+            <p:ph type="sldNum" sz="quarter" idx="12"/>
+          </p:nvPr>
+        </p:nvSpPr>
+        <p:spPr/>
+        <p:txBody>
+          <a:bodyPr/>
+          <a:lstStyle/>
+          <a:p>
+            <a:fld id="{29AAD378-655A-49C6-813C-9FD132EF7440}" type="slidenum">
+              <a:rPr lang="en-US" smtClean="0"/>
+              <a:pPr/>
               <a:t>39</a:t>
             </a:fld>
             <a:endParaRPr lang="en-US" dirty="0"/>
@@ -30767,7 +30385,7 @@
     </p:spTree>
     <p:extLst>
       <p:ext uri="{BB962C8B-B14F-4D97-AF65-F5344CB8AC3E}">
-        <p14:creationId xmlns:p14="http://schemas.microsoft.com/office/powerpoint/2010/main" val="172198124"/>
+        <p14:creationId xmlns:p14="http://schemas.microsoft.com/office/powerpoint/2010/main" val="2546555843"/>
       </p:ext>
     </p:extLst>
   </p:cSld>
@@ -30953,171 +30571,7 @@
 </file>
 
 <file path=ppt/slides/slide40.xml><?xml version="1.0" encoding="utf-8"?>
-<p:sld xmlns:a="http://schemas.openxmlformats.org/drawingml/2006/main" xmlns:r="http://schemas.openxmlformats.org/officeDocument/2006/relationships" xmlns:p="http://schemas.openxmlformats.org/presentationml/2006/main">
-  <p:cSld>
-    <p:spTree>
-      <p:nvGrpSpPr>
-        <p:cNvPr id="1" name=""/>
-        <p:cNvGrpSpPr/>
-        <p:nvPr/>
-      </p:nvGrpSpPr>
-      <p:grpSpPr>
-        <a:xfrm>
-          <a:off x="0" y="0"/>
-          <a:ext cx="0" cy="0"/>
-          <a:chOff x="0" y="0"/>
-          <a:chExt cx="0" cy="0"/>
-        </a:xfrm>
-      </p:grpSpPr>
-      <p:sp>
-        <p:nvSpPr>
-          <p:cNvPr id="2" name="Content Placeholder 1">
-            <a:extLst>
-              <a:ext uri="{FF2B5EF4-FFF2-40B4-BE49-F238E27FC236}">
-                <a16:creationId xmlns:a16="http://schemas.microsoft.com/office/drawing/2014/main" id="{FDF34425-5C2E-FC21-4406-89E23A36BD80}"/>
-              </a:ext>
-            </a:extLst>
-          </p:cNvPr>
-          <p:cNvSpPr>
-            <a:spLocks noGrp="1"/>
-          </p:cNvSpPr>
-          <p:nvPr>
-            <p:ph idx="1"/>
-          </p:nvPr>
-        </p:nvSpPr>
-        <p:spPr/>
-        <p:txBody>
-          <a:bodyPr/>
-          <a:lstStyle/>
-          <a:p>
-            <a:r>
-              <a:rPr lang="en-US" dirty="0"/>
-              <a:t>Discussed class structure</a:t>
-            </a:r>
-          </a:p>
-          <a:p>
-            <a:r>
-              <a:rPr lang="en-US" dirty="0"/>
-              <a:t>Discussed class project</a:t>
-            </a:r>
-          </a:p>
-          <a:p>
-            <a:r>
-              <a:rPr lang="en-US" dirty="0"/>
-              <a:t>Homework assignments, discussions on Piazza</a:t>
-            </a:r>
-          </a:p>
-          <a:p>
-            <a:r>
-              <a:rPr lang="en-US" dirty="0"/>
-              <a:t>TAs: Sam Williams, Jeremy Morgan, Navid Hashemi</a:t>
-            </a:r>
-          </a:p>
-          <a:p>
-            <a:pPr marL="0" indent="0">
-              <a:buNone/>
-            </a:pPr>
-            <a:endParaRPr lang="en-US" dirty="0"/>
-          </a:p>
-          <a:p>
-            <a:pPr marL="0" indent="0">
-              <a:buNone/>
-            </a:pPr>
-            <a:r>
-              <a:rPr lang="en-US" dirty="0"/>
-              <a:t>Subject matter:</a:t>
-            </a:r>
-          </a:p>
-          <a:p>
-            <a:r>
-              <a:rPr lang="en-US" dirty="0"/>
-              <a:t>Discussed synchronous components, the synchrony hypothesis</a:t>
-            </a:r>
-          </a:p>
-          <a:p>
-            <a:r>
-              <a:rPr lang="en-US" dirty="0"/>
-              <a:t>Discussed cruise control module using synchronous assumptions</a:t>
-            </a:r>
-          </a:p>
-          <a:p>
-            <a:endParaRPr lang="en-US" dirty="0"/>
-          </a:p>
-        </p:txBody>
-      </p:sp>
-      <p:sp>
-        <p:nvSpPr>
-          <p:cNvPr id="3" name="Title 2">
-            <a:extLst>
-              <a:ext uri="{FF2B5EF4-FFF2-40B4-BE49-F238E27FC236}">
-                <a16:creationId xmlns:a16="http://schemas.microsoft.com/office/drawing/2014/main" id="{6912B12F-E4CC-F999-11B6-22D543037A5A}"/>
-              </a:ext>
-            </a:extLst>
-          </p:cNvPr>
-          <p:cNvSpPr>
-            <a:spLocks noGrp="1"/>
-          </p:cNvSpPr>
-          <p:nvPr>
-            <p:ph type="title"/>
-          </p:nvPr>
-        </p:nvSpPr>
-        <p:spPr/>
-        <p:txBody>
-          <a:bodyPr/>
-          <a:lstStyle/>
-          <a:p>
-            <a:r>
-              <a:rPr lang="en-US" dirty="0"/>
-              <a:t>Summary of last lecture</a:t>
-            </a:r>
-          </a:p>
-        </p:txBody>
-      </p:sp>
-      <p:sp>
-        <p:nvSpPr>
-          <p:cNvPr id="4" name="Slide Number Placeholder 3">
-            <a:extLst>
-              <a:ext uri="{FF2B5EF4-FFF2-40B4-BE49-F238E27FC236}">
-                <a16:creationId xmlns:a16="http://schemas.microsoft.com/office/drawing/2014/main" id="{11428796-F0A3-8021-FD93-FF90BE85432E}"/>
-              </a:ext>
-            </a:extLst>
-          </p:cNvPr>
-          <p:cNvSpPr>
-            <a:spLocks noGrp="1"/>
-          </p:cNvSpPr>
-          <p:nvPr>
-            <p:ph type="sldNum" sz="quarter" idx="12"/>
-          </p:nvPr>
-        </p:nvSpPr>
-        <p:spPr/>
-        <p:txBody>
-          <a:bodyPr/>
-          <a:lstStyle/>
-          <a:p>
-            <a:fld id="{29AAD378-655A-49C6-813C-9FD132EF7440}" type="slidenum">
-              <a:rPr lang="en-US" smtClean="0"/>
-              <a:pPr/>
-              <a:t>40</a:t>
-            </a:fld>
-            <a:endParaRPr lang="en-US" dirty="0"/>
-          </a:p>
-        </p:txBody>
-      </p:sp>
-    </p:spTree>
-    <p:extLst>
-      <p:ext uri="{BB962C8B-B14F-4D97-AF65-F5344CB8AC3E}">
-        <p14:creationId xmlns:p14="http://schemas.microsoft.com/office/powerpoint/2010/main" val="2546555843"/>
-      </p:ext>
-    </p:extLst>
-  </p:cSld>
-  <p:clrMapOvr>
-    <a:masterClrMapping/>
-  </p:clrMapOvr>
-</p:sld>
-</file>
-
-<file path=ppt/slides/slide41.xml><?xml version="1.0" encoding="utf-8"?>
-<p:sld xmlns:a="http://schemas.openxmlformats.org/drawingml/2006/main" xmlns:r="http://schemas.openxmlformats.org/officeDocument/2006/relationships" xmlns:p="http://schemas.openxmlformats.org/presentationml/2006/main">
+<p:sld xmlns:a="http://schemas.openxmlformats.org/drawingml/2006/main" xmlns:r="http://schemas.openxmlformats.org/officeDocument/2006/relationships" xmlns:p="http://schemas.openxmlformats.org/presentationml/2006/main" show="0">
   <p:cSld>
     <p:spTree>
       <p:nvGrpSpPr>
@@ -31292,7 +30746,7 @@
             <a:fld id="{29AAD378-655A-49C6-813C-9FD132EF7440}" type="slidenum">
               <a:rPr lang="en-US" smtClean="0"/>
               <a:pPr/>
-              <a:t>41</a:t>
+              <a:t>40</a:t>
             </a:fld>
             <a:endParaRPr lang="en-US" dirty="0"/>
           </a:p>
@@ -31311,7 +30765,7 @@
 </p:sld>
 </file>
 
-<file path=ppt/slides/slide42.xml><?xml version="1.0" encoding="utf-8"?>
+<file path=ppt/slides/slide41.xml><?xml version="1.0" encoding="utf-8"?>
 <p:sld xmlns:a="http://schemas.openxmlformats.org/drawingml/2006/main" xmlns:r="http://schemas.openxmlformats.org/officeDocument/2006/relationships" xmlns:p="http://schemas.openxmlformats.org/presentationml/2006/main">
   <p:cSld>
     <p:spTree>
@@ -31380,7 +30834,7 @@
             <a:fld id="{29AAD378-655A-49C6-813C-9FD132EF7440}" type="slidenum">
               <a:rPr lang="en-US" smtClean="0"/>
               <a:pPr/>
-              <a:t>42</a:t>
+              <a:t>41</a:t>
             </a:fld>
             <a:endParaRPr lang="en-US"/>
           </a:p>
@@ -31478,7 +30932,7 @@
 </p:sld>
 </file>
 
-<file path=ppt/slides/slide43.xml><?xml version="1.0" encoding="utf-8"?>
+<file path=ppt/slides/slide42.xml><?xml version="1.0" encoding="utf-8"?>
 <p:sld xmlns:a="http://schemas.openxmlformats.org/drawingml/2006/main" xmlns:r="http://schemas.openxmlformats.org/officeDocument/2006/relationships" xmlns:p="http://schemas.openxmlformats.org/presentationml/2006/main">
   <p:cSld>
     <p:spTree>
@@ -31547,7 +31001,7 @@
             <a:fld id="{29AAD378-655A-49C6-813C-9FD132EF7440}" type="slidenum">
               <a:rPr lang="en-US" smtClean="0"/>
               <a:pPr/>
-              <a:t>43</a:t>
+              <a:t>42</a:t>
             </a:fld>
             <a:endParaRPr lang="en-US"/>
           </a:p>
@@ -32568,7 +32022,7 @@
 </p:sld>
 </file>
 
-<file path=ppt/slides/slide44.xml><?xml version="1.0" encoding="utf-8"?>
+<file path=ppt/slides/slide43.xml><?xml version="1.0" encoding="utf-8"?>
 <p:sld xmlns:a="http://schemas.openxmlformats.org/drawingml/2006/main" xmlns:r="http://schemas.openxmlformats.org/officeDocument/2006/relationships" xmlns:p="http://schemas.openxmlformats.org/presentationml/2006/main">
   <p:cSld>
     <p:spTree>
@@ -32863,7 +32317,7 @@
             <a:fld id="{29AAD378-655A-49C6-813C-9FD132EF7440}" type="slidenum">
               <a:rPr lang="en-US" smtClean="0"/>
               <a:pPr/>
-              <a:t>44</a:t>
+              <a:t>43</a:t>
             </a:fld>
             <a:endParaRPr lang="en-US" dirty="0"/>
           </a:p>
@@ -33566,7 +33020,7 @@
 </p:sld>
 </file>
 
-<file path=ppt/slides/slide45.xml><?xml version="1.0" encoding="utf-8"?>
+<file path=ppt/slides/slide44.xml><?xml version="1.0" encoding="utf-8"?>
 <p:sld xmlns:a="http://schemas.openxmlformats.org/drawingml/2006/main" xmlns:r="http://schemas.openxmlformats.org/officeDocument/2006/relationships" xmlns:p="http://schemas.openxmlformats.org/presentationml/2006/main">
   <p:cSld>
     <p:spTree>
@@ -33699,7 +33153,7 @@
             <a:fld id="{29AAD378-655A-49C6-813C-9FD132EF7440}" type="slidenum">
               <a:rPr lang="en-US" smtClean="0"/>
               <a:pPr/>
-              <a:t>45</a:t>
+              <a:t>44</a:t>
             </a:fld>
             <a:endParaRPr lang="en-US" dirty="0"/>
           </a:p>
@@ -34424,8 +33878,8 @@
           </a:p>
         </p:txBody>
       </p:sp>
-      <mc:AlternateContent xmlns:mc="http://schemas.openxmlformats.org/markup-compatibility/2006">
-        <mc:Choice xmlns:a14="http://schemas.microsoft.com/office/drawing/2010/main" Requires="a14">
+      <mc:AlternateContent xmlns:mc="http://schemas.openxmlformats.org/markup-compatibility/2006" xmlns:a14="http://schemas.microsoft.com/office/drawing/2010/main">
+        <mc:Choice Requires="a14">
           <p:sp>
             <p:nvSpPr>
               <p:cNvPr id="17" name="TextBox 16">
@@ -34884,7 +34338,7 @@
             </p:txBody>
           </p:sp>
         </mc:Choice>
-        <mc:Fallback>
+        <mc:Fallback xmlns="">
           <p:sp>
             <p:nvSpPr>
               <p:cNvPr id="17" name="TextBox 16">
@@ -34942,7 +34396,7 @@
 </p:sld>
 </file>
 
-<file path=ppt/slides/slide46.xml><?xml version="1.0" encoding="utf-8"?>
+<file path=ppt/slides/slide45.xml><?xml version="1.0" encoding="utf-8"?>
 <p:sld xmlns:a="http://schemas.openxmlformats.org/drawingml/2006/main" xmlns:r="http://schemas.openxmlformats.org/officeDocument/2006/relationships" xmlns:p="http://schemas.openxmlformats.org/presentationml/2006/main">
   <p:cSld>
     <p:spTree>
@@ -34959,8 +34413,8 @@
           <a:chExt cx="0" cy="0"/>
         </a:xfrm>
       </p:grpSpPr>
-      <mc:AlternateContent xmlns:mc="http://schemas.openxmlformats.org/markup-compatibility/2006">
-        <mc:Choice xmlns:a14="http://schemas.microsoft.com/office/drawing/2010/main" Requires="a14">
+      <mc:AlternateContent xmlns:mc="http://schemas.openxmlformats.org/markup-compatibility/2006" xmlns:a14="http://schemas.microsoft.com/office/drawing/2010/main">
+        <mc:Choice Requires="a14">
           <p:sp>
             <p:nvSpPr>
               <p:cNvPr id="2" name="Content Placeholder 1">
@@ -35258,7 +34712,7 @@
             </p:txBody>
           </p:sp>
         </mc:Choice>
-        <mc:Fallback>
+        <mc:Fallback xmlns="">
           <p:sp>
             <p:nvSpPr>
               <p:cNvPr id="2" name="Content Placeholder 1">
@@ -35354,7 +34808,7 @@
             <a:fld id="{29AAD378-655A-49C6-813C-9FD132EF7440}" type="slidenum">
               <a:rPr lang="en-US" smtClean="0"/>
               <a:pPr/>
-              <a:t>46</a:t>
+              <a:t>45</a:t>
             </a:fld>
             <a:endParaRPr lang="en-US" dirty="0"/>
           </a:p>
@@ -36668,7 +36122,7 @@
 </p:sld>
 </file>
 
-<file path=ppt/slides/slide47.xml><?xml version="1.0" encoding="utf-8"?>
+<file path=ppt/slides/slide46.xml><?xml version="1.0" encoding="utf-8"?>
 <p:sld xmlns:a="http://schemas.openxmlformats.org/drawingml/2006/main" xmlns:r="http://schemas.openxmlformats.org/officeDocument/2006/relationships" xmlns:p="http://schemas.openxmlformats.org/presentationml/2006/main">
   <p:cSld>
     <p:spTree>
@@ -36842,7 +36296,7 @@
             <a:fld id="{29AAD378-655A-49C6-813C-9FD132EF7440}" type="slidenum">
               <a:rPr lang="en-US" smtClean="0"/>
               <a:pPr/>
-              <a:t>47</a:t>
+              <a:t>46</a:t>
             </a:fld>
             <a:endParaRPr lang="en-US" dirty="0"/>
           </a:p>
@@ -37545,7 +36999,7 @@
 </p:sld>
 </file>
 
-<file path=ppt/slides/slide48.xml><?xml version="1.0" encoding="utf-8"?>
+<file path=ppt/slides/slide47.xml><?xml version="1.0" encoding="utf-8"?>
 <p:sld xmlns:a="http://schemas.openxmlformats.org/drawingml/2006/main" xmlns:r="http://schemas.openxmlformats.org/officeDocument/2006/relationships" xmlns:p="http://schemas.openxmlformats.org/presentationml/2006/main">
   <p:cSld>
     <p:spTree>
@@ -37939,7 +37393,7 @@
             <a:fld id="{29AAD378-655A-49C6-813C-9FD132EF7440}" type="slidenum">
               <a:rPr lang="en-US" smtClean="0"/>
               <a:pPr/>
-              <a:t>48</a:t>
+              <a:t>47</a:t>
             </a:fld>
             <a:endParaRPr lang="en-US" dirty="0"/>
           </a:p>
@@ -37958,7 +37412,7 @@
 </p:sld>
 </file>
 
-<file path=ppt/slides/slide49.xml><?xml version="1.0" encoding="utf-8"?>
+<file path=ppt/slides/slide48.xml><?xml version="1.0" encoding="utf-8"?>
 <p:sld xmlns:a="http://schemas.openxmlformats.org/drawingml/2006/main" xmlns:r="http://schemas.openxmlformats.org/officeDocument/2006/relationships" xmlns:p="http://schemas.openxmlformats.org/presentationml/2006/main">
   <p:cSld>
     <p:spTree>
@@ -38259,6 +37713,283 @@
             <a:fld id="{29AAD378-655A-49C6-813C-9FD132EF7440}" type="slidenum">
               <a:rPr lang="en-US" smtClean="0"/>
               <a:pPr/>
+              <a:t>48</a:t>
+            </a:fld>
+            <a:endParaRPr lang="en-US" dirty="0"/>
+          </a:p>
+        </p:txBody>
+      </p:sp>
+    </p:spTree>
+    <p:extLst>
+      <p:ext uri="{BB962C8B-B14F-4D97-AF65-F5344CB8AC3E}">
+        <p14:creationId xmlns:p14="http://schemas.microsoft.com/office/powerpoint/2010/main" val="632144597"/>
+      </p:ext>
+    </p:extLst>
+  </p:cSld>
+  <p:clrMapOvr>
+    <a:masterClrMapping/>
+  </p:clrMapOvr>
+</p:sld>
+</file>
+
+<file path=ppt/slides/slide49.xml><?xml version="1.0" encoding="utf-8"?>
+<p:sld xmlns:a="http://schemas.openxmlformats.org/drawingml/2006/main" xmlns:r="http://schemas.openxmlformats.org/officeDocument/2006/relationships" xmlns:p="http://schemas.openxmlformats.org/presentationml/2006/main">
+  <p:cSld>
+    <p:spTree>
+      <p:nvGrpSpPr>
+        <p:cNvPr id="1" name=""/>
+        <p:cNvGrpSpPr/>
+        <p:nvPr/>
+      </p:nvGrpSpPr>
+      <p:grpSpPr>
+        <a:xfrm>
+          <a:off x="0" y="0"/>
+          <a:ext cx="0" cy="0"/>
+          <a:chOff x="0" y="0"/>
+          <a:chExt cx="0" cy="0"/>
+        </a:xfrm>
+      </p:grpSpPr>
+      <mc:AlternateContent xmlns:mc="http://schemas.openxmlformats.org/markup-compatibility/2006" xmlns:a14="http://schemas.microsoft.com/office/drawing/2010/main">
+        <mc:Choice Requires="a14">
+          <p:sp>
+            <p:nvSpPr>
+              <p:cNvPr id="2" name="Content Placeholder 1">
+                <a:extLst>
+                  <a:ext uri="{FF2B5EF4-FFF2-40B4-BE49-F238E27FC236}">
+                    <a16:creationId xmlns:a16="http://schemas.microsoft.com/office/drawing/2014/main" id="{6739C510-316F-491D-9162-3A38EABE25D2}"/>
+                  </a:ext>
+                </a:extLst>
+              </p:cNvPr>
+              <p:cNvSpPr>
+                <a:spLocks noGrp="1"/>
+              </p:cNvSpPr>
+              <p:nvPr>
+                <p:ph idx="1"/>
+              </p:nvPr>
+            </p:nvSpPr>
+            <p:spPr/>
+            <p:txBody>
+              <a:bodyPr>
+                <a:normAutofit/>
+              </a:bodyPr>
+              <a:lstStyle/>
+              <a:p>
+                <a:pPr marL="0" indent="0">
+                  <a:buNone/>
+                </a:pPr>
+                <a:r>
+                  <a:rPr lang="en-US" b="1" dirty="0"/>
+                  <a:t>Internal Task</a:t>
+                </a:r>
+                <a:r>
+                  <a:rPr lang="en-US" dirty="0"/>
+                  <a:t>: defines updates of the form: </a:t>
+                </a:r>
+                <a:r>
+                  <a:rPr lang="en-US" b="1" dirty="0"/>
+                  <a:t>G </a:t>
+                </a:r>
+                <a14:m>
+                  <m:oMath xmlns:m="http://schemas.openxmlformats.org/officeDocument/2006/math">
+                    <m:r>
+                      <a:rPr lang="en-US" b="1" i="1">
+                        <a:latin typeface="Cambria Math" panose="02040503050406030204" pitchFamily="18" charset="0"/>
+                      </a:rPr>
+                      <m:t>→</m:t>
+                    </m:r>
+                  </m:oMath>
+                </a14:m>
+                <a:r>
+                  <a:rPr lang="en-US" b="1" dirty="0"/>
+                  <a:t>  x := E(X) </a:t>
+                </a:r>
+              </a:p>
+              <a:p>
+                <a:r>
+                  <a:rPr lang="en-US" dirty="0"/>
+                  <a:t>Guard condition G: some expression over </a:t>
+                </a:r>
+                <a:r>
+                  <a:rPr lang="en-US" b="1" i="1" dirty="0"/>
+                  <a:t>only</a:t>
+                </a:r>
+                <a:r>
+                  <a:rPr lang="en-US" dirty="0"/>
+                  <a:t> variables in X; internal task can be executed only if G is true</a:t>
+                </a:r>
+              </a:p>
+              <a:p>
+                <a:r>
+                  <a:rPr lang="en-US" dirty="0"/>
+                  <a:t>Any expression containing only state variables can appear in E, only state variables appear on LHS</a:t>
+                </a:r>
+              </a:p>
+              <a:p>
+                <a:r>
+                  <a:rPr lang="en-US" dirty="0"/>
+                  <a:t>Defines an internal action of the form q</a:t>
+                </a:r>
+                <a14:m>
+                  <m:oMath xmlns:m="http://schemas.openxmlformats.org/officeDocument/2006/math">
+                    <m:groupChr>
+                      <m:groupChrPr>
+                        <m:chr m:val="→"/>
+                        <m:vertJc m:val="bot"/>
+                        <m:ctrlPr>
+                          <a:rPr lang="en-US" i="1" smtClean="0">
+                            <a:latin typeface="Cambria Math" panose="02040503050406030204" pitchFamily="18" charset="0"/>
+                          </a:rPr>
+                        </m:ctrlPr>
+                      </m:groupChrPr>
+                      <m:e>
+                        <m:r>
+                          <a:rPr lang="en-US" b="0" i="1" smtClean="0">
+                            <a:latin typeface="Cambria Math" panose="02040503050406030204" pitchFamily="18" charset="0"/>
+                          </a:rPr>
+                          <m:t>𝜀</m:t>
+                        </m:r>
+                      </m:e>
+                    </m:groupChr>
+                  </m:oMath>
+                </a14:m>
+                <a:r>
+                  <a:rPr lang="en-US" dirty="0"/>
+                  <a:t>q’</a:t>
+                </a:r>
+              </a:p>
+              <a:p>
+                <a:pPr lvl="1"/>
+                <a:r>
+                  <a:rPr lang="en-US" dirty="0"/>
+                  <a:t>where q is value of state variables before update, and q satisfies G</a:t>
+                </a:r>
+              </a:p>
+              <a:p>
+                <a:pPr lvl="1"/>
+                <a:r>
+                  <a:rPr lang="en-US" dirty="0"/>
+                  <a:t>value of state variables after update is q’</a:t>
+                </a:r>
+              </a:p>
+              <a:p>
+                <a:pPr lvl="1"/>
+                <a14:m>
+                  <m:oMath xmlns:m="http://schemas.openxmlformats.org/officeDocument/2006/math">
+                    <m:r>
+                      <a:rPr lang="en-US" b="0" i="1" smtClean="0">
+                        <a:latin typeface="Cambria Math" panose="02040503050406030204" pitchFamily="18" charset="0"/>
+                      </a:rPr>
+                      <m:t>𝜀</m:t>
+                    </m:r>
+                  </m:oMath>
+                </a14:m>
+                <a:r>
+                  <a:rPr lang="en-US" dirty="0"/>
+                  <a:t> indicates empty label on the transition</a:t>
+                </a:r>
+              </a:p>
+              <a:p>
+                <a:pPr lvl="1"/>
+                <a:r>
+                  <a:rPr lang="en-US" dirty="0"/>
+                  <a:t>No input is read, or output is produced!</a:t>
+                </a:r>
+              </a:p>
+            </p:txBody>
+          </p:sp>
+        </mc:Choice>
+        <mc:Fallback xmlns="">
+          <p:sp>
+            <p:nvSpPr>
+              <p:cNvPr id="2" name="Content Placeholder 1">
+                <a:extLst>
+                  <a:ext uri="{FF2B5EF4-FFF2-40B4-BE49-F238E27FC236}">
+                    <a16:creationId xmlns:a16="http://schemas.microsoft.com/office/drawing/2014/main" id="{6739C510-316F-491D-9162-3A38EABE25D2}"/>
+                  </a:ext>
+                </a:extLst>
+              </p:cNvPr>
+              <p:cNvSpPr>
+                <a:spLocks noGrp="1" noRot="1" noChangeAspect="1" noMove="1" noResize="1" noEditPoints="1" noAdjustHandles="1" noChangeArrowheads="1" noChangeShapeType="1" noTextEdit="1"/>
+              </p:cNvSpPr>
+              <p:nvPr>
+                <p:ph idx="1"/>
+              </p:nvPr>
+            </p:nvSpPr>
+            <p:spPr>
+              <a:blipFill>
+                <a:blip r:embed="rId2"/>
+                <a:stretch>
+                  <a:fillRect l="-1042" t="-2065" b="-2452"/>
+                </a:stretch>
+              </a:blipFill>
+            </p:spPr>
+            <p:txBody>
+              <a:bodyPr/>
+              <a:lstStyle/>
+              <a:p>
+                <a:r>
+                  <a:rPr lang="en-US">
+                    <a:noFill/>
+                  </a:rPr>
+                  <a:t> </a:t>
+                </a:r>
+              </a:p>
+            </p:txBody>
+          </p:sp>
+        </mc:Fallback>
+      </mc:AlternateContent>
+      <p:sp>
+        <p:nvSpPr>
+          <p:cNvPr id="3" name="Title 2">
+            <a:extLst>
+              <a:ext uri="{FF2B5EF4-FFF2-40B4-BE49-F238E27FC236}">
+                <a16:creationId xmlns:a16="http://schemas.microsoft.com/office/drawing/2014/main" id="{B6F24D53-1E68-4951-A5CB-C9288521B894}"/>
+              </a:ext>
+            </a:extLst>
+          </p:cNvPr>
+          <p:cNvSpPr>
+            <a:spLocks noGrp="1"/>
+          </p:cNvSpPr>
+          <p:nvPr>
+            <p:ph type="title"/>
+          </p:nvPr>
+        </p:nvSpPr>
+        <p:spPr/>
+        <p:txBody>
+          <a:bodyPr/>
+          <a:lstStyle/>
+          <a:p>
+            <a:r>
+              <a:rPr lang="en-US" dirty="0"/>
+              <a:t>Updates are different</a:t>
+            </a:r>
+          </a:p>
+        </p:txBody>
+      </p:sp>
+      <p:sp>
+        <p:nvSpPr>
+          <p:cNvPr id="4" name="Slide Number Placeholder 3">
+            <a:extLst>
+              <a:ext uri="{FF2B5EF4-FFF2-40B4-BE49-F238E27FC236}">
+                <a16:creationId xmlns:a16="http://schemas.microsoft.com/office/drawing/2014/main" id="{BE2F159B-1344-49B6-BEF2-84E9E4F3A6E1}"/>
+              </a:ext>
+            </a:extLst>
+          </p:cNvPr>
+          <p:cNvSpPr>
+            <a:spLocks noGrp="1"/>
+          </p:cNvSpPr>
+          <p:nvPr>
+            <p:ph type="sldNum" sz="quarter" idx="12"/>
+          </p:nvPr>
+        </p:nvSpPr>
+        <p:spPr/>
+        <p:txBody>
+          <a:bodyPr/>
+          <a:lstStyle/>
+          <a:p>
+            <a:fld id="{29AAD378-655A-49C6-813C-9FD132EF7440}" type="slidenum">
+              <a:rPr lang="en-US" smtClean="0"/>
+              <a:pPr/>
               <a:t>49</a:t>
             </a:fld>
             <a:endParaRPr lang="en-US" dirty="0"/>
@@ -38268,7 +37999,7 @@
     </p:spTree>
     <p:extLst>
       <p:ext uri="{BB962C8B-B14F-4D97-AF65-F5344CB8AC3E}">
-        <p14:creationId xmlns:p14="http://schemas.microsoft.com/office/powerpoint/2010/main" val="632144597"/>
+        <p14:creationId xmlns:p14="http://schemas.microsoft.com/office/powerpoint/2010/main" val="3232066497"/>
       </p:ext>
     </p:extLst>
   </p:cSld>
@@ -38460,283 +38191,6 @@
           <a:chExt cx="0" cy="0"/>
         </a:xfrm>
       </p:grpSpPr>
-      <mc:AlternateContent xmlns:mc="http://schemas.openxmlformats.org/markup-compatibility/2006">
-        <mc:Choice xmlns:a14="http://schemas.microsoft.com/office/drawing/2010/main" Requires="a14">
-          <p:sp>
-            <p:nvSpPr>
-              <p:cNvPr id="2" name="Content Placeholder 1">
-                <a:extLst>
-                  <a:ext uri="{FF2B5EF4-FFF2-40B4-BE49-F238E27FC236}">
-                    <a16:creationId xmlns:a16="http://schemas.microsoft.com/office/drawing/2014/main" id="{6739C510-316F-491D-9162-3A38EABE25D2}"/>
-                  </a:ext>
-                </a:extLst>
-              </p:cNvPr>
-              <p:cNvSpPr>
-                <a:spLocks noGrp="1"/>
-              </p:cNvSpPr>
-              <p:nvPr>
-                <p:ph idx="1"/>
-              </p:nvPr>
-            </p:nvSpPr>
-            <p:spPr/>
-            <p:txBody>
-              <a:bodyPr>
-                <a:normAutofit/>
-              </a:bodyPr>
-              <a:lstStyle/>
-              <a:p>
-                <a:pPr marL="0" indent="0">
-                  <a:buNone/>
-                </a:pPr>
-                <a:r>
-                  <a:rPr lang="en-US" b="1" dirty="0"/>
-                  <a:t>Internal Task</a:t>
-                </a:r>
-                <a:r>
-                  <a:rPr lang="en-US" dirty="0"/>
-                  <a:t>: defines updates of the form: </a:t>
-                </a:r>
-                <a:r>
-                  <a:rPr lang="en-US" b="1" dirty="0"/>
-                  <a:t>G </a:t>
-                </a:r>
-                <a14:m>
-                  <m:oMath xmlns:m="http://schemas.openxmlformats.org/officeDocument/2006/math">
-                    <m:r>
-                      <a:rPr lang="en-US" b="1" i="1">
-                        <a:latin typeface="Cambria Math" panose="02040503050406030204" pitchFamily="18" charset="0"/>
-                      </a:rPr>
-                      <m:t>→</m:t>
-                    </m:r>
-                  </m:oMath>
-                </a14:m>
-                <a:r>
-                  <a:rPr lang="en-US" b="1" dirty="0"/>
-                  <a:t>  x := E(X) </a:t>
-                </a:r>
-              </a:p>
-              <a:p>
-                <a:r>
-                  <a:rPr lang="en-US" dirty="0"/>
-                  <a:t>Guard condition G: some expression over </a:t>
-                </a:r>
-                <a:r>
-                  <a:rPr lang="en-US" b="1" i="1" dirty="0"/>
-                  <a:t>only</a:t>
-                </a:r>
-                <a:r>
-                  <a:rPr lang="en-US" dirty="0"/>
-                  <a:t> variables in X; internal task can be executed only if G is true</a:t>
-                </a:r>
-              </a:p>
-              <a:p>
-                <a:r>
-                  <a:rPr lang="en-US" dirty="0"/>
-                  <a:t>Any expression containing only state variables can appear in E, only state variables appear on LHS</a:t>
-                </a:r>
-              </a:p>
-              <a:p>
-                <a:r>
-                  <a:rPr lang="en-US" dirty="0"/>
-                  <a:t>Defines an internal action of the form q</a:t>
-                </a:r>
-                <a14:m>
-                  <m:oMath xmlns:m="http://schemas.openxmlformats.org/officeDocument/2006/math">
-                    <m:groupChr>
-                      <m:groupChrPr>
-                        <m:chr m:val="→"/>
-                        <m:vertJc m:val="bot"/>
-                        <m:ctrlPr>
-                          <a:rPr lang="en-US" i="1" smtClean="0">
-                            <a:latin typeface="Cambria Math" panose="02040503050406030204" pitchFamily="18" charset="0"/>
-                          </a:rPr>
-                        </m:ctrlPr>
-                      </m:groupChrPr>
-                      <m:e>
-                        <m:r>
-                          <a:rPr lang="en-US" b="0" i="1" smtClean="0">
-                            <a:latin typeface="Cambria Math" panose="02040503050406030204" pitchFamily="18" charset="0"/>
-                          </a:rPr>
-                          <m:t>𝜀</m:t>
-                        </m:r>
-                      </m:e>
-                    </m:groupChr>
-                  </m:oMath>
-                </a14:m>
-                <a:r>
-                  <a:rPr lang="en-US" dirty="0"/>
-                  <a:t>q’</a:t>
-                </a:r>
-              </a:p>
-              <a:p>
-                <a:pPr lvl="1"/>
-                <a:r>
-                  <a:rPr lang="en-US" dirty="0"/>
-                  <a:t>where q is value of state variables before update, and q satisfies G</a:t>
-                </a:r>
-              </a:p>
-              <a:p>
-                <a:pPr lvl="1"/>
-                <a:r>
-                  <a:rPr lang="en-US" dirty="0"/>
-                  <a:t>value of state variables after update is q’</a:t>
-                </a:r>
-              </a:p>
-              <a:p>
-                <a:pPr lvl="1"/>
-                <a14:m>
-                  <m:oMath xmlns:m="http://schemas.openxmlformats.org/officeDocument/2006/math">
-                    <m:r>
-                      <a:rPr lang="en-US" b="0" i="1" smtClean="0">
-                        <a:latin typeface="Cambria Math" panose="02040503050406030204" pitchFamily="18" charset="0"/>
-                      </a:rPr>
-                      <m:t>𝜀</m:t>
-                    </m:r>
-                  </m:oMath>
-                </a14:m>
-                <a:r>
-                  <a:rPr lang="en-US" dirty="0"/>
-                  <a:t> indicates empty label on the transition</a:t>
-                </a:r>
-              </a:p>
-              <a:p>
-                <a:pPr lvl="1"/>
-                <a:r>
-                  <a:rPr lang="en-US" dirty="0"/>
-                  <a:t>No input is read, or output is produced!</a:t>
-                </a:r>
-              </a:p>
-            </p:txBody>
-          </p:sp>
-        </mc:Choice>
-        <mc:Fallback>
-          <p:sp>
-            <p:nvSpPr>
-              <p:cNvPr id="2" name="Content Placeholder 1">
-                <a:extLst>
-                  <a:ext uri="{FF2B5EF4-FFF2-40B4-BE49-F238E27FC236}">
-                    <a16:creationId xmlns:a16="http://schemas.microsoft.com/office/drawing/2014/main" id="{6739C510-316F-491D-9162-3A38EABE25D2}"/>
-                  </a:ext>
-                </a:extLst>
-              </p:cNvPr>
-              <p:cNvSpPr>
-                <a:spLocks noGrp="1" noRot="1" noChangeAspect="1" noMove="1" noResize="1" noEditPoints="1" noAdjustHandles="1" noChangeArrowheads="1" noChangeShapeType="1" noTextEdit="1"/>
-              </p:cNvSpPr>
-              <p:nvPr>
-                <p:ph idx="1"/>
-              </p:nvPr>
-            </p:nvSpPr>
-            <p:spPr>
-              <a:blipFill>
-                <a:blip r:embed="rId2"/>
-                <a:stretch>
-                  <a:fillRect l="-1042" t="-2065" b="-2452"/>
-                </a:stretch>
-              </a:blipFill>
-            </p:spPr>
-            <p:txBody>
-              <a:bodyPr/>
-              <a:lstStyle/>
-              <a:p>
-                <a:r>
-                  <a:rPr lang="en-US">
-                    <a:noFill/>
-                  </a:rPr>
-                  <a:t> </a:t>
-                </a:r>
-              </a:p>
-            </p:txBody>
-          </p:sp>
-        </mc:Fallback>
-      </mc:AlternateContent>
-      <p:sp>
-        <p:nvSpPr>
-          <p:cNvPr id="3" name="Title 2">
-            <a:extLst>
-              <a:ext uri="{FF2B5EF4-FFF2-40B4-BE49-F238E27FC236}">
-                <a16:creationId xmlns:a16="http://schemas.microsoft.com/office/drawing/2014/main" id="{B6F24D53-1E68-4951-A5CB-C9288521B894}"/>
-              </a:ext>
-            </a:extLst>
-          </p:cNvPr>
-          <p:cNvSpPr>
-            <a:spLocks noGrp="1"/>
-          </p:cNvSpPr>
-          <p:nvPr>
-            <p:ph type="title"/>
-          </p:nvPr>
-        </p:nvSpPr>
-        <p:spPr/>
-        <p:txBody>
-          <a:bodyPr/>
-          <a:lstStyle/>
-          <a:p>
-            <a:r>
-              <a:rPr lang="en-US" dirty="0"/>
-              <a:t>Updates are different</a:t>
-            </a:r>
-          </a:p>
-        </p:txBody>
-      </p:sp>
-      <p:sp>
-        <p:nvSpPr>
-          <p:cNvPr id="4" name="Slide Number Placeholder 3">
-            <a:extLst>
-              <a:ext uri="{FF2B5EF4-FFF2-40B4-BE49-F238E27FC236}">
-                <a16:creationId xmlns:a16="http://schemas.microsoft.com/office/drawing/2014/main" id="{BE2F159B-1344-49B6-BEF2-84E9E4F3A6E1}"/>
-              </a:ext>
-            </a:extLst>
-          </p:cNvPr>
-          <p:cNvSpPr>
-            <a:spLocks noGrp="1"/>
-          </p:cNvSpPr>
-          <p:nvPr>
-            <p:ph type="sldNum" sz="quarter" idx="12"/>
-          </p:nvPr>
-        </p:nvSpPr>
-        <p:spPr/>
-        <p:txBody>
-          <a:bodyPr/>
-          <a:lstStyle/>
-          <a:p>
-            <a:fld id="{29AAD378-655A-49C6-813C-9FD132EF7440}" type="slidenum">
-              <a:rPr lang="en-US" smtClean="0"/>
-              <a:pPr/>
-              <a:t>50</a:t>
-            </a:fld>
-            <a:endParaRPr lang="en-US" dirty="0"/>
-          </a:p>
-        </p:txBody>
-      </p:sp>
-    </p:spTree>
-    <p:extLst>
-      <p:ext uri="{BB962C8B-B14F-4D97-AF65-F5344CB8AC3E}">
-        <p14:creationId xmlns:p14="http://schemas.microsoft.com/office/powerpoint/2010/main" val="3232066497"/>
-      </p:ext>
-    </p:extLst>
-  </p:cSld>
-  <p:clrMapOvr>
-    <a:masterClrMapping/>
-  </p:clrMapOvr>
-</p:sld>
-</file>
-
-<file path=ppt/slides/slide51.xml><?xml version="1.0" encoding="utf-8"?>
-<p:sld xmlns:a="http://schemas.openxmlformats.org/drawingml/2006/main" xmlns:r="http://schemas.openxmlformats.org/officeDocument/2006/relationships" xmlns:p="http://schemas.openxmlformats.org/presentationml/2006/main">
-  <p:cSld>
-    <p:spTree>
-      <p:nvGrpSpPr>
-        <p:cNvPr id="1" name=""/>
-        <p:cNvGrpSpPr/>
-        <p:nvPr/>
-      </p:nvGrpSpPr>
-      <p:grpSpPr>
-        <a:xfrm>
-          <a:off x="0" y="0"/>
-          <a:ext cx="0" cy="0"/>
-          <a:chOff x="0" y="0"/>
-          <a:chExt cx="0" cy="0"/>
-        </a:xfrm>
-      </p:grpSpPr>
       <p:sp>
         <p:nvSpPr>
           <p:cNvPr id="3" name="Title 2">
@@ -38789,7 +38243,7 @@
             <a:fld id="{29AAD378-655A-49C6-813C-9FD132EF7440}" type="slidenum">
               <a:rPr lang="en-US" smtClean="0"/>
               <a:pPr/>
-              <a:t>51</a:t>
+              <a:t>50</a:t>
             </a:fld>
             <a:endParaRPr lang="en-US" dirty="0"/>
           </a:p>
@@ -40966,7 +40420,7 @@
 </p:sld>
 </file>
 
-<file path=ppt/slides/slide52.xml><?xml version="1.0" encoding="utf-8"?>
+<file path=ppt/slides/slide51.xml><?xml version="1.0" encoding="utf-8"?>
 <p:sld xmlns:a="http://schemas.openxmlformats.org/drawingml/2006/main" xmlns:r="http://schemas.openxmlformats.org/officeDocument/2006/relationships" xmlns:p="http://schemas.openxmlformats.org/presentationml/2006/main">
   <p:cSld>
     <p:spTree>
@@ -41074,7 +40528,7 @@
             <a:fld id="{29AAD378-655A-49C6-813C-9FD132EF7440}" type="slidenum">
               <a:rPr lang="en-US" smtClean="0"/>
               <a:pPr/>
-              <a:t>52</a:t>
+              <a:t>51</a:t>
             </a:fld>
             <a:endParaRPr lang="en-US" dirty="0"/>
           </a:p>
@@ -42444,7 +41898,7 @@
 </p:sld>
 </file>
 
-<file path=ppt/slides/slide53.xml><?xml version="1.0" encoding="utf-8"?>
+<file path=ppt/slides/slide52.xml><?xml version="1.0" encoding="utf-8"?>
 <p:sld xmlns:a="http://schemas.openxmlformats.org/drawingml/2006/main" xmlns:r="http://schemas.openxmlformats.org/officeDocument/2006/relationships" xmlns:p="http://schemas.openxmlformats.org/presentationml/2006/main">
   <p:cSld>
     <p:spTree>
@@ -42461,8 +41915,8 @@
           <a:chExt cx="0" cy="0"/>
         </a:xfrm>
       </p:grpSpPr>
-      <mc:AlternateContent xmlns:mc="http://schemas.openxmlformats.org/markup-compatibility/2006">
-        <mc:Choice xmlns:a14="http://schemas.microsoft.com/office/drawing/2010/main" Requires="a14">
+      <mc:AlternateContent xmlns:mc="http://schemas.openxmlformats.org/markup-compatibility/2006" xmlns:a14="http://schemas.microsoft.com/office/drawing/2010/main">
+        <mc:Choice Requires="a14">
           <p:sp>
             <p:nvSpPr>
               <p:cNvPr id="2" name="Content Placeholder 1">
@@ -42709,7 +42163,7 @@
             </p:txBody>
           </p:sp>
         </mc:Choice>
-        <mc:Fallback>
+        <mc:Fallback xmlns="">
           <p:sp>
             <p:nvSpPr>
               <p:cNvPr id="2" name="Content Placeholder 1">
@@ -42815,7 +42269,7 @@
             <a:fld id="{29AAD378-655A-49C6-813C-9FD132EF7440}" type="slidenum">
               <a:rPr lang="en-US" smtClean="0"/>
               <a:pPr/>
-              <a:t>53</a:t>
+              <a:t>52</a:t>
             </a:fld>
             <a:endParaRPr lang="en-US" dirty="0"/>
           </a:p>
@@ -43288,8 +42742,8 @@
               </p:sp>
             </mc:Fallback>
           </mc:AlternateContent>
-          <mc:AlternateContent xmlns:mc="http://schemas.openxmlformats.org/markup-compatibility/2006">
-            <mc:Choice xmlns:a14="http://schemas.microsoft.com/office/drawing/2010/main" Requires="a14">
+          <mc:AlternateContent xmlns:mc="http://schemas.openxmlformats.org/markup-compatibility/2006" xmlns:a14="http://schemas.microsoft.com/office/drawing/2010/main">
+            <mc:Choice Requires="a14">
               <p:sp>
                 <p:nvSpPr>
                   <p:cNvPr id="12" name="TextBox 11">
@@ -43410,7 +42864,7 @@
                 </p:txBody>
               </p:sp>
             </mc:Choice>
-            <mc:Fallback>
+            <mc:Fallback xmlns="">
               <p:sp>
                 <p:nvSpPr>
                   <p:cNvPr id="12" name="TextBox 11">
@@ -45115,7 +44569,7 @@
 </p:sld>
 </file>
 
-<file path=ppt/slides/slide54.xml><?xml version="1.0" encoding="utf-8"?>
+<file path=ppt/slides/slide53.xml><?xml version="1.0" encoding="utf-8"?>
 <p:sld xmlns:a="http://schemas.openxmlformats.org/drawingml/2006/main" xmlns:r="http://schemas.openxmlformats.org/officeDocument/2006/relationships" xmlns:p="http://schemas.openxmlformats.org/presentationml/2006/main">
   <p:cSld>
     <p:spTree>
@@ -45184,7 +44638,7 @@
             <a:fld id="{29AAD378-655A-49C6-813C-9FD132EF7440}" type="slidenum">
               <a:rPr lang="en-US" smtClean="0"/>
               <a:pPr/>
-              <a:t>54</a:t>
+              <a:t>53</a:t>
             </a:fld>
             <a:endParaRPr lang="en-US" dirty="0"/>
           </a:p>
@@ -46547,7 +46001,7 @@
 </p:sld>
 </file>
 
-<file path=ppt/slides/slide55.xml><?xml version="1.0" encoding="utf-8"?>
+<file path=ppt/slides/slide54.xml><?xml version="1.0" encoding="utf-8"?>
 <p:sld xmlns:a="http://schemas.openxmlformats.org/drawingml/2006/main" xmlns:r="http://schemas.openxmlformats.org/officeDocument/2006/relationships" xmlns:p="http://schemas.openxmlformats.org/presentationml/2006/main">
   <p:cSld>
     <p:spTree>
@@ -46663,7 +46117,7 @@
             <a:fld id="{29AAD378-655A-49C6-813C-9FD132EF7440}" type="slidenum">
               <a:rPr lang="en-US" smtClean="0"/>
               <a:pPr/>
-              <a:t>55</a:t>
+              <a:t>54</a:t>
             </a:fld>
             <a:endParaRPr lang="en-US" dirty="0"/>
           </a:p>
@@ -46914,8 +46368,8 @@
             </a:p>
           </p:txBody>
         </p:sp>
-        <mc:AlternateContent xmlns:mc="http://schemas.openxmlformats.org/markup-compatibility/2006">
-          <mc:Choice xmlns:a14="http://schemas.microsoft.com/office/drawing/2010/main" Requires="a14">
+        <mc:AlternateContent xmlns:mc="http://schemas.openxmlformats.org/markup-compatibility/2006" xmlns:a14="http://schemas.microsoft.com/office/drawing/2010/main">
+          <mc:Choice Requires="a14">
             <p:sp>
               <p:nvSpPr>
                 <p:cNvPr id="13" name="TextBox 12">
@@ -47083,7 +46537,7 @@
               </p:txBody>
             </p:sp>
           </mc:Choice>
-          <mc:Fallback>
+          <mc:Fallback xmlns="">
             <p:sp>
               <p:nvSpPr>
                 <p:cNvPr id="13" name="TextBox 12">
@@ -48323,8 +47777,8 @@
           </p:sp>
         </mc:Fallback>
       </mc:AlternateContent>
-      <mc:AlternateContent xmlns:mc="http://schemas.openxmlformats.org/markup-compatibility/2006">
-        <mc:Choice xmlns:a14="http://schemas.microsoft.com/office/drawing/2010/main" Requires="a14">
+      <mc:AlternateContent xmlns:mc="http://schemas.openxmlformats.org/markup-compatibility/2006" xmlns:a14="http://schemas.microsoft.com/office/drawing/2010/main">
+        <mc:Choice Requires="a14">
           <p:sp>
             <p:nvSpPr>
               <p:cNvPr id="5" name="TextBox 4">
@@ -48353,6 +47807,7 @@
               </a:bodyPr>
               <a:lstStyle/>
               <a:p>
+                <a:pPr/>
                 <a14:m>
                   <m:oMathPara xmlns:m="http://schemas.openxmlformats.org/officeDocument/2006/math">
                     <m:oMathParaPr>
@@ -48438,6 +47893,7 @@
                 <a:endParaRPr lang="en-US" b="0" dirty="0"/>
               </a:p>
               <a:p>
+                <a:pPr/>
                 <a14:m>
                   <m:oMathPara xmlns:m="http://schemas.openxmlformats.org/officeDocument/2006/math">
                     <m:oMathParaPr>
@@ -48519,7 +47975,7 @@
             </p:txBody>
           </p:sp>
         </mc:Choice>
-        <mc:Fallback>
+        <mc:Fallback xmlns="">
           <p:sp>
             <p:nvSpPr>
               <p:cNvPr id="5" name="TextBox 4">
@@ -48564,8 +48020,8 @@
           </p:sp>
         </mc:Fallback>
       </mc:AlternateContent>
-      <mc:AlternateContent xmlns:mc="http://schemas.openxmlformats.org/markup-compatibility/2006">
-        <mc:Choice xmlns:a14="http://schemas.microsoft.com/office/drawing/2010/main" Requires="a14">
+      <mc:AlternateContent xmlns:mc="http://schemas.openxmlformats.org/markup-compatibility/2006" xmlns:a14="http://schemas.microsoft.com/office/drawing/2010/main">
+        <mc:Choice Requires="a14">
           <p:sp>
             <p:nvSpPr>
               <p:cNvPr id="12" name="TextBox 11">
@@ -48664,7 +48120,7 @@
             </p:txBody>
           </p:sp>
         </mc:Choice>
-        <mc:Fallback>
+        <mc:Fallback xmlns="">
           <p:sp>
             <p:nvSpPr>
               <p:cNvPr id="12" name="TextBox 11">
@@ -48709,8 +48165,8 @@
           </p:sp>
         </mc:Fallback>
       </mc:AlternateContent>
-      <mc:AlternateContent xmlns:mc="http://schemas.openxmlformats.org/markup-compatibility/2006">
-        <mc:Choice xmlns:a14="http://schemas.microsoft.com/office/drawing/2010/main" Requires="a14">
+      <mc:AlternateContent xmlns:mc="http://schemas.openxmlformats.org/markup-compatibility/2006" xmlns:a14="http://schemas.microsoft.com/office/drawing/2010/main">
+        <mc:Choice Requires="a14">
           <p:sp>
             <p:nvSpPr>
               <p:cNvPr id="14" name="TextBox 13">
@@ -48809,7 +48265,7 @@
             </p:txBody>
           </p:sp>
         </mc:Choice>
-        <mc:Fallback>
+        <mc:Fallback xmlns="">
           <p:sp>
             <p:nvSpPr>
               <p:cNvPr id="14" name="TextBox 13">
@@ -49314,7 +48770,7 @@
 </p:sld>
 </file>
 
-<file path=ppt/slides/slide56.xml><?xml version="1.0" encoding="utf-8"?>
+<file path=ppt/slides/slide55.xml><?xml version="1.0" encoding="utf-8"?>
 <p:sld xmlns:a="http://schemas.openxmlformats.org/drawingml/2006/main" xmlns:r="http://schemas.openxmlformats.org/officeDocument/2006/relationships" xmlns:p="http://schemas.openxmlformats.org/presentationml/2006/main">
   <p:cSld>
     <p:spTree>
@@ -49451,7 +48907,7 @@
             <a:fld id="{29AAD378-655A-49C6-813C-9FD132EF7440}" type="slidenum">
               <a:rPr lang="en-US" smtClean="0"/>
               <a:pPr/>
-              <a:t>56</a:t>
+              <a:t>55</a:t>
             </a:fld>
             <a:endParaRPr lang="en-US" dirty="0"/>
           </a:p>
@@ -49471,955 +48927,6 @@
 </file>
 
 <file path=ppt/slides/slide6.xml><?xml version="1.0" encoding="utf-8"?>
-<p:sld xmlns:a="http://schemas.openxmlformats.org/drawingml/2006/main" xmlns:r="http://schemas.openxmlformats.org/officeDocument/2006/relationships" xmlns:p="http://schemas.openxmlformats.org/presentationml/2006/main">
-  <p:cSld>
-    <p:spTree>
-      <p:nvGrpSpPr>
-        <p:cNvPr id="1" name=""/>
-        <p:cNvGrpSpPr/>
-        <p:nvPr/>
-      </p:nvGrpSpPr>
-      <p:grpSpPr>
-        <a:xfrm>
-          <a:off x="0" y="0"/>
-          <a:ext cx="0" cy="0"/>
-          <a:chOff x="0" y="0"/>
-          <a:chExt cx="0" cy="0"/>
-        </a:xfrm>
-      </p:grpSpPr>
-      <p:sp>
-        <p:nvSpPr>
-          <p:cNvPr id="2" name="Content Placeholder 1">
-            <a:extLst>
-              <a:ext uri="{FF2B5EF4-FFF2-40B4-BE49-F238E27FC236}">
-                <a16:creationId xmlns:a16="http://schemas.microsoft.com/office/drawing/2014/main" id="{656EF51E-1ED0-4E92-95DE-0931BDBAD2DF}"/>
-              </a:ext>
-            </a:extLst>
-          </p:cNvPr>
-          <p:cNvSpPr>
-            <a:spLocks noGrp="1"/>
-          </p:cNvSpPr>
-          <p:nvPr>
-            <p:ph idx="1"/>
-          </p:nvPr>
-        </p:nvSpPr>
-        <p:spPr>
-          <a:xfrm>
-            <a:off x="166681" y="3621852"/>
-            <a:ext cx="11699087" cy="2062189"/>
-          </a:xfrm>
-        </p:spPr>
-        <p:txBody>
-          <a:bodyPr>
-            <a:normAutofit/>
-          </a:bodyPr>
-          <a:lstStyle/>
-          <a:p>
-            <a:r>
-              <a:rPr lang="en-US" dirty="0"/>
-              <a:t>We know how to interpret imperative/functional programs</a:t>
-            </a:r>
-          </a:p>
-          <a:p>
-            <a:r>
-              <a:rPr lang="en-US" dirty="0"/>
-              <a:t>How do we interpret models? What are their </a:t>
-            </a:r>
-            <a:r>
-              <a:rPr lang="en-US" i="1" dirty="0"/>
-              <a:t>execution semantics</a:t>
-            </a:r>
-            <a:r>
-              <a:rPr lang="en-US" dirty="0"/>
-              <a:t>?</a:t>
-            </a:r>
-          </a:p>
-        </p:txBody>
-      </p:sp>
-      <p:sp>
-        <p:nvSpPr>
-          <p:cNvPr id="3" name="Title 2">
-            <a:extLst>
-              <a:ext uri="{FF2B5EF4-FFF2-40B4-BE49-F238E27FC236}">
-                <a16:creationId xmlns:a16="http://schemas.microsoft.com/office/drawing/2014/main" id="{F995909A-5A17-4568-B75E-4277F8D2021C}"/>
-              </a:ext>
-            </a:extLst>
-          </p:cNvPr>
-          <p:cNvSpPr>
-            <a:spLocks noGrp="1"/>
-          </p:cNvSpPr>
-          <p:nvPr>
-            <p:ph type="title"/>
-          </p:nvPr>
-        </p:nvSpPr>
-        <p:spPr>
-          <a:xfrm>
-            <a:off x="166680" y="430374"/>
-            <a:ext cx="10920419" cy="778828"/>
-          </a:xfrm>
-        </p:spPr>
-        <p:txBody>
-          <a:bodyPr>
-            <a:normAutofit/>
-          </a:bodyPr>
-          <a:lstStyle/>
-          <a:p>
-            <a:r>
-              <a:rPr lang="en-US" dirty="0"/>
-              <a:t>Interpreting models</a:t>
-            </a:r>
-          </a:p>
-        </p:txBody>
-      </p:sp>
-      <p:sp>
-        <p:nvSpPr>
-          <p:cNvPr id="4" name="Slide Number Placeholder 3">
-            <a:extLst>
-              <a:ext uri="{FF2B5EF4-FFF2-40B4-BE49-F238E27FC236}">
-                <a16:creationId xmlns:a16="http://schemas.microsoft.com/office/drawing/2014/main" id="{4B685FC5-04E8-41EA-ABA7-4123ADC67038}"/>
-              </a:ext>
-            </a:extLst>
-          </p:cNvPr>
-          <p:cNvSpPr>
-            <a:spLocks noGrp="1"/>
-          </p:cNvSpPr>
-          <p:nvPr>
-            <p:ph type="sldNum" sz="quarter" idx="12"/>
-          </p:nvPr>
-        </p:nvSpPr>
-        <p:spPr/>
-        <p:txBody>
-          <a:bodyPr/>
-          <a:lstStyle/>
-          <a:p>
-            <a:fld id="{29AAD378-655A-49C6-813C-9FD132EF7440}" type="slidenum">
-              <a:rPr lang="en-US" smtClean="0"/>
-              <a:pPr/>
-              <a:t>6</a:t>
-            </a:fld>
-            <a:endParaRPr lang="en-US" dirty="0"/>
-          </a:p>
-        </p:txBody>
-      </p:sp>
-      <p:sp>
-        <p:nvSpPr>
-          <p:cNvPr id="5" name="Rectangle 4">
-            <a:extLst>
-              <a:ext uri="{FF2B5EF4-FFF2-40B4-BE49-F238E27FC236}">
-                <a16:creationId xmlns:a16="http://schemas.microsoft.com/office/drawing/2014/main" id="{D3457FC4-C19D-4615-A078-F4F3B0182C42}"/>
-              </a:ext>
-            </a:extLst>
-          </p:cNvPr>
-          <p:cNvSpPr/>
-          <p:nvPr/>
-        </p:nvSpPr>
-        <p:spPr>
-          <a:xfrm>
-            <a:off x="2733595" y="1950003"/>
-            <a:ext cx="1219200" cy="685800"/>
-          </a:xfrm>
-          <a:prstGeom prst="rect">
-            <a:avLst/>
-          </a:prstGeom>
-          <a:noFill/>
-        </p:spPr>
-        <p:style>
-          <a:lnRef idx="2">
-            <a:schemeClr val="accent1">
-              <a:shade val="50000"/>
-            </a:schemeClr>
-          </a:lnRef>
-          <a:fillRef idx="1">
-            <a:schemeClr val="accent1"/>
-          </a:fillRef>
-          <a:effectRef idx="0">
-            <a:schemeClr val="accent1"/>
-          </a:effectRef>
-          <a:fontRef idx="minor">
-            <a:schemeClr val="lt1"/>
-          </a:fontRef>
-        </p:style>
-        <p:txBody>
-          <a:bodyPr rtlCol="0" anchor="ctr"/>
-          <a:lstStyle/>
-          <a:p>
-            <a:pPr algn="ctr"/>
-            <a:endParaRPr lang="en-US"/>
-          </a:p>
-        </p:txBody>
-      </p:sp>
-      <p:sp>
-        <p:nvSpPr>
-          <p:cNvPr id="6" name="Rectangle 5">
-            <a:extLst>
-              <a:ext uri="{FF2B5EF4-FFF2-40B4-BE49-F238E27FC236}">
-                <a16:creationId xmlns:a16="http://schemas.microsoft.com/office/drawing/2014/main" id="{04754C7D-8EF6-405D-86DA-30E601998546}"/>
-              </a:ext>
-            </a:extLst>
-          </p:cNvPr>
-          <p:cNvSpPr/>
-          <p:nvPr/>
-        </p:nvSpPr>
-        <p:spPr>
-          <a:xfrm>
-            <a:off x="4562395" y="1721403"/>
-            <a:ext cx="1219200" cy="533400"/>
-          </a:xfrm>
-          <a:prstGeom prst="rect">
-            <a:avLst/>
-          </a:prstGeom>
-          <a:noFill/>
-        </p:spPr>
-        <p:style>
-          <a:lnRef idx="2">
-            <a:schemeClr val="accent1">
-              <a:shade val="50000"/>
-            </a:schemeClr>
-          </a:lnRef>
-          <a:fillRef idx="1">
-            <a:schemeClr val="accent1"/>
-          </a:fillRef>
-          <a:effectRef idx="0">
-            <a:schemeClr val="accent1"/>
-          </a:effectRef>
-          <a:fontRef idx="minor">
-            <a:schemeClr val="lt1"/>
-          </a:fontRef>
-        </p:style>
-        <p:txBody>
-          <a:bodyPr rtlCol="0" anchor="ctr"/>
-          <a:lstStyle/>
-          <a:p>
-            <a:pPr algn="ctr"/>
-            <a:endParaRPr lang="en-US"/>
-          </a:p>
-        </p:txBody>
-      </p:sp>
-      <p:sp>
-        <p:nvSpPr>
-          <p:cNvPr id="7" name="Rectangle 6">
-            <a:extLst>
-              <a:ext uri="{FF2B5EF4-FFF2-40B4-BE49-F238E27FC236}">
-                <a16:creationId xmlns:a16="http://schemas.microsoft.com/office/drawing/2014/main" id="{E34A6B71-F302-475A-8B81-CE9E9C0CEED9}"/>
-              </a:ext>
-            </a:extLst>
-          </p:cNvPr>
-          <p:cNvSpPr/>
-          <p:nvPr/>
-        </p:nvSpPr>
-        <p:spPr>
-          <a:xfrm>
-            <a:off x="4562395" y="2559603"/>
-            <a:ext cx="1219200" cy="533400"/>
-          </a:xfrm>
-          <a:prstGeom prst="rect">
-            <a:avLst/>
-          </a:prstGeom>
-          <a:noFill/>
-        </p:spPr>
-        <p:style>
-          <a:lnRef idx="2">
-            <a:schemeClr val="accent1">
-              <a:shade val="50000"/>
-            </a:schemeClr>
-          </a:lnRef>
-          <a:fillRef idx="1">
-            <a:schemeClr val="accent1"/>
-          </a:fillRef>
-          <a:effectRef idx="0">
-            <a:schemeClr val="accent1"/>
-          </a:effectRef>
-          <a:fontRef idx="minor">
-            <a:schemeClr val="lt1"/>
-          </a:fontRef>
-        </p:style>
-        <p:txBody>
-          <a:bodyPr rtlCol="0" anchor="ctr"/>
-          <a:lstStyle/>
-          <a:p>
-            <a:pPr algn="ctr"/>
-            <a:endParaRPr lang="en-US"/>
-          </a:p>
-        </p:txBody>
-      </p:sp>
-      <p:cxnSp>
-        <p:nvCxnSpPr>
-          <p:cNvPr id="8" name="Straight Arrow Connector 7">
-            <a:extLst>
-              <a:ext uri="{FF2B5EF4-FFF2-40B4-BE49-F238E27FC236}">
-                <a16:creationId xmlns:a16="http://schemas.microsoft.com/office/drawing/2014/main" id="{E9EB5F5B-0C5F-4191-B6A0-78388130181C}"/>
-              </a:ext>
-            </a:extLst>
-          </p:cNvPr>
-          <p:cNvCxnSpPr>
-            <a:stCxn id="5" idx="3"/>
-            <a:endCxn id="6" idx="1"/>
-          </p:cNvCxnSpPr>
-          <p:nvPr/>
-        </p:nvCxnSpPr>
-        <p:spPr>
-          <a:xfrm flipV="1">
-            <a:off x="3952795" y="1988103"/>
-            <a:ext cx="609600" cy="304800"/>
-          </a:xfrm>
-          <a:prstGeom prst="straightConnector1">
-            <a:avLst/>
-          </a:prstGeom>
-          <a:ln w="25400">
-            <a:tailEnd type="arrow"/>
-          </a:ln>
-        </p:spPr>
-        <p:style>
-          <a:lnRef idx="1">
-            <a:schemeClr val="accent1"/>
-          </a:lnRef>
-          <a:fillRef idx="0">
-            <a:schemeClr val="accent1"/>
-          </a:fillRef>
-          <a:effectRef idx="0">
-            <a:schemeClr val="accent1"/>
-          </a:effectRef>
-          <a:fontRef idx="minor">
-            <a:schemeClr val="tx1"/>
-          </a:fontRef>
-        </p:style>
-      </p:cxnSp>
-      <p:cxnSp>
-        <p:nvCxnSpPr>
-          <p:cNvPr id="9" name="Straight Arrow Connector 8">
-            <a:extLst>
-              <a:ext uri="{FF2B5EF4-FFF2-40B4-BE49-F238E27FC236}">
-                <a16:creationId xmlns:a16="http://schemas.microsoft.com/office/drawing/2014/main" id="{E459A273-0019-477A-A0B4-76273C47CC52}"/>
-              </a:ext>
-            </a:extLst>
-          </p:cNvPr>
-          <p:cNvCxnSpPr/>
-          <p:nvPr/>
-        </p:nvCxnSpPr>
-        <p:spPr>
-          <a:xfrm>
-            <a:off x="5781595" y="1873803"/>
-            <a:ext cx="914400" cy="0"/>
-          </a:xfrm>
-          <a:prstGeom prst="straightConnector1">
-            <a:avLst/>
-          </a:prstGeom>
-          <a:ln w="25400">
-            <a:tailEnd type="arrow"/>
-          </a:ln>
-        </p:spPr>
-        <p:style>
-          <a:lnRef idx="1">
-            <a:schemeClr val="accent1"/>
-          </a:lnRef>
-          <a:fillRef idx="0">
-            <a:schemeClr val="accent1"/>
-          </a:fillRef>
-          <a:effectRef idx="0">
-            <a:schemeClr val="accent1"/>
-          </a:effectRef>
-          <a:fontRef idx="minor">
-            <a:schemeClr val="tx1"/>
-          </a:fontRef>
-        </p:style>
-      </p:cxnSp>
-      <p:cxnSp>
-        <p:nvCxnSpPr>
-          <p:cNvPr id="10" name="Straight Arrow Connector 9">
-            <a:extLst>
-              <a:ext uri="{FF2B5EF4-FFF2-40B4-BE49-F238E27FC236}">
-                <a16:creationId xmlns:a16="http://schemas.microsoft.com/office/drawing/2014/main" id="{1EEFA470-09D9-4454-98AD-489AF96A19A3}"/>
-              </a:ext>
-            </a:extLst>
-          </p:cNvPr>
-          <p:cNvCxnSpPr/>
-          <p:nvPr/>
-        </p:nvCxnSpPr>
-        <p:spPr>
-          <a:xfrm>
-            <a:off x="5781595" y="2102403"/>
-            <a:ext cx="914400" cy="0"/>
-          </a:xfrm>
-          <a:prstGeom prst="straightConnector1">
-            <a:avLst/>
-          </a:prstGeom>
-          <a:ln w="25400">
-            <a:tailEnd type="arrow"/>
-          </a:ln>
-        </p:spPr>
-        <p:style>
-          <a:lnRef idx="1">
-            <a:schemeClr val="accent1"/>
-          </a:lnRef>
-          <a:fillRef idx="0">
-            <a:schemeClr val="accent1"/>
-          </a:fillRef>
-          <a:effectRef idx="0">
-            <a:schemeClr val="accent1"/>
-          </a:effectRef>
-          <a:fontRef idx="minor">
-            <a:schemeClr val="tx1"/>
-          </a:fontRef>
-        </p:style>
-      </p:cxnSp>
-      <p:cxnSp>
-        <p:nvCxnSpPr>
-          <p:cNvPr id="11" name="Straight Arrow Connector 10">
-            <a:extLst>
-              <a:ext uri="{FF2B5EF4-FFF2-40B4-BE49-F238E27FC236}">
-                <a16:creationId xmlns:a16="http://schemas.microsoft.com/office/drawing/2014/main" id="{F7DE46B8-2AB9-4552-91BA-172929A613AE}"/>
-              </a:ext>
-            </a:extLst>
-          </p:cNvPr>
-          <p:cNvCxnSpPr/>
-          <p:nvPr/>
-        </p:nvCxnSpPr>
-        <p:spPr>
-          <a:xfrm>
-            <a:off x="5781595" y="2788203"/>
-            <a:ext cx="914400" cy="0"/>
-          </a:xfrm>
-          <a:prstGeom prst="straightConnector1">
-            <a:avLst/>
-          </a:prstGeom>
-          <a:ln w="25400">
-            <a:tailEnd type="arrow"/>
-          </a:ln>
-        </p:spPr>
-        <p:style>
-          <a:lnRef idx="1">
-            <a:schemeClr val="accent1"/>
-          </a:lnRef>
-          <a:fillRef idx="0">
-            <a:schemeClr val="accent1"/>
-          </a:fillRef>
-          <a:effectRef idx="0">
-            <a:schemeClr val="accent1"/>
-          </a:effectRef>
-          <a:fontRef idx="minor">
-            <a:schemeClr val="tx1"/>
-          </a:fontRef>
-        </p:style>
-      </p:cxnSp>
-      <p:cxnSp>
-        <p:nvCxnSpPr>
-          <p:cNvPr id="12" name="Straight Arrow Connector 11">
-            <a:extLst>
-              <a:ext uri="{FF2B5EF4-FFF2-40B4-BE49-F238E27FC236}">
-                <a16:creationId xmlns:a16="http://schemas.microsoft.com/office/drawing/2014/main" id="{06A3C376-8C35-411F-A36B-98B17076FFE4}"/>
-              </a:ext>
-            </a:extLst>
-          </p:cNvPr>
-          <p:cNvCxnSpPr>
-            <a:endCxn id="7" idx="1"/>
-          </p:cNvCxnSpPr>
-          <p:nvPr/>
-        </p:nvCxnSpPr>
-        <p:spPr>
-          <a:xfrm>
-            <a:off x="3952795" y="2559603"/>
-            <a:ext cx="609600" cy="266700"/>
-          </a:xfrm>
-          <a:prstGeom prst="straightConnector1">
-            <a:avLst/>
-          </a:prstGeom>
-          <a:ln w="25400">
-            <a:tailEnd type="arrow"/>
-          </a:ln>
-        </p:spPr>
-        <p:style>
-          <a:lnRef idx="1">
-            <a:schemeClr val="accent1"/>
-          </a:lnRef>
-          <a:fillRef idx="0">
-            <a:schemeClr val="accent1"/>
-          </a:fillRef>
-          <a:effectRef idx="0">
-            <a:schemeClr val="accent1"/>
-          </a:effectRef>
-          <a:fontRef idx="minor">
-            <a:schemeClr val="tx1"/>
-          </a:fontRef>
-        </p:style>
-      </p:cxnSp>
-      <p:cxnSp>
-        <p:nvCxnSpPr>
-          <p:cNvPr id="13" name="Straight Arrow Connector 12">
-            <a:extLst>
-              <a:ext uri="{FF2B5EF4-FFF2-40B4-BE49-F238E27FC236}">
-                <a16:creationId xmlns:a16="http://schemas.microsoft.com/office/drawing/2014/main" id="{6EB7B082-3B19-40B0-B76C-807C8157BAE4}"/>
-              </a:ext>
-            </a:extLst>
-          </p:cNvPr>
-          <p:cNvCxnSpPr/>
-          <p:nvPr/>
-        </p:nvCxnSpPr>
-        <p:spPr>
-          <a:xfrm>
-            <a:off x="1819195" y="2178603"/>
-            <a:ext cx="914400" cy="0"/>
-          </a:xfrm>
-          <a:prstGeom prst="straightConnector1">
-            <a:avLst/>
-          </a:prstGeom>
-          <a:ln w="25400">
-            <a:tailEnd type="arrow"/>
-          </a:ln>
-        </p:spPr>
-        <p:style>
-          <a:lnRef idx="1">
-            <a:schemeClr val="accent1"/>
-          </a:lnRef>
-          <a:fillRef idx="0">
-            <a:schemeClr val="accent1"/>
-          </a:fillRef>
-          <a:effectRef idx="0">
-            <a:schemeClr val="accent1"/>
-          </a:effectRef>
-          <a:fontRef idx="minor">
-            <a:schemeClr val="tx1"/>
-          </a:fontRef>
-        </p:style>
-      </p:cxnSp>
-      <p:cxnSp>
-        <p:nvCxnSpPr>
-          <p:cNvPr id="14" name="Straight Arrow Connector 13">
-            <a:extLst>
-              <a:ext uri="{FF2B5EF4-FFF2-40B4-BE49-F238E27FC236}">
-                <a16:creationId xmlns:a16="http://schemas.microsoft.com/office/drawing/2014/main" id="{F3D4DC84-7B12-41EA-BBA8-6A5840C956D8}"/>
-              </a:ext>
-            </a:extLst>
-          </p:cNvPr>
-          <p:cNvCxnSpPr/>
-          <p:nvPr/>
-        </p:nvCxnSpPr>
-        <p:spPr>
-          <a:xfrm>
-            <a:off x="1819195" y="2407203"/>
-            <a:ext cx="914400" cy="0"/>
-          </a:xfrm>
-          <a:prstGeom prst="straightConnector1">
-            <a:avLst/>
-          </a:prstGeom>
-          <a:ln w="25400">
-            <a:tailEnd type="arrow"/>
-          </a:ln>
-        </p:spPr>
-        <p:style>
-          <a:lnRef idx="1">
-            <a:schemeClr val="accent1"/>
-          </a:lnRef>
-          <a:fillRef idx="0">
-            <a:schemeClr val="accent1"/>
-          </a:fillRef>
-          <a:effectRef idx="0">
-            <a:schemeClr val="accent1"/>
-          </a:effectRef>
-          <a:fontRef idx="minor">
-            <a:schemeClr val="tx1"/>
-          </a:fontRef>
-        </p:style>
-      </p:cxnSp>
-      <p:cxnSp>
-        <p:nvCxnSpPr>
-          <p:cNvPr id="15" name="Straight Arrow Connector 14">
-            <a:extLst>
-              <a:ext uri="{FF2B5EF4-FFF2-40B4-BE49-F238E27FC236}">
-                <a16:creationId xmlns:a16="http://schemas.microsoft.com/office/drawing/2014/main" id="{A7045176-A83D-43EF-BEEA-AF0E3EB0AB15}"/>
-              </a:ext>
-            </a:extLst>
-          </p:cNvPr>
-          <p:cNvCxnSpPr/>
-          <p:nvPr/>
-        </p:nvCxnSpPr>
-        <p:spPr>
-          <a:xfrm>
-            <a:off x="2428795" y="2940603"/>
-            <a:ext cx="2133600" cy="0"/>
-          </a:xfrm>
-          <a:prstGeom prst="straightConnector1">
-            <a:avLst/>
-          </a:prstGeom>
-          <a:ln w="25400">
-            <a:tailEnd type="arrow"/>
-          </a:ln>
-        </p:spPr>
-        <p:style>
-          <a:lnRef idx="1">
-            <a:schemeClr val="accent1"/>
-          </a:lnRef>
-          <a:fillRef idx="0">
-            <a:schemeClr val="accent1"/>
-          </a:fillRef>
-          <a:effectRef idx="0">
-            <a:schemeClr val="accent1"/>
-          </a:effectRef>
-          <a:fontRef idx="minor">
-            <a:schemeClr val="tx1"/>
-          </a:fontRef>
-        </p:style>
-      </p:cxnSp>
-      <p:cxnSp>
-        <p:nvCxnSpPr>
-          <p:cNvPr id="16" name="Straight Connector 15">
-            <a:extLst>
-              <a:ext uri="{FF2B5EF4-FFF2-40B4-BE49-F238E27FC236}">
-                <a16:creationId xmlns:a16="http://schemas.microsoft.com/office/drawing/2014/main" id="{F1F32DE4-03F5-4960-B4A5-ADF7A820525A}"/>
-              </a:ext>
-            </a:extLst>
-          </p:cNvPr>
-          <p:cNvCxnSpPr/>
-          <p:nvPr/>
-        </p:nvCxnSpPr>
-        <p:spPr>
-          <a:xfrm>
-            <a:off x="2428795" y="2407203"/>
-            <a:ext cx="0" cy="533400"/>
-          </a:xfrm>
-          <a:prstGeom prst="line">
-            <a:avLst/>
-          </a:prstGeom>
-          <a:ln w="25400"/>
-        </p:spPr>
-        <p:style>
-          <a:lnRef idx="1">
-            <a:schemeClr val="accent1"/>
-          </a:lnRef>
-          <a:fillRef idx="0">
-            <a:schemeClr val="accent1"/>
-          </a:fillRef>
-          <a:effectRef idx="0">
-            <a:schemeClr val="accent1"/>
-          </a:effectRef>
-          <a:fontRef idx="minor">
-            <a:schemeClr val="tx1"/>
-          </a:fontRef>
-        </p:style>
-      </p:cxnSp>
-      <p:grpSp>
-        <p:nvGrpSpPr>
-          <p:cNvPr id="17" name="Group 42">
-            <a:extLst>
-              <a:ext uri="{FF2B5EF4-FFF2-40B4-BE49-F238E27FC236}">
-                <a16:creationId xmlns:a16="http://schemas.microsoft.com/office/drawing/2014/main" id="{34E519DB-089B-4A1E-89B0-D999478D50D0}"/>
-              </a:ext>
-            </a:extLst>
-          </p:cNvPr>
-          <p:cNvGrpSpPr/>
-          <p:nvPr/>
-        </p:nvGrpSpPr>
-        <p:grpSpPr>
-          <a:xfrm>
-            <a:off x="7686595" y="2026203"/>
-            <a:ext cx="2819400" cy="914400"/>
-            <a:chOff x="6096000" y="1828800"/>
-            <a:chExt cx="2819400" cy="914400"/>
-          </a:xfrm>
-        </p:grpSpPr>
-        <p:sp>
-          <p:nvSpPr>
-            <p:cNvPr id="18" name="Rectangle 17">
-              <a:extLst>
-                <a:ext uri="{FF2B5EF4-FFF2-40B4-BE49-F238E27FC236}">
-                  <a16:creationId xmlns:a16="http://schemas.microsoft.com/office/drawing/2014/main" id="{FF4757BF-909D-493C-940D-DF61ED5F1799}"/>
-                </a:ext>
-              </a:extLst>
-            </p:cNvPr>
-            <p:cNvSpPr/>
-            <p:nvPr/>
-          </p:nvSpPr>
-          <p:spPr>
-            <a:xfrm>
-              <a:off x="6705600" y="1828800"/>
-              <a:ext cx="1600200" cy="914400"/>
-            </a:xfrm>
-            <a:prstGeom prst="rect">
-              <a:avLst/>
-            </a:prstGeom>
-            <a:noFill/>
-          </p:spPr>
-          <p:style>
-            <a:lnRef idx="2">
-              <a:schemeClr val="accent1">
-                <a:shade val="50000"/>
-              </a:schemeClr>
-            </a:lnRef>
-            <a:fillRef idx="1">
-              <a:schemeClr val="accent1"/>
-            </a:fillRef>
-            <a:effectRef idx="0">
-              <a:schemeClr val="accent1"/>
-            </a:effectRef>
-            <a:fontRef idx="minor">
-              <a:schemeClr val="lt1"/>
-            </a:fontRef>
-          </p:style>
-          <p:txBody>
-            <a:bodyPr rtlCol="0" anchor="ctr"/>
-            <a:lstStyle/>
-            <a:p>
-              <a:pPr algn="ctr"/>
-              <a:endParaRPr lang="en-US"/>
-            </a:p>
-          </p:txBody>
-        </p:sp>
-        <p:cxnSp>
-          <p:nvCxnSpPr>
-            <p:cNvPr id="19" name="Straight Arrow Connector 18">
-              <a:extLst>
-                <a:ext uri="{FF2B5EF4-FFF2-40B4-BE49-F238E27FC236}">
-                  <a16:creationId xmlns:a16="http://schemas.microsoft.com/office/drawing/2014/main" id="{FD8985F4-082F-4A98-8254-DD3D45B5D199}"/>
-                </a:ext>
-              </a:extLst>
-            </p:cNvPr>
-            <p:cNvCxnSpPr/>
-            <p:nvPr/>
-          </p:nvCxnSpPr>
-          <p:spPr>
-            <a:xfrm>
-              <a:off x="8305800" y="1981200"/>
-              <a:ext cx="609600" cy="0"/>
-            </a:xfrm>
-            <a:prstGeom prst="straightConnector1">
-              <a:avLst/>
-            </a:prstGeom>
-            <a:ln w="25400">
-              <a:tailEnd type="arrow"/>
-            </a:ln>
-          </p:spPr>
-          <p:style>
-            <a:lnRef idx="1">
-              <a:schemeClr val="accent1"/>
-            </a:lnRef>
-            <a:fillRef idx="0">
-              <a:schemeClr val="accent1"/>
-            </a:fillRef>
-            <a:effectRef idx="0">
-              <a:schemeClr val="accent1"/>
-            </a:effectRef>
-            <a:fontRef idx="minor">
-              <a:schemeClr val="tx1"/>
-            </a:fontRef>
-          </p:style>
-        </p:cxnSp>
-        <p:cxnSp>
-          <p:nvCxnSpPr>
-            <p:cNvPr id="20" name="Straight Arrow Connector 19">
-              <a:extLst>
-                <a:ext uri="{FF2B5EF4-FFF2-40B4-BE49-F238E27FC236}">
-                  <a16:creationId xmlns:a16="http://schemas.microsoft.com/office/drawing/2014/main" id="{9F500493-FC52-43B4-B227-463FB6A6AA20}"/>
-                </a:ext>
-              </a:extLst>
-            </p:cNvPr>
-            <p:cNvCxnSpPr/>
-            <p:nvPr/>
-          </p:nvCxnSpPr>
-          <p:spPr>
-            <a:xfrm>
-              <a:off x="8305800" y="2286000"/>
-              <a:ext cx="609600" cy="0"/>
-            </a:xfrm>
-            <a:prstGeom prst="straightConnector1">
-              <a:avLst/>
-            </a:prstGeom>
-            <a:ln w="25400">
-              <a:tailEnd type="arrow"/>
-            </a:ln>
-          </p:spPr>
-          <p:style>
-            <a:lnRef idx="1">
-              <a:schemeClr val="accent1"/>
-            </a:lnRef>
-            <a:fillRef idx="0">
-              <a:schemeClr val="accent1"/>
-            </a:fillRef>
-            <a:effectRef idx="0">
-              <a:schemeClr val="accent1"/>
-            </a:effectRef>
-            <a:fontRef idx="minor">
-              <a:schemeClr val="tx1"/>
-            </a:fontRef>
-          </p:style>
-        </p:cxnSp>
-        <p:cxnSp>
-          <p:nvCxnSpPr>
-            <p:cNvPr id="21" name="Straight Arrow Connector 20">
-              <a:extLst>
-                <a:ext uri="{FF2B5EF4-FFF2-40B4-BE49-F238E27FC236}">
-                  <a16:creationId xmlns:a16="http://schemas.microsoft.com/office/drawing/2014/main" id="{9001350F-E9A5-4DB6-A788-C16BB7C7CD1C}"/>
-                </a:ext>
-              </a:extLst>
-            </p:cNvPr>
-            <p:cNvCxnSpPr/>
-            <p:nvPr/>
-          </p:nvCxnSpPr>
-          <p:spPr>
-            <a:xfrm>
-              <a:off x="8305800" y="2590800"/>
-              <a:ext cx="609600" cy="0"/>
-            </a:xfrm>
-            <a:prstGeom prst="straightConnector1">
-              <a:avLst/>
-            </a:prstGeom>
-            <a:ln w="25400">
-              <a:tailEnd type="arrow"/>
-            </a:ln>
-          </p:spPr>
-          <p:style>
-            <a:lnRef idx="1">
-              <a:schemeClr val="accent1"/>
-            </a:lnRef>
-            <a:fillRef idx="0">
-              <a:schemeClr val="accent1"/>
-            </a:fillRef>
-            <a:effectRef idx="0">
-              <a:schemeClr val="accent1"/>
-            </a:effectRef>
-            <a:fontRef idx="minor">
-              <a:schemeClr val="tx1"/>
-            </a:fontRef>
-          </p:style>
-        </p:cxnSp>
-        <p:cxnSp>
-          <p:nvCxnSpPr>
-            <p:cNvPr id="22" name="Straight Arrow Connector 21">
-              <a:extLst>
-                <a:ext uri="{FF2B5EF4-FFF2-40B4-BE49-F238E27FC236}">
-                  <a16:creationId xmlns:a16="http://schemas.microsoft.com/office/drawing/2014/main" id="{7AFC5E9F-6714-4BC2-8866-9BCC5D65B43F}"/>
-                </a:ext>
-              </a:extLst>
-            </p:cNvPr>
-            <p:cNvCxnSpPr/>
-            <p:nvPr/>
-          </p:nvCxnSpPr>
-          <p:spPr>
-            <a:xfrm>
-              <a:off x="6096000" y="2133600"/>
-              <a:ext cx="609600" cy="0"/>
-            </a:xfrm>
-            <a:prstGeom prst="straightConnector1">
-              <a:avLst/>
-            </a:prstGeom>
-            <a:ln w="25400">
-              <a:tailEnd type="arrow"/>
-            </a:ln>
-          </p:spPr>
-          <p:style>
-            <a:lnRef idx="1">
-              <a:schemeClr val="accent1"/>
-            </a:lnRef>
-            <a:fillRef idx="0">
-              <a:schemeClr val="accent1"/>
-            </a:fillRef>
-            <a:effectRef idx="0">
-              <a:schemeClr val="accent1"/>
-            </a:effectRef>
-            <a:fontRef idx="minor">
-              <a:schemeClr val="tx1"/>
-            </a:fontRef>
-          </p:style>
-        </p:cxnSp>
-        <p:cxnSp>
-          <p:nvCxnSpPr>
-            <p:cNvPr id="23" name="Straight Arrow Connector 22">
-              <a:extLst>
-                <a:ext uri="{FF2B5EF4-FFF2-40B4-BE49-F238E27FC236}">
-                  <a16:creationId xmlns:a16="http://schemas.microsoft.com/office/drawing/2014/main" id="{002535E4-798A-43CE-8240-8351E61BC51A}"/>
-                </a:ext>
-              </a:extLst>
-            </p:cNvPr>
-            <p:cNvCxnSpPr/>
-            <p:nvPr/>
-          </p:nvCxnSpPr>
-          <p:spPr>
-            <a:xfrm>
-              <a:off x="6096000" y="2514600"/>
-              <a:ext cx="609600" cy="0"/>
-            </a:xfrm>
-            <a:prstGeom prst="straightConnector1">
-              <a:avLst/>
-            </a:prstGeom>
-            <a:ln w="25400">
-              <a:tailEnd type="arrow"/>
-            </a:ln>
-          </p:spPr>
-          <p:style>
-            <a:lnRef idx="1">
-              <a:schemeClr val="accent1"/>
-            </a:lnRef>
-            <a:fillRef idx="0">
-              <a:schemeClr val="accent1"/>
-            </a:fillRef>
-            <a:effectRef idx="0">
-              <a:schemeClr val="accent1"/>
-            </a:effectRef>
-            <a:fontRef idx="minor">
-              <a:schemeClr val="tx1"/>
-            </a:fontRef>
-          </p:style>
-        </p:cxnSp>
-      </p:grpSp>
-      <p:sp>
-        <p:nvSpPr>
-          <p:cNvPr id="24" name="Rectangle 23">
-            <a:extLst>
-              <a:ext uri="{FF2B5EF4-FFF2-40B4-BE49-F238E27FC236}">
-                <a16:creationId xmlns:a16="http://schemas.microsoft.com/office/drawing/2014/main" id="{B61C9954-F1F6-48E4-A16C-40CB321E1471}"/>
-              </a:ext>
-            </a:extLst>
-          </p:cNvPr>
-          <p:cNvSpPr/>
-          <p:nvPr/>
-        </p:nvSpPr>
-        <p:spPr>
-          <a:xfrm>
-            <a:off x="2123995" y="1416603"/>
-            <a:ext cx="4038600" cy="1905000"/>
-          </a:xfrm>
-          <a:prstGeom prst="rect">
-            <a:avLst/>
-          </a:prstGeom>
-          <a:noFill/>
-        </p:spPr>
-        <p:style>
-          <a:lnRef idx="2">
-            <a:schemeClr val="accent1">
-              <a:shade val="50000"/>
-            </a:schemeClr>
-          </a:lnRef>
-          <a:fillRef idx="1">
-            <a:schemeClr val="accent1"/>
-          </a:fillRef>
-          <a:effectRef idx="0">
-            <a:schemeClr val="accent1"/>
-          </a:effectRef>
-          <a:fontRef idx="minor">
-            <a:schemeClr val="lt1"/>
-          </a:fontRef>
-        </p:style>
-        <p:txBody>
-          <a:bodyPr rtlCol="0" anchor="ctr"/>
-          <a:lstStyle/>
-          <a:p>
-            <a:pPr algn="ctr"/>
-            <a:endParaRPr lang="en-US"/>
-          </a:p>
-        </p:txBody>
-      </p:sp>
-    </p:spTree>
-    <p:extLst>
-      <p:ext uri="{BB962C8B-B14F-4D97-AF65-F5344CB8AC3E}">
-        <p14:creationId xmlns:p14="http://schemas.microsoft.com/office/powerpoint/2010/main" val="4158363066"/>
-      </p:ext>
-    </p:extLst>
-  </p:cSld>
-  <p:clrMapOvr>
-    <a:masterClrMapping/>
-  </p:clrMapOvr>
-</p:sld>
-</file>
-
-<file path=ppt/slides/slide7.xml><?xml version="1.0" encoding="utf-8"?>
 <p:sld xmlns:a="http://schemas.openxmlformats.org/drawingml/2006/main" xmlns:r="http://schemas.openxmlformats.org/officeDocument/2006/relationships" xmlns:p="http://schemas.openxmlformats.org/presentationml/2006/main">
   <p:cSld>
     <p:spTree>
@@ -50579,7 +49086,7 @@
             <a:fld id="{29AAD378-655A-49C6-813C-9FD132EF7440}" type="slidenum">
               <a:rPr lang="en-US" smtClean="0"/>
               <a:pPr/>
-              <a:t>7</a:t>
+              <a:t>6</a:t>
             </a:fld>
             <a:endParaRPr lang="en-US"/>
           </a:p>
@@ -50598,7 +49105,7 @@
 </p:sld>
 </file>
 
-<file path=ppt/slides/slide8.xml><?xml version="1.0" encoding="utf-8"?>
+<file path=ppt/slides/slide7.xml><?xml version="1.0" encoding="utf-8"?>
 <p:sld xmlns:a="http://schemas.openxmlformats.org/drawingml/2006/main" xmlns:r="http://schemas.openxmlformats.org/officeDocument/2006/relationships" xmlns:p="http://schemas.openxmlformats.org/presentationml/2006/main">
   <p:cSld>
     <p:spTree>
@@ -50667,7 +49174,7 @@
             <a:fld id="{29AAD378-655A-49C6-813C-9FD132EF7440}" type="slidenum">
               <a:rPr lang="en-US" smtClean="0"/>
               <a:pPr/>
-              <a:t>8</a:t>
+              <a:t>7</a:t>
             </a:fld>
             <a:endParaRPr lang="en-US"/>
           </a:p>
@@ -50772,6 +49279,104 @@
 </p:sld>
 </file>
 
+<file path=ppt/slides/slide8.xml><?xml version="1.0" encoding="utf-8"?>
+<p:sld xmlns:a="http://schemas.openxmlformats.org/drawingml/2006/main" xmlns:r="http://schemas.openxmlformats.org/officeDocument/2006/relationships" xmlns:p="http://schemas.openxmlformats.org/presentationml/2006/main">
+  <p:cSld>
+    <p:spTree>
+      <p:nvGrpSpPr>
+        <p:cNvPr id="1" name=""/>
+        <p:cNvGrpSpPr/>
+        <p:nvPr/>
+      </p:nvGrpSpPr>
+      <p:grpSpPr>
+        <a:xfrm>
+          <a:off x="0" y="0"/>
+          <a:ext cx="0" cy="0"/>
+          <a:chOff x="0" y="0"/>
+          <a:chExt cx="0" cy="0"/>
+        </a:xfrm>
+      </p:grpSpPr>
+      <p:sp>
+        <p:nvSpPr>
+          <p:cNvPr id="4" name="Slide Number Placeholder 3">
+            <a:extLst>
+              <a:ext uri="{FF2B5EF4-FFF2-40B4-BE49-F238E27FC236}">
+                <a16:creationId xmlns:a16="http://schemas.microsoft.com/office/drawing/2014/main" id="{EFE333EE-F7EA-4057-923F-704C4BEE7CFE}"/>
+              </a:ext>
+            </a:extLst>
+          </p:cNvPr>
+          <p:cNvSpPr>
+            <a:spLocks noGrp="1"/>
+          </p:cNvSpPr>
+          <p:nvPr>
+            <p:ph type="sldNum" sz="quarter" idx="12"/>
+          </p:nvPr>
+        </p:nvSpPr>
+        <p:spPr/>
+        <p:txBody>
+          <a:bodyPr/>
+          <a:lstStyle/>
+          <a:p>
+            <a:fld id="{29AAD378-655A-49C6-813C-9FD132EF7440}" type="slidenum">
+              <a:rPr lang="en-US" smtClean="0"/>
+              <a:pPr/>
+              <a:t>8</a:t>
+            </a:fld>
+            <a:endParaRPr lang="en-US" dirty="0"/>
+          </a:p>
+        </p:txBody>
+      </p:sp>
+      <p:sp>
+        <p:nvSpPr>
+          <p:cNvPr id="5" name="Content Placeholder 1">
+            <a:extLst>
+              <a:ext uri="{FF2B5EF4-FFF2-40B4-BE49-F238E27FC236}">
+                <a16:creationId xmlns:a16="http://schemas.microsoft.com/office/drawing/2014/main" id="{6CAE7C5D-49AB-4486-9A62-115E76D9B439}"/>
+              </a:ext>
+            </a:extLst>
+          </p:cNvPr>
+          <p:cNvSpPr>
+            <a:spLocks noGrp="1"/>
+          </p:cNvSpPr>
+          <p:nvPr>
+            <p:ph idx="1"/>
+          </p:nvPr>
+        </p:nvSpPr>
+        <p:spPr>
+          <a:xfrm>
+            <a:off x="166681" y="1332703"/>
+            <a:ext cx="11699087" cy="4351338"/>
+          </a:xfrm>
+        </p:spPr>
+        <p:txBody>
+          <a:bodyPr anchor="ctr">
+            <a:normAutofit/>
+          </a:bodyPr>
+          <a:lstStyle/>
+          <a:p>
+            <a:pPr marL="0" indent="0" algn="ctr">
+              <a:buNone/>
+            </a:pPr>
+            <a:r>
+              <a:rPr lang="en-US" sz="4000" dirty="0"/>
+              <a:t>Synchronous Models</a:t>
+            </a:r>
+          </a:p>
+        </p:txBody>
+      </p:sp>
+    </p:spTree>
+    <p:extLst>
+      <p:ext uri="{BB962C8B-B14F-4D97-AF65-F5344CB8AC3E}">
+        <p14:creationId xmlns:p14="http://schemas.microsoft.com/office/powerpoint/2010/main" val="2350099859"/>
+      </p:ext>
+    </p:extLst>
+  </p:cSld>
+  <p:clrMapOvr>
+    <a:masterClrMapping/>
+  </p:clrMapOvr>
+</p:sld>
+</file>
+
 <file path=ppt/slides/slide9.xml><?xml version="1.0" encoding="utf-8"?>
 <p:sld xmlns:a="http://schemas.openxmlformats.org/drawingml/2006/main" xmlns:r="http://schemas.openxmlformats.org/officeDocument/2006/relationships" xmlns:p="http://schemas.openxmlformats.org/presentationml/2006/main">
   <p:cSld>
@@ -50794,7 +49399,7 @@
           <p:cNvPr id="3" name="Title 2">
             <a:extLst>
               <a:ext uri="{FF2B5EF4-FFF2-40B4-BE49-F238E27FC236}">
-                <a16:creationId xmlns:a16="http://schemas.microsoft.com/office/drawing/2014/main" id="{1434F66F-00EF-439B-BAD2-CBF16A36325F}"/>
+                <a16:creationId xmlns:a16="http://schemas.microsoft.com/office/drawing/2014/main" id="{B9FF7392-C344-4648-BE3C-31A2BAB15734}"/>
               </a:ext>
             </a:extLst>
           </p:cNvPr>
@@ -50812,61 +49417,17 @@
           <a:p>
             <a:r>
               <a:rPr lang="en-US" dirty="0"/>
-              <a:t>Models of Computation: this lecture</a:t>
+              <a:t>Synchronous Models</a:t>
             </a:r>
           </a:p>
         </p:txBody>
       </p:sp>
       <p:sp>
         <p:nvSpPr>
-          <p:cNvPr id="4" name="TextBox 3">
+          <p:cNvPr id="4" name="Slide Number Placeholder 3">
             <a:extLst>
               <a:ext uri="{FF2B5EF4-FFF2-40B4-BE49-F238E27FC236}">
-                <a16:creationId xmlns:a16="http://schemas.microsoft.com/office/drawing/2014/main" id="{9B84B02C-A1AC-4CA0-B349-4E16229135E5}"/>
-              </a:ext>
-            </a:extLst>
-          </p:cNvPr>
-          <p:cNvSpPr txBox="1"/>
-          <p:nvPr/>
-        </p:nvSpPr>
-        <p:spPr>
-          <a:xfrm>
-            <a:off x="7622367" y="5842421"/>
-            <a:ext cx="4433688" cy="954107"/>
-          </a:xfrm>
-          <a:prstGeom prst="rect">
-            <a:avLst/>
-          </a:prstGeom>
-          <a:noFill/>
-        </p:spPr>
-        <p:txBody>
-          <a:bodyPr wrap="square" rtlCol="0">
-            <a:spAutoFit/>
-          </a:bodyPr>
-          <a:lstStyle/>
-          <a:p>
-            <a:r>
-              <a:rPr lang="en-US" sz="1400">
-                <a:solidFill>
-                  <a:schemeClr val="bg1"/>
-                </a:solidFill>
-              </a:rPr>
-              <a:t>[1] Nicolescu, Gabriela; Mosterman, Pieter J., eds. (2010). Model-Based Design for Embedded Systems. Computational Analysis, Synthesis, and Design of Dynamic Systems. 1. Boca Raton: CRC Press.</a:t>
-            </a:r>
-            <a:endParaRPr lang="en-US" sz="1400" dirty="0">
-              <a:solidFill>
-                <a:schemeClr val="bg1"/>
-              </a:solidFill>
-            </a:endParaRPr>
-          </a:p>
-        </p:txBody>
-      </p:sp>
-      <p:sp>
-        <p:nvSpPr>
-          <p:cNvPr id="5" name="Slide Number Placeholder 4">
-            <a:extLst>
-              <a:ext uri="{FF2B5EF4-FFF2-40B4-BE49-F238E27FC236}">
-                <a16:creationId xmlns:a16="http://schemas.microsoft.com/office/drawing/2014/main" id="{6BC6F85E-AFC3-47E8-A245-FA22ACB004B2}"/>
+                <a16:creationId xmlns:a16="http://schemas.microsoft.com/office/drawing/2014/main" id="{9C797320-311F-476B-8319-42886C749B75}"/>
               </a:ext>
             </a:extLst>
           </p:cNvPr>
@@ -50891,12 +49452,575 @@
           </a:p>
         </p:txBody>
       </p:sp>
+      <p:grpSp>
+        <p:nvGrpSpPr>
+          <p:cNvPr id="18" name="Group 17">
+            <a:extLst>
+              <a:ext uri="{FF2B5EF4-FFF2-40B4-BE49-F238E27FC236}">
+                <a16:creationId xmlns:a16="http://schemas.microsoft.com/office/drawing/2014/main" id="{A838FA56-AB8A-4F95-B419-9143BFCF26F7}"/>
+              </a:ext>
+            </a:extLst>
+          </p:cNvPr>
+          <p:cNvGrpSpPr/>
+          <p:nvPr/>
+        </p:nvGrpSpPr>
+        <p:grpSpPr>
+          <a:xfrm>
+            <a:off x="7075075" y="1332703"/>
+            <a:ext cx="4876800" cy="1905000"/>
+            <a:chOff x="6906026" y="2384791"/>
+            <a:chExt cx="4876800" cy="1905000"/>
+          </a:xfrm>
+        </p:grpSpPr>
+        <p:sp>
+          <p:nvSpPr>
+            <p:cNvPr id="5" name="Rectangle 4">
+              <a:extLst>
+                <a:ext uri="{FF2B5EF4-FFF2-40B4-BE49-F238E27FC236}">
+                  <a16:creationId xmlns:a16="http://schemas.microsoft.com/office/drawing/2014/main" id="{8DBB8AEF-DB23-41CF-B011-818626EF1DF7}"/>
+                </a:ext>
+              </a:extLst>
+            </p:cNvPr>
+            <p:cNvSpPr/>
+            <p:nvPr/>
+          </p:nvSpPr>
+          <p:spPr>
+            <a:xfrm>
+              <a:off x="7820426" y="2918191"/>
+              <a:ext cx="1219200" cy="685800"/>
+            </a:xfrm>
+            <a:prstGeom prst="rect">
+              <a:avLst/>
+            </a:prstGeom>
+            <a:noFill/>
+          </p:spPr>
+          <p:style>
+            <a:lnRef idx="2">
+              <a:schemeClr val="accent1">
+                <a:shade val="50000"/>
+              </a:schemeClr>
+            </a:lnRef>
+            <a:fillRef idx="1">
+              <a:schemeClr val="accent1"/>
+            </a:fillRef>
+            <a:effectRef idx="0">
+              <a:schemeClr val="accent1"/>
+            </a:effectRef>
+            <a:fontRef idx="minor">
+              <a:schemeClr val="lt1"/>
+            </a:fontRef>
+          </p:style>
+          <p:txBody>
+            <a:bodyPr rtlCol="0" anchor="ctr"/>
+            <a:lstStyle/>
+            <a:p>
+              <a:pPr algn="ctr"/>
+              <a:endParaRPr lang="en-US"/>
+            </a:p>
+          </p:txBody>
+        </p:sp>
+        <p:sp>
+          <p:nvSpPr>
+            <p:cNvPr id="6" name="Rectangle 5">
+              <a:extLst>
+                <a:ext uri="{FF2B5EF4-FFF2-40B4-BE49-F238E27FC236}">
+                  <a16:creationId xmlns:a16="http://schemas.microsoft.com/office/drawing/2014/main" id="{E81AB71B-5050-48B7-B63C-001441EF236E}"/>
+                </a:ext>
+              </a:extLst>
+            </p:cNvPr>
+            <p:cNvSpPr/>
+            <p:nvPr/>
+          </p:nvSpPr>
+          <p:spPr>
+            <a:xfrm>
+              <a:off x="9649226" y="2689591"/>
+              <a:ext cx="1219200" cy="533400"/>
+            </a:xfrm>
+            <a:prstGeom prst="rect">
+              <a:avLst/>
+            </a:prstGeom>
+            <a:noFill/>
+          </p:spPr>
+          <p:style>
+            <a:lnRef idx="2">
+              <a:schemeClr val="accent1">
+                <a:shade val="50000"/>
+              </a:schemeClr>
+            </a:lnRef>
+            <a:fillRef idx="1">
+              <a:schemeClr val="accent1"/>
+            </a:fillRef>
+            <a:effectRef idx="0">
+              <a:schemeClr val="accent1"/>
+            </a:effectRef>
+            <a:fontRef idx="minor">
+              <a:schemeClr val="lt1"/>
+            </a:fontRef>
+          </p:style>
+          <p:txBody>
+            <a:bodyPr rtlCol="0" anchor="ctr"/>
+            <a:lstStyle/>
+            <a:p>
+              <a:pPr algn="ctr"/>
+              <a:endParaRPr lang="en-US"/>
+            </a:p>
+          </p:txBody>
+        </p:sp>
+        <p:sp>
+          <p:nvSpPr>
+            <p:cNvPr id="7" name="Rectangle 6">
+              <a:extLst>
+                <a:ext uri="{FF2B5EF4-FFF2-40B4-BE49-F238E27FC236}">
+                  <a16:creationId xmlns:a16="http://schemas.microsoft.com/office/drawing/2014/main" id="{4DEEFAEB-0294-44A6-9AB5-EE4DB3EBD161}"/>
+                </a:ext>
+              </a:extLst>
+            </p:cNvPr>
+            <p:cNvSpPr/>
+            <p:nvPr/>
+          </p:nvSpPr>
+          <p:spPr>
+            <a:xfrm>
+              <a:off x="9649226" y="3527791"/>
+              <a:ext cx="1219200" cy="533400"/>
+            </a:xfrm>
+            <a:prstGeom prst="rect">
+              <a:avLst/>
+            </a:prstGeom>
+            <a:noFill/>
+          </p:spPr>
+          <p:style>
+            <a:lnRef idx="2">
+              <a:schemeClr val="accent1">
+                <a:shade val="50000"/>
+              </a:schemeClr>
+            </a:lnRef>
+            <a:fillRef idx="1">
+              <a:schemeClr val="accent1"/>
+            </a:fillRef>
+            <a:effectRef idx="0">
+              <a:schemeClr val="accent1"/>
+            </a:effectRef>
+            <a:fontRef idx="minor">
+              <a:schemeClr val="lt1"/>
+            </a:fontRef>
+          </p:style>
+          <p:txBody>
+            <a:bodyPr rtlCol="0" anchor="ctr"/>
+            <a:lstStyle/>
+            <a:p>
+              <a:pPr algn="ctr"/>
+              <a:endParaRPr lang="en-US"/>
+            </a:p>
+          </p:txBody>
+        </p:sp>
+        <p:cxnSp>
+          <p:nvCxnSpPr>
+            <p:cNvPr id="8" name="Straight Arrow Connector 7">
+              <a:extLst>
+                <a:ext uri="{FF2B5EF4-FFF2-40B4-BE49-F238E27FC236}">
+                  <a16:creationId xmlns:a16="http://schemas.microsoft.com/office/drawing/2014/main" id="{1C6E151B-A7FC-4223-8A16-AABC737C7671}"/>
+                </a:ext>
+              </a:extLst>
+            </p:cNvPr>
+            <p:cNvCxnSpPr>
+              <a:stCxn id="5" idx="3"/>
+              <a:endCxn id="6" idx="1"/>
+            </p:cNvCxnSpPr>
+            <p:nvPr/>
+          </p:nvCxnSpPr>
+          <p:spPr>
+            <a:xfrm flipV="1">
+              <a:off x="9039626" y="2956291"/>
+              <a:ext cx="609600" cy="304800"/>
+            </a:xfrm>
+            <a:prstGeom prst="straightConnector1">
+              <a:avLst/>
+            </a:prstGeom>
+            <a:ln w="25400">
+              <a:tailEnd type="arrow"/>
+            </a:ln>
+          </p:spPr>
+          <p:style>
+            <a:lnRef idx="1">
+              <a:schemeClr val="accent1"/>
+            </a:lnRef>
+            <a:fillRef idx="0">
+              <a:schemeClr val="accent1"/>
+            </a:fillRef>
+            <a:effectRef idx="0">
+              <a:schemeClr val="accent1"/>
+            </a:effectRef>
+            <a:fontRef idx="minor">
+              <a:schemeClr val="tx1"/>
+            </a:fontRef>
+          </p:style>
+        </p:cxnSp>
+        <p:cxnSp>
+          <p:nvCxnSpPr>
+            <p:cNvPr id="9" name="Straight Arrow Connector 8">
+              <a:extLst>
+                <a:ext uri="{FF2B5EF4-FFF2-40B4-BE49-F238E27FC236}">
+                  <a16:creationId xmlns:a16="http://schemas.microsoft.com/office/drawing/2014/main" id="{E3104716-2405-48A6-AC8F-D7BDCC6B9C13}"/>
+                </a:ext>
+              </a:extLst>
+            </p:cNvPr>
+            <p:cNvCxnSpPr/>
+            <p:nvPr/>
+          </p:nvCxnSpPr>
+          <p:spPr>
+            <a:xfrm>
+              <a:off x="10868426" y="2841991"/>
+              <a:ext cx="914400" cy="0"/>
+            </a:xfrm>
+            <a:prstGeom prst="straightConnector1">
+              <a:avLst/>
+            </a:prstGeom>
+            <a:ln w="25400">
+              <a:tailEnd type="arrow"/>
+            </a:ln>
+          </p:spPr>
+          <p:style>
+            <a:lnRef idx="1">
+              <a:schemeClr val="accent1"/>
+            </a:lnRef>
+            <a:fillRef idx="0">
+              <a:schemeClr val="accent1"/>
+            </a:fillRef>
+            <a:effectRef idx="0">
+              <a:schemeClr val="accent1"/>
+            </a:effectRef>
+            <a:fontRef idx="minor">
+              <a:schemeClr val="tx1"/>
+            </a:fontRef>
+          </p:style>
+        </p:cxnSp>
+        <p:cxnSp>
+          <p:nvCxnSpPr>
+            <p:cNvPr id="10" name="Straight Arrow Connector 9">
+              <a:extLst>
+                <a:ext uri="{FF2B5EF4-FFF2-40B4-BE49-F238E27FC236}">
+                  <a16:creationId xmlns:a16="http://schemas.microsoft.com/office/drawing/2014/main" id="{F02C21EB-47F5-41E4-A1BA-07BD88F1B923}"/>
+                </a:ext>
+              </a:extLst>
+            </p:cNvPr>
+            <p:cNvCxnSpPr/>
+            <p:nvPr/>
+          </p:nvCxnSpPr>
+          <p:spPr>
+            <a:xfrm>
+              <a:off x="10868426" y="3070591"/>
+              <a:ext cx="914400" cy="0"/>
+            </a:xfrm>
+            <a:prstGeom prst="straightConnector1">
+              <a:avLst/>
+            </a:prstGeom>
+            <a:ln w="25400">
+              <a:tailEnd type="arrow"/>
+            </a:ln>
+          </p:spPr>
+          <p:style>
+            <a:lnRef idx="1">
+              <a:schemeClr val="accent1"/>
+            </a:lnRef>
+            <a:fillRef idx="0">
+              <a:schemeClr val="accent1"/>
+            </a:fillRef>
+            <a:effectRef idx="0">
+              <a:schemeClr val="accent1"/>
+            </a:effectRef>
+            <a:fontRef idx="minor">
+              <a:schemeClr val="tx1"/>
+            </a:fontRef>
+          </p:style>
+        </p:cxnSp>
+        <p:cxnSp>
+          <p:nvCxnSpPr>
+            <p:cNvPr id="11" name="Straight Arrow Connector 10">
+              <a:extLst>
+                <a:ext uri="{FF2B5EF4-FFF2-40B4-BE49-F238E27FC236}">
+                  <a16:creationId xmlns:a16="http://schemas.microsoft.com/office/drawing/2014/main" id="{2BB40130-E0A7-46B2-95D6-CABEF23019C0}"/>
+                </a:ext>
+              </a:extLst>
+            </p:cNvPr>
+            <p:cNvCxnSpPr/>
+            <p:nvPr/>
+          </p:nvCxnSpPr>
+          <p:spPr>
+            <a:xfrm>
+              <a:off x="10868426" y="3756391"/>
+              <a:ext cx="914400" cy="0"/>
+            </a:xfrm>
+            <a:prstGeom prst="straightConnector1">
+              <a:avLst/>
+            </a:prstGeom>
+            <a:ln w="25400">
+              <a:tailEnd type="arrow"/>
+            </a:ln>
+          </p:spPr>
+          <p:style>
+            <a:lnRef idx="1">
+              <a:schemeClr val="accent1"/>
+            </a:lnRef>
+            <a:fillRef idx="0">
+              <a:schemeClr val="accent1"/>
+            </a:fillRef>
+            <a:effectRef idx="0">
+              <a:schemeClr val="accent1"/>
+            </a:effectRef>
+            <a:fontRef idx="minor">
+              <a:schemeClr val="tx1"/>
+            </a:fontRef>
+          </p:style>
+        </p:cxnSp>
+        <p:cxnSp>
+          <p:nvCxnSpPr>
+            <p:cNvPr id="12" name="Straight Arrow Connector 11">
+              <a:extLst>
+                <a:ext uri="{FF2B5EF4-FFF2-40B4-BE49-F238E27FC236}">
+                  <a16:creationId xmlns:a16="http://schemas.microsoft.com/office/drawing/2014/main" id="{3FB1A551-BEF7-4A2B-B0B3-A834092B0455}"/>
+                </a:ext>
+              </a:extLst>
+            </p:cNvPr>
+            <p:cNvCxnSpPr>
+              <a:endCxn id="7" idx="1"/>
+            </p:cNvCxnSpPr>
+            <p:nvPr/>
+          </p:nvCxnSpPr>
+          <p:spPr>
+            <a:xfrm>
+              <a:off x="9039626" y="3527791"/>
+              <a:ext cx="609600" cy="266700"/>
+            </a:xfrm>
+            <a:prstGeom prst="straightConnector1">
+              <a:avLst/>
+            </a:prstGeom>
+            <a:ln w="25400">
+              <a:tailEnd type="arrow"/>
+            </a:ln>
+          </p:spPr>
+          <p:style>
+            <a:lnRef idx="1">
+              <a:schemeClr val="accent1"/>
+            </a:lnRef>
+            <a:fillRef idx="0">
+              <a:schemeClr val="accent1"/>
+            </a:fillRef>
+            <a:effectRef idx="0">
+              <a:schemeClr val="accent1"/>
+            </a:effectRef>
+            <a:fontRef idx="minor">
+              <a:schemeClr val="tx1"/>
+            </a:fontRef>
+          </p:style>
+        </p:cxnSp>
+        <p:cxnSp>
+          <p:nvCxnSpPr>
+            <p:cNvPr id="13" name="Straight Arrow Connector 12">
+              <a:extLst>
+                <a:ext uri="{FF2B5EF4-FFF2-40B4-BE49-F238E27FC236}">
+                  <a16:creationId xmlns:a16="http://schemas.microsoft.com/office/drawing/2014/main" id="{80CE7CED-0B46-4172-83A8-52936EE1CD04}"/>
+                </a:ext>
+              </a:extLst>
+            </p:cNvPr>
+            <p:cNvCxnSpPr/>
+            <p:nvPr/>
+          </p:nvCxnSpPr>
+          <p:spPr>
+            <a:xfrm>
+              <a:off x="6906026" y="3146791"/>
+              <a:ext cx="914400" cy="0"/>
+            </a:xfrm>
+            <a:prstGeom prst="straightConnector1">
+              <a:avLst/>
+            </a:prstGeom>
+            <a:ln w="25400">
+              <a:tailEnd type="arrow"/>
+            </a:ln>
+          </p:spPr>
+          <p:style>
+            <a:lnRef idx="1">
+              <a:schemeClr val="accent1"/>
+            </a:lnRef>
+            <a:fillRef idx="0">
+              <a:schemeClr val="accent1"/>
+            </a:fillRef>
+            <a:effectRef idx="0">
+              <a:schemeClr val="accent1"/>
+            </a:effectRef>
+            <a:fontRef idx="minor">
+              <a:schemeClr val="tx1"/>
+            </a:fontRef>
+          </p:style>
+        </p:cxnSp>
+        <p:cxnSp>
+          <p:nvCxnSpPr>
+            <p:cNvPr id="14" name="Straight Arrow Connector 13">
+              <a:extLst>
+                <a:ext uri="{FF2B5EF4-FFF2-40B4-BE49-F238E27FC236}">
+                  <a16:creationId xmlns:a16="http://schemas.microsoft.com/office/drawing/2014/main" id="{47333A1E-E5F1-45DA-87FE-F99CE25CBA3D}"/>
+                </a:ext>
+              </a:extLst>
+            </p:cNvPr>
+            <p:cNvCxnSpPr/>
+            <p:nvPr/>
+          </p:nvCxnSpPr>
+          <p:spPr>
+            <a:xfrm>
+              <a:off x="6906026" y="3375391"/>
+              <a:ext cx="914400" cy="0"/>
+            </a:xfrm>
+            <a:prstGeom prst="straightConnector1">
+              <a:avLst/>
+            </a:prstGeom>
+            <a:ln w="25400">
+              <a:tailEnd type="arrow"/>
+            </a:ln>
+          </p:spPr>
+          <p:style>
+            <a:lnRef idx="1">
+              <a:schemeClr val="accent1"/>
+            </a:lnRef>
+            <a:fillRef idx="0">
+              <a:schemeClr val="accent1"/>
+            </a:fillRef>
+            <a:effectRef idx="0">
+              <a:schemeClr val="accent1"/>
+            </a:effectRef>
+            <a:fontRef idx="minor">
+              <a:schemeClr val="tx1"/>
+            </a:fontRef>
+          </p:style>
+        </p:cxnSp>
+        <p:cxnSp>
+          <p:nvCxnSpPr>
+            <p:cNvPr id="15" name="Straight Arrow Connector 14">
+              <a:extLst>
+                <a:ext uri="{FF2B5EF4-FFF2-40B4-BE49-F238E27FC236}">
+                  <a16:creationId xmlns:a16="http://schemas.microsoft.com/office/drawing/2014/main" id="{5F0B9616-5D33-4F37-9E81-658ECDFB49FE}"/>
+                </a:ext>
+              </a:extLst>
+            </p:cNvPr>
+            <p:cNvCxnSpPr/>
+            <p:nvPr/>
+          </p:nvCxnSpPr>
+          <p:spPr>
+            <a:xfrm>
+              <a:off x="7515626" y="3908791"/>
+              <a:ext cx="2133600" cy="0"/>
+            </a:xfrm>
+            <a:prstGeom prst="straightConnector1">
+              <a:avLst/>
+            </a:prstGeom>
+            <a:ln w="25400">
+              <a:tailEnd type="arrow"/>
+            </a:ln>
+          </p:spPr>
+          <p:style>
+            <a:lnRef idx="1">
+              <a:schemeClr val="accent1"/>
+            </a:lnRef>
+            <a:fillRef idx="0">
+              <a:schemeClr val="accent1"/>
+            </a:fillRef>
+            <a:effectRef idx="0">
+              <a:schemeClr val="accent1"/>
+            </a:effectRef>
+            <a:fontRef idx="minor">
+              <a:schemeClr val="tx1"/>
+            </a:fontRef>
+          </p:style>
+        </p:cxnSp>
+        <p:cxnSp>
+          <p:nvCxnSpPr>
+            <p:cNvPr id="16" name="Straight Connector 15">
+              <a:extLst>
+                <a:ext uri="{FF2B5EF4-FFF2-40B4-BE49-F238E27FC236}">
+                  <a16:creationId xmlns:a16="http://schemas.microsoft.com/office/drawing/2014/main" id="{73E8610A-BE09-48BD-B0C8-7C5F6586A78B}"/>
+                </a:ext>
+              </a:extLst>
+            </p:cNvPr>
+            <p:cNvCxnSpPr/>
+            <p:nvPr/>
+          </p:nvCxnSpPr>
+          <p:spPr>
+            <a:xfrm>
+              <a:off x="7515626" y="3375391"/>
+              <a:ext cx="0" cy="533400"/>
+            </a:xfrm>
+            <a:prstGeom prst="line">
+              <a:avLst/>
+            </a:prstGeom>
+            <a:ln w="25400"/>
+          </p:spPr>
+          <p:style>
+            <a:lnRef idx="1">
+              <a:schemeClr val="accent1"/>
+            </a:lnRef>
+            <a:fillRef idx="0">
+              <a:schemeClr val="accent1"/>
+            </a:fillRef>
+            <a:effectRef idx="0">
+              <a:schemeClr val="accent1"/>
+            </a:effectRef>
+            <a:fontRef idx="minor">
+              <a:schemeClr val="tx1"/>
+            </a:fontRef>
+          </p:style>
+        </p:cxnSp>
+        <p:sp>
+          <p:nvSpPr>
+            <p:cNvPr id="17" name="Rectangle 16">
+              <a:extLst>
+                <a:ext uri="{FF2B5EF4-FFF2-40B4-BE49-F238E27FC236}">
+                  <a16:creationId xmlns:a16="http://schemas.microsoft.com/office/drawing/2014/main" id="{FF0C9AE7-A253-4E4E-BA69-B6602A070EBC}"/>
+                </a:ext>
+              </a:extLst>
+            </p:cNvPr>
+            <p:cNvSpPr/>
+            <p:nvPr/>
+          </p:nvSpPr>
+          <p:spPr>
+            <a:xfrm>
+              <a:off x="7210826" y="2384791"/>
+              <a:ext cx="4038600" cy="1905000"/>
+            </a:xfrm>
+            <a:prstGeom prst="rect">
+              <a:avLst/>
+            </a:prstGeom>
+            <a:noFill/>
+          </p:spPr>
+          <p:style>
+            <a:lnRef idx="2">
+              <a:schemeClr val="accent1">
+                <a:shade val="50000"/>
+              </a:schemeClr>
+            </a:lnRef>
+            <a:fillRef idx="1">
+              <a:schemeClr val="accent1"/>
+            </a:fillRef>
+            <a:effectRef idx="0">
+              <a:schemeClr val="accent1"/>
+            </a:effectRef>
+            <a:fontRef idx="minor">
+              <a:schemeClr val="lt1"/>
+            </a:fontRef>
+          </p:style>
+          <p:txBody>
+            <a:bodyPr rtlCol="0" anchor="ctr"/>
+            <a:lstStyle/>
+            <a:p>
+              <a:pPr algn="ctr"/>
+              <a:endParaRPr lang="en-US"/>
+            </a:p>
+          </p:txBody>
+        </p:sp>
+      </p:grpSp>
       <p:sp>
         <p:nvSpPr>
-          <p:cNvPr id="6" name="Content Placeholder 1">
+          <p:cNvPr id="20" name="Content Placeholder 1">
             <a:extLst>
               <a:ext uri="{FF2B5EF4-FFF2-40B4-BE49-F238E27FC236}">
-                <a16:creationId xmlns:a16="http://schemas.microsoft.com/office/drawing/2014/main" id="{ECA1F746-D8A3-41B7-9B76-587EBE666B38}"/>
+                <a16:creationId xmlns:a16="http://schemas.microsoft.com/office/drawing/2014/main" id="{5D4F5D4D-86AF-4BFD-BD2A-DF64AFF847F8}"/>
               </a:ext>
             </a:extLst>
           </p:cNvPr>
@@ -50909,8 +50033,8 @@
         </p:nvSpPr>
         <p:spPr>
           <a:xfrm>
-            <a:off x="166681" y="1335505"/>
-            <a:ext cx="11699087" cy="4348536"/>
+            <a:off x="69897" y="1332703"/>
+            <a:ext cx="6845734" cy="4285547"/>
           </a:xfrm>
         </p:spPr>
         <p:txBody>
@@ -50920,71 +50044,32 @@
           <a:lstStyle/>
           <a:p>
             <a:r>
-              <a:rPr lang="en-US" dirty="0">
-                <a:solidFill>
-                  <a:srgbClr val="FF0000"/>
-                </a:solidFill>
-              </a:rPr>
-              <a:t>Synchronous Model of Computation</a:t>
+              <a:rPr lang="en-US" dirty="0"/>
+              <a:t>All components execute in a sequence of rounds in lock-step</a:t>
             </a:r>
+          </a:p>
+          <a:p>
+            <a:endParaRPr lang="en-US" dirty="0"/>
           </a:p>
           <a:p>
             <a:r>
               <a:rPr lang="en-US" dirty="0"/>
-              <a:t>Asynchronous Model of Computation</a:t>
-            </a:r>
-          </a:p>
-          <a:p>
-            <a:r>
-              <a:rPr lang="en-US" dirty="0"/>
-              <a:t>Timed Model</a:t>
+              <a:t>Example: </a:t>
             </a:r>
           </a:p>
           <a:p>
             <a:pPr lvl="1"/>
             <a:r>
               <a:rPr lang="en-US" dirty="0"/>
-              <a:t>Like Asynchronous models, but with explicit time information</a:t>
+              <a:t>Components in a digital hardware circuit with a central global clock</a:t>
             </a:r>
-          </a:p>
-          <a:p>
-            <a:pPr lvl="1"/>
-            <a:r>
-              <a:rPr lang="en-US" dirty="0"/>
-              <a:t>Can make use of global time for coordination</a:t>
-            </a:r>
-          </a:p>
-          <a:p>
-            <a:r>
-              <a:rPr lang="en-US" dirty="0"/>
-              <a:t>Continuous-time models/Dynamical system models</a:t>
-            </a:r>
-          </a:p>
-          <a:p>
-            <a:pPr lvl="1"/>
-            <a:r>
-              <a:rPr lang="en-US" dirty="0"/>
-              <a:t>Like Synchronous, but time evolves continuously</a:t>
-            </a:r>
-          </a:p>
-          <a:p>
-            <a:r>
-              <a:rPr lang="en-US" dirty="0"/>
-              <a:t>Hybrid Dynamical Models</a:t>
-            </a:r>
-          </a:p>
-          <a:p>
-            <a:pPr marL="0" indent="0">
-              <a:buNone/>
-            </a:pPr>
-            <a:endParaRPr lang="en-US" dirty="0"/>
           </a:p>
         </p:txBody>
       </p:sp>
     </p:spTree>
     <p:extLst>
       <p:ext uri="{BB962C8B-B14F-4D97-AF65-F5344CB8AC3E}">
-        <p14:creationId xmlns:p14="http://schemas.microsoft.com/office/powerpoint/2010/main" val="1865969485"/>
+        <p14:creationId xmlns:p14="http://schemas.microsoft.com/office/powerpoint/2010/main" val="3237185787"/>
       </p:ext>
     </p:extLst>
   </p:cSld>

--- a/teaching/cs513-autocps-fall-2024/slides/ModelsOfComputation.pptx
+++ b/teaching/cs513-autocps-fall-2024/slides/ModelsOfComputation.pptx
@@ -52,8 +52,8 @@
     <p:sldId id="347" r:id="rId40"/>
     <p:sldId id="348" r:id="rId41"/>
     <p:sldId id="325" r:id="rId42"/>
-    <p:sldId id="326" r:id="rId43"/>
-    <p:sldId id="327" r:id="rId44"/>
+    <p:sldId id="327" r:id="rId43"/>
+    <p:sldId id="326" r:id="rId44"/>
     <p:sldId id="292" r:id="rId45"/>
     <p:sldId id="328" r:id="rId46"/>
     <p:sldId id="329" r:id="rId47"/>
@@ -269,7 +269,7 @@
           <a:p>
             <a:fld id="{459B985A-4C37-4D1F-A437-E4A951A85D11}" type="datetimeFigureOut">
               <a:rPr lang="en-US" smtClean="0"/>
-              <a:t>8/26/2024</a:t>
+              <a:t>9/9/2024</a:t>
             </a:fld>
             <a:endParaRPr lang="en-US"/>
           </a:p>
@@ -670,7 +670,7 @@
           <a:p>
             <a:fld id="{6580C23F-98B7-41D4-A9FA-15A275A51486}" type="datetimeFigureOut">
               <a:rPr lang="en-US" smtClean="0"/>
-              <a:t>8/26/2024</a:t>
+              <a:t>9/9/2024</a:t>
             </a:fld>
             <a:endParaRPr lang="en-US"/>
           </a:p>
@@ -1608,7 +1608,7 @@
           <p:nvPr userDrawn="1"/>
         </p:nvPicPr>
         <mc:AlternateContent xmlns:mc="http://schemas.openxmlformats.org/markup-compatibility/2006">
-          <mc:Choice xmlns="" xmlns:mv="urn:schemas-microsoft-com:mac:vml" xmlns:ma="http://schemas.microsoft.com/office/mac/drawingml/2008/main" Requires="ma">
+          <mc:Choice xmlns:ma="http://schemas.microsoft.com/office/mac/drawingml/2008/main" xmlns:mv="urn:schemas-microsoft-com:mac:vml" xmlns="" Requires="ma">
             <p:blipFill>
               <a:blip r:embed="rId3"/>
               <a:stretch>
@@ -7048,8 +7048,8 @@
           <a:chExt cx="0" cy="0"/>
         </a:xfrm>
       </p:grpSpPr>
-      <mc:AlternateContent xmlns:mc="http://schemas.openxmlformats.org/markup-compatibility/2006">
-        <mc:Choice xmlns:a14="http://schemas.microsoft.com/office/drawing/2010/main" Requires="a14">
+      <mc:AlternateContent xmlns:mc="http://schemas.openxmlformats.org/markup-compatibility/2006" xmlns:a14="http://schemas.microsoft.com/office/drawing/2010/main">
+        <mc:Choice Requires="a14">
           <p:sp>
             <p:nvSpPr>
               <p:cNvPr id="2" name="Content Placeholder 1">
@@ -7185,7 +7185,7 @@
             </p:txBody>
           </p:sp>
         </mc:Choice>
-        <mc:Fallback>
+        <mc:Fallback xmlns="">
           <p:sp>
             <p:nvSpPr>
               <p:cNvPr id="2" name="Content Placeholder 1">
@@ -8253,8 +8253,8 @@
           </p:txBody>
         </p:sp>
       </p:grpSp>
-      <mc:AlternateContent xmlns:mc="http://schemas.openxmlformats.org/markup-compatibility/2006">
-        <mc:Choice xmlns:a14="http://schemas.microsoft.com/office/drawing/2010/main" Requires="a14">
+      <mc:AlternateContent xmlns:mc="http://schemas.openxmlformats.org/markup-compatibility/2006" xmlns:a14="http://schemas.microsoft.com/office/drawing/2010/main">
+        <mc:Choice Requires="a14">
           <p:sp>
             <p:nvSpPr>
               <p:cNvPr id="23" name="TextBox 22">
@@ -8441,7 +8441,7 @@
             </p:txBody>
           </p:sp>
         </mc:Choice>
-        <mc:Fallback>
+        <mc:Fallback xmlns="">
           <p:sp>
             <p:nvSpPr>
               <p:cNvPr id="23" name="TextBox 22">
@@ -30232,7 +30232,7 @@
 </file>
 
 <file path=ppt/slides/slide39.xml><?xml version="1.0" encoding="utf-8"?>
-<p:sld xmlns:a="http://schemas.openxmlformats.org/drawingml/2006/main" xmlns:r="http://schemas.openxmlformats.org/officeDocument/2006/relationships" xmlns:p="http://schemas.openxmlformats.org/presentationml/2006/main" show="0">
+<p:sld xmlns:a="http://schemas.openxmlformats.org/drawingml/2006/main" xmlns:r="http://schemas.openxmlformats.org/officeDocument/2006/relationships" xmlns:p="http://schemas.openxmlformats.org/presentationml/2006/main">
   <p:cSld>
     <p:spTree>
       <p:nvGrpSpPr>
@@ -30289,7 +30289,7 @@
           <a:p>
             <a:r>
               <a:rPr lang="en-US" dirty="0"/>
-              <a:t>TAs: Sam Williams, Jeremy Morgan, Navid Hashemi</a:t>
+              <a:t>TAs: Vidisha Kudalkar, Sheryl Paul</a:t>
             </a:r>
           </a:p>
           <a:p>
@@ -30571,7 +30571,7 @@
 </file>
 
 <file path=ppt/slides/slide40.xml><?xml version="1.0" encoding="utf-8"?>
-<p:sld xmlns:a="http://schemas.openxmlformats.org/drawingml/2006/main" xmlns:r="http://schemas.openxmlformats.org/officeDocument/2006/relationships" xmlns:p="http://schemas.openxmlformats.org/presentationml/2006/main" show="0">
+<p:sld xmlns:a="http://schemas.openxmlformats.org/drawingml/2006/main" xmlns:r="http://schemas.openxmlformats.org/officeDocument/2006/relationships" xmlns:p="http://schemas.openxmlformats.org/presentationml/2006/main">
   <p:cSld>
     <p:spTree>
       <p:nvGrpSpPr>
@@ -30615,70 +30615,25 @@
           <a:p>
             <a:r>
               <a:rPr lang="en-US" dirty="0"/>
-              <a:t>Homework 1 on Piazza</a:t>
+              <a:t>Homework 1 on Brightspace</a:t>
             </a:r>
           </a:p>
           <a:p>
             <a:r>
               <a:rPr lang="en-US" dirty="0"/>
-              <a:t>Due date: September 5, 2023, Time: 23:59.59 </a:t>
+              <a:t>Due date: September 16, 2023, Time: 23:59.59 </a:t>
             </a:r>
             <a:r>
               <a:rPr lang="en-US" dirty="0" err="1"/>
               <a:t>AoE</a:t>
             </a:r>
-            <a:r>
-              <a:rPr lang="en-US" dirty="0"/>
-              <a:t> (i.e., Sep 6 @ 5am)</a:t>
-            </a:r>
+            <a:endParaRPr lang="en-US" dirty="0"/>
           </a:p>
           <a:p>
             <a:r>
               <a:rPr lang="en-US" dirty="0"/>
-              <a:t>Submit on Piazza as a single pdf</a:t>
+              <a:t>Submit on Brightspace as a single pdf</a:t>
             </a:r>
-          </a:p>
-          <a:p>
-            <a:pPr lvl="1"/>
-            <a:r>
-              <a:rPr lang="en-US" dirty="0"/>
-              <a:t>Handwritten </a:t>
-            </a:r>
-            <a:r>
-              <a:rPr lang="en-US" dirty="0">
-                <a:sym typeface="Wingdings" panose="05000000000000000000" pitchFamily="2" charset="2"/>
-              </a:rPr>
-              <a:t> </a:t>
-            </a:r>
-            <a:r>
-              <a:rPr lang="en-US" dirty="0"/>
-              <a:t>Scan to PDF </a:t>
-            </a:r>
-          </a:p>
-          <a:p>
-            <a:pPr lvl="1"/>
-            <a:r>
-              <a:rPr lang="en-US" dirty="0"/>
-              <a:t>Word processor </a:t>
-            </a:r>
-            <a:r>
-              <a:rPr lang="en-US" dirty="0">
-                <a:sym typeface="Wingdings" panose="05000000000000000000" pitchFamily="2" charset="2"/>
-              </a:rPr>
-              <a:t> PDF</a:t>
-            </a:r>
-          </a:p>
-          <a:p>
-            <a:pPr lvl="1"/>
-            <a:r>
-              <a:rPr lang="en-US" dirty="0">
-                <a:sym typeface="Wingdings" panose="05000000000000000000" pitchFamily="2" charset="2"/>
-              </a:rPr>
-              <a:t>Latex  PDF</a:t>
-            </a:r>
-          </a:p>
-          <a:p>
-            <a:pPr lvl="1"/>
             <a:endParaRPr lang="en-US" dirty="0">
               <a:sym typeface="Wingdings" panose="05000000000000000000" pitchFamily="2" charset="2"/>
             </a:endParaRPr>
@@ -30949,6 +30904,1004 @@
           <a:chExt cx="0" cy="0"/>
         </a:xfrm>
       </p:grpSpPr>
+      <mc:AlternateContent xmlns:mc="http://schemas.openxmlformats.org/markup-compatibility/2006" xmlns:a14="http://schemas.microsoft.com/office/drawing/2010/main">
+        <mc:Choice Requires="a14">
+          <p:sp>
+            <p:nvSpPr>
+              <p:cNvPr id="2" name="Content Placeholder 1">
+                <a:extLst>
+                  <a:ext uri="{FF2B5EF4-FFF2-40B4-BE49-F238E27FC236}">
+                    <a16:creationId xmlns:a16="http://schemas.microsoft.com/office/drawing/2014/main" id="{40B842EE-9CFB-4E94-BA8E-A5BB6159A365}"/>
+                  </a:ext>
+                </a:extLst>
+              </p:cNvPr>
+              <p:cNvSpPr>
+                <a:spLocks noGrp="1"/>
+              </p:cNvSpPr>
+              <p:nvPr>
+                <p:ph idx="1"/>
+              </p:nvPr>
+            </p:nvSpPr>
+            <p:spPr>
+              <a:xfrm>
+                <a:off x="5893654" y="1332703"/>
+                <a:ext cx="5972115" cy="4351338"/>
+              </a:xfrm>
+            </p:spPr>
+            <p:txBody>
+              <a:bodyPr>
+                <a:normAutofit/>
+              </a:bodyPr>
+              <a:lstStyle/>
+              <a:p>
+                <a:r>
+                  <a:rPr lang="en-US" dirty="0"/>
+                  <a:t>Input channel </a:t>
+                </a:r>
+                <a:r>
+                  <a:rPr lang="en-US" dirty="0">
+                    <a:solidFill>
+                      <a:srgbClr val="FF0000"/>
+                    </a:solidFill>
+                  </a:rPr>
+                  <a:t>in </a:t>
+                </a:r>
+                <a:r>
+                  <a:rPr lang="en-US" dirty="0"/>
+                  <a:t>of type bool</a:t>
+                </a:r>
+              </a:p>
+              <a:p>
+                <a:r>
+                  <a:rPr lang="en-US" dirty="0"/>
+                  <a:t>Output channel </a:t>
+                </a:r>
+                <a:r>
+                  <a:rPr lang="en-US" dirty="0">
+                    <a:solidFill>
+                      <a:schemeClr val="accent1">
+                        <a:lumMod val="75000"/>
+                      </a:schemeClr>
+                    </a:solidFill>
+                  </a:rPr>
+                  <a:t>out </a:t>
+                </a:r>
+                <a:r>
+                  <a:rPr lang="en-US" dirty="0"/>
+                  <a:t>of type bool</a:t>
+                </a:r>
+              </a:p>
+              <a:p>
+                <a:r>
+                  <a:rPr lang="en-US" dirty="0"/>
+                  <a:t>State variable </a:t>
+                </a:r>
+                <a:r>
+                  <a:rPr lang="en-US" dirty="0">
+                    <a:solidFill>
+                      <a:schemeClr val="accent6">
+                        <a:lumMod val="75000"/>
+                      </a:schemeClr>
+                    </a:solidFill>
+                  </a:rPr>
+                  <a:t>x</a:t>
+                </a:r>
+                <a:r>
+                  <a:rPr lang="en-US" dirty="0"/>
+                  <a:t> of type bool+</a:t>
+                </a:r>
+                <a14:m>
+                  <m:oMath xmlns:m="http://schemas.openxmlformats.org/officeDocument/2006/math">
+                    <m:r>
+                      <a:rPr lang="en-US" b="0" i="1" smtClean="0">
+                        <a:latin typeface="Cambria Math" panose="02040503050406030204" pitchFamily="18" charset="0"/>
+                      </a:rPr>
+                      <m:t>∅</m:t>
+                    </m:r>
+                  </m:oMath>
+                </a14:m>
+                <a:r>
+                  <a:rPr lang="en-US" dirty="0"/>
+                  <a:t>. The value </a:t>
+                </a:r>
+                <a14:m>
+                  <m:oMath xmlns:m="http://schemas.openxmlformats.org/officeDocument/2006/math">
+                    <m:r>
+                      <a:rPr lang="en-US" b="0" i="1" smtClean="0">
+                        <a:latin typeface="Cambria Math" panose="02040503050406030204" pitchFamily="18" charset="0"/>
+                      </a:rPr>
+                      <m:t>∅</m:t>
+                    </m:r>
+                  </m:oMath>
+                </a14:m>
+                <a:r>
+                  <a:rPr lang="en-US" dirty="0"/>
+                  <a:t> indicates empty or null.</a:t>
+                </a:r>
+              </a:p>
+              <a:p>
+                <a:r>
+                  <a:rPr lang="en-US" dirty="0"/>
+                  <a:t>x initialized to </a:t>
+                </a:r>
+                <a14:m>
+                  <m:oMath xmlns:m="http://schemas.openxmlformats.org/officeDocument/2006/math">
+                    <m:r>
+                      <a:rPr lang="en-US" b="0" i="1" smtClean="0">
+                        <a:latin typeface="Cambria Math" panose="02040503050406030204" pitchFamily="18" charset="0"/>
+                      </a:rPr>
+                      <m:t>∅</m:t>
+                    </m:r>
+                  </m:oMath>
+                </a14:m>
+                <a:endParaRPr lang="en-US" dirty="0"/>
+              </a:p>
+              <a:p>
+                <a:r>
+                  <a:rPr lang="en-US" dirty="0">
+                    <a:solidFill>
+                      <a:srgbClr val="FF0000"/>
+                    </a:solidFill>
+                  </a:rPr>
+                  <a:t>Input task </a:t>
+                </a:r>
+                <a:r>
+                  <a:rPr lang="en-US" dirty="0"/>
+                  <a:t>T</a:t>
+                </a:r>
+                <a:r>
+                  <a:rPr lang="en-US" baseline="-25000" dirty="0"/>
+                  <a:t>in</a:t>
+                </a:r>
+                <a:r>
+                  <a:rPr lang="en-US" dirty="0"/>
+                  <a:t> reads input value into x</a:t>
+                </a:r>
+              </a:p>
+              <a:p>
+                <a:r>
+                  <a:rPr lang="en-US" dirty="0">
+                    <a:solidFill>
+                      <a:schemeClr val="accent1"/>
+                    </a:solidFill>
+                  </a:rPr>
+                  <a:t>Output task </a:t>
+                </a:r>
+                <a:r>
+                  <a:rPr lang="en-US" dirty="0"/>
+                  <a:t>T</a:t>
+                </a:r>
+                <a:r>
+                  <a:rPr lang="en-US" baseline="-25000" dirty="0"/>
+                  <a:t>out</a:t>
+                </a:r>
+                <a:r>
+                  <a:rPr lang="en-US" dirty="0"/>
+                  <a:t> produces output if x is not empty</a:t>
+                </a:r>
+              </a:p>
+              <a:p>
+                <a:endParaRPr lang="en-US" dirty="0"/>
+              </a:p>
+            </p:txBody>
+          </p:sp>
+        </mc:Choice>
+        <mc:Fallback xmlns="">
+          <p:sp>
+            <p:nvSpPr>
+              <p:cNvPr id="2" name="Content Placeholder 1">
+                <a:extLst>
+                  <a:ext uri="{FF2B5EF4-FFF2-40B4-BE49-F238E27FC236}">
+                    <a16:creationId xmlns:a16="http://schemas.microsoft.com/office/drawing/2014/main" id="{40B842EE-9CFB-4E94-BA8E-A5BB6159A365}"/>
+                  </a:ext>
+                </a:extLst>
+              </p:cNvPr>
+              <p:cNvSpPr>
+                <a:spLocks noGrp="1" noRot="1" noChangeAspect="1" noMove="1" noResize="1" noEditPoints="1" noAdjustHandles="1" noChangeArrowheads="1" noChangeShapeType="1" noTextEdit="1"/>
+              </p:cNvSpPr>
+              <p:nvPr>
+                <p:ph idx="1"/>
+              </p:nvPr>
+            </p:nvSpPr>
+            <p:spPr>
+              <a:xfrm>
+                <a:off x="5893654" y="1332703"/>
+                <a:ext cx="5972115" cy="4351338"/>
+              </a:xfrm>
+              <a:blipFill>
+                <a:blip r:embed="rId2"/>
+                <a:stretch>
+                  <a:fillRect l="-1328" t="-2384" r="-1941"/>
+                </a:stretch>
+              </a:blipFill>
+            </p:spPr>
+            <p:txBody>
+              <a:bodyPr/>
+              <a:lstStyle/>
+              <a:p>
+                <a:r>
+                  <a:rPr lang="en-US">
+                    <a:noFill/>
+                  </a:rPr>
+                  <a:t> </a:t>
+                </a:r>
+              </a:p>
+            </p:txBody>
+          </p:sp>
+        </mc:Fallback>
+      </mc:AlternateContent>
+      <p:sp>
+        <p:nvSpPr>
+          <p:cNvPr id="3" name="Title 2">
+            <a:extLst>
+              <a:ext uri="{FF2B5EF4-FFF2-40B4-BE49-F238E27FC236}">
+                <a16:creationId xmlns:a16="http://schemas.microsoft.com/office/drawing/2014/main" id="{C89A1683-0128-4614-B590-20933FDEB3A9}"/>
+              </a:ext>
+            </a:extLst>
+          </p:cNvPr>
+          <p:cNvSpPr>
+            <a:spLocks noGrp="1"/>
+          </p:cNvSpPr>
+          <p:nvPr>
+            <p:ph type="title"/>
+          </p:nvPr>
+        </p:nvSpPr>
+        <p:spPr/>
+        <p:txBody>
+          <a:bodyPr/>
+          <a:lstStyle/>
+          <a:p>
+            <a:r>
+              <a:rPr lang="en-US" dirty="0"/>
+              <a:t>Asynchronous Reactive Component</a:t>
+            </a:r>
+          </a:p>
+        </p:txBody>
+      </p:sp>
+      <p:sp>
+        <p:nvSpPr>
+          <p:cNvPr id="4" name="Slide Number Placeholder 3">
+            <a:extLst>
+              <a:ext uri="{FF2B5EF4-FFF2-40B4-BE49-F238E27FC236}">
+                <a16:creationId xmlns:a16="http://schemas.microsoft.com/office/drawing/2014/main" id="{6CF2BA18-E1CB-4B79-AAFC-FDACD8FC3C82}"/>
+              </a:ext>
+            </a:extLst>
+          </p:cNvPr>
+          <p:cNvSpPr>
+            <a:spLocks noGrp="1"/>
+          </p:cNvSpPr>
+          <p:nvPr>
+            <p:ph type="sldNum" sz="quarter" idx="12"/>
+          </p:nvPr>
+        </p:nvSpPr>
+        <p:spPr/>
+        <p:txBody>
+          <a:bodyPr/>
+          <a:lstStyle/>
+          <a:p>
+            <a:fld id="{29AAD378-655A-49C6-813C-9FD132EF7440}" type="slidenum">
+              <a:rPr lang="en-US" smtClean="0"/>
+              <a:pPr/>
+              <a:t>42</a:t>
+            </a:fld>
+            <a:endParaRPr lang="en-US" dirty="0"/>
+          </a:p>
+        </p:txBody>
+      </p:sp>
+      <p:sp>
+        <p:nvSpPr>
+          <p:cNvPr id="9" name="TextBox 8">
+            <a:extLst>
+              <a:ext uri="{FF2B5EF4-FFF2-40B4-BE49-F238E27FC236}">
+                <a16:creationId xmlns:a16="http://schemas.microsoft.com/office/drawing/2014/main" id="{E5E15AA8-E008-4132-A078-BB325CF81928}"/>
+              </a:ext>
+            </a:extLst>
+          </p:cNvPr>
+          <p:cNvSpPr txBox="1"/>
+          <p:nvPr/>
+        </p:nvSpPr>
+        <p:spPr>
+          <a:xfrm>
+            <a:off x="4872078" y="2272658"/>
+            <a:ext cx="915635" cy="954107"/>
+          </a:xfrm>
+          <a:prstGeom prst="rect">
+            <a:avLst/>
+          </a:prstGeom>
+          <a:noFill/>
+        </p:spPr>
+        <p:txBody>
+          <a:bodyPr wrap="none" rtlCol="0">
+            <a:spAutoFit/>
+          </a:bodyPr>
+          <a:lstStyle/>
+          <a:p>
+            <a:r>
+              <a:rPr lang="en-US" sz="2800" dirty="0"/>
+              <a:t>bool </a:t>
+            </a:r>
+          </a:p>
+          <a:p>
+            <a:r>
+              <a:rPr lang="en-US" sz="2800" dirty="0">
+                <a:solidFill>
+                  <a:schemeClr val="accent1">
+                    <a:lumMod val="75000"/>
+                  </a:schemeClr>
+                </a:solidFill>
+              </a:rPr>
+              <a:t>out</a:t>
+            </a:r>
+          </a:p>
+        </p:txBody>
+      </p:sp>
+      <p:grpSp>
+        <p:nvGrpSpPr>
+          <p:cNvPr id="17" name="Group 16">
+            <a:extLst>
+              <a:ext uri="{FF2B5EF4-FFF2-40B4-BE49-F238E27FC236}">
+                <a16:creationId xmlns:a16="http://schemas.microsoft.com/office/drawing/2014/main" id="{CBBD3D74-E6B3-45E7-A43C-156493F31D06}"/>
+              </a:ext>
+            </a:extLst>
+          </p:cNvPr>
+          <p:cNvGrpSpPr/>
+          <p:nvPr/>
+        </p:nvGrpSpPr>
+        <p:grpSpPr>
+          <a:xfrm>
+            <a:off x="20042" y="1541532"/>
+            <a:ext cx="5606847" cy="3897411"/>
+            <a:chOff x="20042" y="1541532"/>
+            <a:chExt cx="5606847" cy="3897411"/>
+          </a:xfrm>
+        </p:grpSpPr>
+        <p:sp>
+          <p:nvSpPr>
+            <p:cNvPr id="5" name="Rectangle 4">
+              <a:extLst>
+                <a:ext uri="{FF2B5EF4-FFF2-40B4-BE49-F238E27FC236}">
+                  <a16:creationId xmlns:a16="http://schemas.microsoft.com/office/drawing/2014/main" id="{D872B848-46A2-40B5-9381-70B05885355E}"/>
+                </a:ext>
+              </a:extLst>
+            </p:cNvPr>
+            <p:cNvSpPr/>
+            <p:nvPr/>
+          </p:nvSpPr>
+          <p:spPr>
+            <a:xfrm>
+              <a:off x="1206585" y="1723596"/>
+              <a:ext cx="3719413" cy="3715347"/>
+            </a:xfrm>
+            <a:prstGeom prst="rect">
+              <a:avLst/>
+            </a:prstGeom>
+            <a:noFill/>
+            <a:ln w="50800">
+              <a:solidFill>
+                <a:schemeClr val="tx1"/>
+              </a:solidFill>
+            </a:ln>
+          </p:spPr>
+          <p:style>
+            <a:lnRef idx="2">
+              <a:schemeClr val="accent1">
+                <a:shade val="50000"/>
+              </a:schemeClr>
+            </a:lnRef>
+            <a:fillRef idx="1">
+              <a:schemeClr val="accent1"/>
+            </a:fillRef>
+            <a:effectRef idx="0">
+              <a:schemeClr val="accent1"/>
+            </a:effectRef>
+            <a:fontRef idx="minor">
+              <a:schemeClr val="lt1"/>
+            </a:fontRef>
+          </p:style>
+          <p:txBody>
+            <a:bodyPr rtlCol="0" anchor="ctr"/>
+            <a:lstStyle/>
+            <a:p>
+              <a:pPr algn="ctr"/>
+              <a:endParaRPr lang="en-US"/>
+            </a:p>
+          </p:txBody>
+        </p:sp>
+        <p:cxnSp>
+          <p:nvCxnSpPr>
+            <p:cNvPr id="6" name="Straight Arrow Connector 5">
+              <a:extLst>
+                <a:ext uri="{FF2B5EF4-FFF2-40B4-BE49-F238E27FC236}">
+                  <a16:creationId xmlns:a16="http://schemas.microsoft.com/office/drawing/2014/main" id="{B014A381-F3B7-46E2-BF5E-E6B0F9BDF849}"/>
+                </a:ext>
+              </a:extLst>
+            </p:cNvPr>
+            <p:cNvCxnSpPr>
+              <a:cxnSpLocks/>
+            </p:cNvCxnSpPr>
+            <p:nvPr/>
+          </p:nvCxnSpPr>
+          <p:spPr>
+            <a:xfrm>
+              <a:off x="4972811" y="2211839"/>
+              <a:ext cx="654078" cy="0"/>
+            </a:xfrm>
+            <a:prstGeom prst="straightConnector1">
+              <a:avLst/>
+            </a:prstGeom>
+            <a:ln w="31750">
+              <a:solidFill>
+                <a:schemeClr val="tx1"/>
+              </a:solidFill>
+              <a:tailEnd type="triangle" w="lg" len="lg"/>
+            </a:ln>
+          </p:spPr>
+          <p:style>
+            <a:lnRef idx="1">
+              <a:schemeClr val="accent1"/>
+            </a:lnRef>
+            <a:fillRef idx="0">
+              <a:schemeClr val="accent1"/>
+            </a:fillRef>
+            <a:effectRef idx="0">
+              <a:schemeClr val="accent1"/>
+            </a:effectRef>
+            <a:fontRef idx="minor">
+              <a:schemeClr val="tx1"/>
+            </a:fontRef>
+          </p:style>
+        </p:cxnSp>
+        <p:cxnSp>
+          <p:nvCxnSpPr>
+            <p:cNvPr id="7" name="Straight Arrow Connector 6">
+              <a:extLst>
+                <a:ext uri="{FF2B5EF4-FFF2-40B4-BE49-F238E27FC236}">
+                  <a16:creationId xmlns:a16="http://schemas.microsoft.com/office/drawing/2014/main" id="{A0FCB4D5-5532-4854-932C-734C1F85D29A}"/>
+                </a:ext>
+              </a:extLst>
+            </p:cNvPr>
+            <p:cNvCxnSpPr>
+              <a:cxnSpLocks/>
+            </p:cNvCxnSpPr>
+            <p:nvPr/>
+          </p:nvCxnSpPr>
+          <p:spPr>
+            <a:xfrm>
+              <a:off x="92208" y="2135635"/>
+              <a:ext cx="1114377" cy="0"/>
+            </a:xfrm>
+            <a:prstGeom prst="straightConnector1">
+              <a:avLst/>
+            </a:prstGeom>
+            <a:ln w="31750">
+              <a:solidFill>
+                <a:schemeClr val="tx1"/>
+              </a:solidFill>
+              <a:tailEnd type="triangle" w="lg" len="lg"/>
+            </a:ln>
+          </p:spPr>
+          <p:style>
+            <a:lnRef idx="1">
+              <a:schemeClr val="accent1"/>
+            </a:lnRef>
+            <a:fillRef idx="0">
+              <a:schemeClr val="accent1"/>
+            </a:fillRef>
+            <a:effectRef idx="0">
+              <a:schemeClr val="accent1"/>
+            </a:effectRef>
+            <a:fontRef idx="minor">
+              <a:schemeClr val="tx1"/>
+            </a:fontRef>
+          </p:style>
+        </p:cxnSp>
+        <p:sp>
+          <p:nvSpPr>
+            <p:cNvPr id="8" name="TextBox 7">
+              <a:extLst>
+                <a:ext uri="{FF2B5EF4-FFF2-40B4-BE49-F238E27FC236}">
+                  <a16:creationId xmlns:a16="http://schemas.microsoft.com/office/drawing/2014/main" id="{D555DF31-D189-4DEE-A7A0-624994297992}"/>
+                </a:ext>
+              </a:extLst>
+            </p:cNvPr>
+            <p:cNvSpPr txBox="1"/>
+            <p:nvPr/>
+          </p:nvSpPr>
+          <p:spPr>
+            <a:xfrm>
+              <a:off x="20042" y="1541532"/>
+              <a:ext cx="1186543" cy="523220"/>
+            </a:xfrm>
+            <a:prstGeom prst="rect">
+              <a:avLst/>
+            </a:prstGeom>
+            <a:noFill/>
+          </p:spPr>
+          <p:txBody>
+            <a:bodyPr wrap="none" rtlCol="0">
+              <a:spAutoFit/>
+            </a:bodyPr>
+            <a:lstStyle/>
+            <a:p>
+              <a:r>
+                <a:rPr lang="en-US" sz="2800" dirty="0" err="1"/>
+                <a:t>bool</a:t>
+              </a:r>
+              <a:r>
+                <a:rPr lang="en-US" sz="2800" dirty="0"/>
+                <a:t> </a:t>
+              </a:r>
+              <a:r>
+                <a:rPr lang="en-US" sz="2800" dirty="0">
+                  <a:solidFill>
+                    <a:srgbClr val="FF0000"/>
+                  </a:solidFill>
+                </a:rPr>
+                <a:t>in</a:t>
+              </a:r>
+            </a:p>
+          </p:txBody>
+        </p:sp>
+        <p:cxnSp>
+          <p:nvCxnSpPr>
+            <p:cNvPr id="10" name="Straight Connector 9">
+              <a:extLst>
+                <a:ext uri="{FF2B5EF4-FFF2-40B4-BE49-F238E27FC236}">
+                  <a16:creationId xmlns:a16="http://schemas.microsoft.com/office/drawing/2014/main" id="{70ECF661-C3D7-4BBC-91C1-C0FDD74F9137}"/>
+                </a:ext>
+              </a:extLst>
+            </p:cNvPr>
+            <p:cNvCxnSpPr>
+              <a:cxnSpLocks/>
+            </p:cNvCxnSpPr>
+            <p:nvPr/>
+          </p:nvCxnSpPr>
+          <p:spPr>
+            <a:xfrm>
+              <a:off x="1206585" y="2567222"/>
+              <a:ext cx="3719413" cy="0"/>
+            </a:xfrm>
+            <a:prstGeom prst="line">
+              <a:avLst/>
+            </a:prstGeom>
+            <a:ln w="50800">
+              <a:solidFill>
+                <a:schemeClr val="tx1"/>
+              </a:solidFill>
+            </a:ln>
+          </p:spPr>
+          <p:style>
+            <a:lnRef idx="1">
+              <a:schemeClr val="accent1"/>
+            </a:lnRef>
+            <a:fillRef idx="0">
+              <a:schemeClr val="accent1"/>
+            </a:fillRef>
+            <a:effectRef idx="0">
+              <a:schemeClr val="accent1"/>
+            </a:effectRef>
+            <a:fontRef idx="minor">
+              <a:schemeClr val="tx1"/>
+            </a:fontRef>
+          </p:style>
+        </p:cxnSp>
+        <mc:AlternateContent xmlns:mc="http://schemas.openxmlformats.org/markup-compatibility/2006" xmlns:a14="http://schemas.microsoft.com/office/drawing/2010/main">
+          <mc:Choice Requires="a14">
+            <p:sp>
+              <p:nvSpPr>
+                <p:cNvPr id="11" name="TextBox 10">
+                  <a:extLst>
+                    <a:ext uri="{FF2B5EF4-FFF2-40B4-BE49-F238E27FC236}">
+                      <a16:creationId xmlns:a16="http://schemas.microsoft.com/office/drawing/2014/main" id="{B02B70FC-C004-48CC-A958-20B2013485CF}"/>
+                    </a:ext>
+                  </a:extLst>
+                </p:cNvPr>
+                <p:cNvSpPr txBox="1"/>
+                <p:nvPr/>
+              </p:nvSpPr>
+              <p:spPr>
+                <a:xfrm>
+                  <a:off x="1418103" y="1803305"/>
+                  <a:ext cx="2070823" cy="591765"/>
+                </a:xfrm>
+                <a:prstGeom prst="rect">
+                  <a:avLst/>
+                </a:prstGeom>
+                <a:noFill/>
+              </p:spPr>
+              <p:txBody>
+                <a:bodyPr wrap="none" rtlCol="0">
+                  <a:spAutoFit/>
+                </a:bodyPr>
+                <a:lstStyle/>
+                <a:p>
+                  <a14:m>
+                    <m:oMath xmlns:m="http://schemas.openxmlformats.org/officeDocument/2006/math">
+                      <m:sSub>
+                        <m:sSubPr>
+                          <m:ctrlPr>
+                            <a:rPr lang="en-US" sz="3200" b="0" i="1" smtClean="0">
+                              <a:latin typeface="Cambria Math" panose="02040503050406030204" pitchFamily="18" charset="0"/>
+                            </a:rPr>
+                          </m:ctrlPr>
+                        </m:sSubPr>
+                        <m:e>
+                          <m:r>
+                            <m:rPr>
+                              <m:nor/>
+                            </m:rPr>
+                            <a:rPr lang="en-US" sz="3200" dirty="0"/>
+                            <m:t>bool</m:t>
+                          </m:r>
+                        </m:e>
+                        <m:sub>
+                          <m:r>
+                            <a:rPr lang="en-US" sz="3200" i="1">
+                              <a:latin typeface="Cambria Math" panose="02040503050406030204" pitchFamily="18" charset="0"/>
+                            </a:rPr>
+                            <m:t>∅</m:t>
+                          </m:r>
+                        </m:sub>
+                      </m:sSub>
+                    </m:oMath>
+                  </a14:m>
+                  <a:r>
+                    <a:rPr lang="en-US" sz="3200" dirty="0"/>
+                    <a:t> </a:t>
+                  </a:r>
+                  <a:r>
+                    <a:rPr lang="en-US" sz="3200" dirty="0">
+                      <a:solidFill>
+                        <a:schemeClr val="accent6">
+                          <a:lumMod val="75000"/>
+                        </a:schemeClr>
+                      </a:solidFill>
+                    </a:rPr>
+                    <a:t>x</a:t>
+                  </a:r>
+                  <a:r>
+                    <a:rPr lang="en-US" sz="3200" dirty="0"/>
+                    <a:t>:= </a:t>
+                  </a:r>
+                  <a14:m>
+                    <m:oMath xmlns:m="http://schemas.openxmlformats.org/officeDocument/2006/math">
+                      <m:r>
+                        <a:rPr lang="en-US" sz="3200" b="0" i="1" smtClean="0">
+                          <a:latin typeface="Cambria Math" panose="02040503050406030204" pitchFamily="18" charset="0"/>
+                        </a:rPr>
+                        <m:t>∅</m:t>
+                      </m:r>
+                    </m:oMath>
+                  </a14:m>
+                  <a:endParaRPr lang="en-US" sz="3200" dirty="0"/>
+                </a:p>
+              </p:txBody>
+            </p:sp>
+          </mc:Choice>
+          <mc:Fallback xmlns="">
+            <p:sp>
+              <p:nvSpPr>
+                <p:cNvPr id="11" name="TextBox 10">
+                  <a:extLst>
+                    <a:ext uri="{FF2B5EF4-FFF2-40B4-BE49-F238E27FC236}">
+                      <a16:creationId xmlns:a16="http://schemas.microsoft.com/office/drawing/2014/main" id="{B02B70FC-C004-48CC-A958-20B2013485CF}"/>
+                    </a:ext>
+                  </a:extLst>
+                </p:cNvPr>
+                <p:cNvSpPr txBox="1">
+                  <a:spLocks noRot="1" noChangeAspect="1" noMove="1" noResize="1" noEditPoints="1" noAdjustHandles="1" noChangeArrowheads="1" noChangeShapeType="1" noTextEdit="1"/>
+                </p:cNvSpPr>
+                <p:nvPr/>
+              </p:nvSpPr>
+              <p:spPr>
+                <a:xfrm>
+                  <a:off x="1418103" y="1803305"/>
+                  <a:ext cx="2070823" cy="591765"/>
+                </a:xfrm>
+                <a:prstGeom prst="rect">
+                  <a:avLst/>
+                </a:prstGeom>
+                <a:blipFill>
+                  <a:blip r:embed="rId3"/>
+                  <a:stretch>
+                    <a:fillRect t="-12371" b="-32990"/>
+                  </a:stretch>
+                </a:blipFill>
+              </p:spPr>
+              <p:txBody>
+                <a:bodyPr/>
+                <a:lstStyle/>
+                <a:p>
+                  <a:r>
+                    <a:rPr lang="en-US">
+                      <a:noFill/>
+                    </a:rPr>
+                    <a:t> </a:t>
+                  </a:r>
+                </a:p>
+              </p:txBody>
+            </p:sp>
+          </mc:Fallback>
+        </mc:AlternateContent>
+        <mc:AlternateContent xmlns:mc="http://schemas.openxmlformats.org/markup-compatibility/2006" xmlns:a14="http://schemas.microsoft.com/office/drawing/2010/main">
+          <mc:Choice Requires="a14">
+            <p:sp>
+              <p:nvSpPr>
+                <p:cNvPr id="12" name="TextBox 11">
+                  <a:extLst>
+                    <a:ext uri="{FF2B5EF4-FFF2-40B4-BE49-F238E27FC236}">
+                      <a16:creationId xmlns:a16="http://schemas.microsoft.com/office/drawing/2014/main" id="{4E62FC64-3332-41A6-B4B5-5CAEC469C150}"/>
+                    </a:ext>
+                  </a:extLst>
+                </p:cNvPr>
+                <p:cNvSpPr txBox="1"/>
+                <p:nvPr/>
+              </p:nvSpPr>
+              <p:spPr>
+                <a:xfrm>
+                  <a:off x="1418103" y="2674883"/>
+                  <a:ext cx="1784463" cy="584775"/>
+                </a:xfrm>
+                <a:prstGeom prst="rect">
+                  <a:avLst/>
+                </a:prstGeom>
+                <a:noFill/>
+              </p:spPr>
+              <p:txBody>
+                <a:bodyPr wrap="none" rtlCol="0">
+                  <a:spAutoFit/>
+                </a:bodyPr>
+                <a:lstStyle/>
+                <a:p>
+                  <a:r>
+                    <a:rPr lang="en-US" sz="3200" b="0" dirty="0"/>
+                    <a:t>T</a:t>
+                  </a:r>
+                  <a:r>
+                    <a:rPr lang="en-US" sz="3200" b="0" baseline="-25000" dirty="0"/>
+                    <a:t>in</a:t>
+                  </a:r>
+                  <a14:m>
+                    <m:oMath xmlns:m="http://schemas.openxmlformats.org/officeDocument/2006/math">
+                      <m:r>
+                        <a:rPr lang="en-US" sz="3200" b="0" i="1" smtClean="0">
+                          <a:latin typeface="Cambria Math" panose="02040503050406030204" pitchFamily="18" charset="0"/>
+                        </a:rPr>
+                        <m:t>:</m:t>
+                      </m:r>
+                    </m:oMath>
+                  </a14:m>
+                  <a:r>
+                    <a:rPr lang="en-US" sz="3200" dirty="0"/>
+                    <a:t> x := in</a:t>
+                  </a:r>
+                </a:p>
+              </p:txBody>
+            </p:sp>
+          </mc:Choice>
+          <mc:Fallback xmlns="">
+            <p:sp>
+              <p:nvSpPr>
+                <p:cNvPr id="12" name="TextBox 11">
+                  <a:extLst>
+                    <a:ext uri="{FF2B5EF4-FFF2-40B4-BE49-F238E27FC236}">
+                      <a16:creationId xmlns:a16="http://schemas.microsoft.com/office/drawing/2014/main" id="{4E62FC64-3332-41A6-B4B5-5CAEC469C150}"/>
+                    </a:ext>
+                  </a:extLst>
+                </p:cNvPr>
+                <p:cNvSpPr txBox="1">
+                  <a:spLocks noRot="1" noChangeAspect="1" noMove="1" noResize="1" noEditPoints="1" noAdjustHandles="1" noChangeArrowheads="1" noChangeShapeType="1" noTextEdit="1"/>
+                </p:cNvSpPr>
+                <p:nvPr/>
+              </p:nvSpPr>
+              <p:spPr>
+                <a:xfrm>
+                  <a:off x="1418103" y="2674883"/>
+                  <a:ext cx="1784463" cy="584775"/>
+                </a:xfrm>
+                <a:prstGeom prst="rect">
+                  <a:avLst/>
+                </a:prstGeom>
+                <a:blipFill>
+                  <a:blip r:embed="rId4"/>
+                  <a:stretch>
+                    <a:fillRect l="-8904" t="-12500" r="-7877" b="-34375"/>
+                  </a:stretch>
+                </a:blipFill>
+              </p:spPr>
+              <p:txBody>
+                <a:bodyPr/>
+                <a:lstStyle/>
+                <a:p>
+                  <a:r>
+                    <a:rPr lang="en-US">
+                      <a:noFill/>
+                    </a:rPr>
+                    <a:t> </a:t>
+                  </a:r>
+                </a:p>
+              </p:txBody>
+            </p:sp>
+          </mc:Fallback>
+        </mc:AlternateContent>
+        <mc:AlternateContent xmlns:mc="http://schemas.openxmlformats.org/markup-compatibility/2006" xmlns:a14="http://schemas.microsoft.com/office/drawing/2010/main">
+          <mc:Choice Requires="a14">
+            <p:sp>
+              <p:nvSpPr>
+                <p:cNvPr id="13" name="TextBox 12">
+                  <a:extLst>
+                    <a:ext uri="{FF2B5EF4-FFF2-40B4-BE49-F238E27FC236}">
+                      <a16:creationId xmlns:a16="http://schemas.microsoft.com/office/drawing/2014/main" id="{0231AE22-708C-4CF8-9772-E96D7C87973E}"/>
+                    </a:ext>
+                  </a:extLst>
+                </p:cNvPr>
+                <p:cNvSpPr txBox="1"/>
+                <p:nvPr/>
+              </p:nvSpPr>
+              <p:spPr>
+                <a:xfrm>
+                  <a:off x="1418102" y="3246198"/>
+                  <a:ext cx="3266022" cy="1569660"/>
+                </a:xfrm>
+                <a:prstGeom prst="rect">
+                  <a:avLst/>
+                </a:prstGeom>
+                <a:noFill/>
+              </p:spPr>
+              <p:txBody>
+                <a:bodyPr wrap="none" rtlCol="0">
+                  <a:spAutoFit/>
+                </a:bodyPr>
+                <a:lstStyle/>
+                <a:p>
+                  <a:r>
+                    <a:rPr lang="en-US" sz="3200" b="0" dirty="0"/>
+                    <a:t>T</a:t>
+                  </a:r>
+                  <a:r>
+                    <a:rPr lang="en-US" sz="3200" b="0" baseline="-25000" dirty="0"/>
+                    <a:t>out</a:t>
+                  </a:r>
+                  <a14:m>
+                    <m:oMath xmlns:m="http://schemas.openxmlformats.org/officeDocument/2006/math">
+                      <m:r>
+                        <a:rPr lang="en-US" sz="3200" b="0" i="1" smtClean="0">
+                          <a:latin typeface="Cambria Math" panose="02040503050406030204" pitchFamily="18" charset="0"/>
+                        </a:rPr>
+                        <m:t>:</m:t>
+                      </m:r>
+                    </m:oMath>
+                  </a14:m>
+                  <a:r>
+                    <a:rPr lang="en-US" sz="3200" dirty="0"/>
+                    <a:t> </a:t>
+                  </a:r>
+                </a:p>
+                <a:p>
+                  <a:r>
+                    <a:rPr lang="en-US" sz="3200" b="0" dirty="0"/>
+                    <a:t>x</a:t>
+                  </a:r>
+                  <a14:m>
+                    <m:oMath xmlns:m="http://schemas.openxmlformats.org/officeDocument/2006/math">
+                      <m:r>
+                        <a:rPr lang="en-US" sz="3200" b="0" i="0" smtClean="0">
+                          <a:latin typeface="Cambria Math" panose="02040503050406030204" pitchFamily="18" charset="0"/>
+                        </a:rPr>
+                        <m:t> </m:t>
+                      </m:r>
+                      <m:r>
+                        <a:rPr lang="en-US" sz="3200" b="0" i="1" smtClean="0">
+                          <a:latin typeface="Cambria Math" panose="02040503050406030204" pitchFamily="18" charset="0"/>
+                        </a:rPr>
+                        <m:t>≠∅→</m:t>
+                      </m:r>
+                    </m:oMath>
+                  </a14:m>
+                  <a:r>
+                    <a:rPr lang="en-US" sz="3200" dirty="0"/>
+                    <a:t> { out := x;</a:t>
+                  </a:r>
+                </a:p>
+                <a:p>
+                  <a:r>
+                    <a:rPr lang="en-US" sz="3200" dirty="0"/>
+                    <a:t>                   x := </a:t>
+                  </a:r>
+                  <a14:m>
+                    <m:oMath xmlns:m="http://schemas.openxmlformats.org/officeDocument/2006/math">
+                      <m:r>
+                        <a:rPr lang="en-US" sz="3200" b="0" i="1" smtClean="0">
+                          <a:latin typeface="Cambria Math" panose="02040503050406030204" pitchFamily="18" charset="0"/>
+                        </a:rPr>
+                        <m:t>∅</m:t>
+                      </m:r>
+                    </m:oMath>
+                  </a14:m>
+                  <a:r>
+                    <a:rPr lang="en-US" sz="3200" dirty="0"/>
+                    <a:t> } </a:t>
+                  </a:r>
+                </a:p>
+              </p:txBody>
+            </p:sp>
+          </mc:Choice>
+          <mc:Fallback xmlns="">
+            <p:sp>
+              <p:nvSpPr>
+                <p:cNvPr id="13" name="TextBox 12">
+                  <a:extLst>
+                    <a:ext uri="{FF2B5EF4-FFF2-40B4-BE49-F238E27FC236}">
+                      <a16:creationId xmlns:a16="http://schemas.microsoft.com/office/drawing/2014/main" id="{0231AE22-708C-4CF8-9772-E96D7C87973E}"/>
+                    </a:ext>
+                  </a:extLst>
+                </p:cNvPr>
+                <p:cNvSpPr txBox="1">
+                  <a:spLocks noRot="1" noChangeAspect="1" noMove="1" noResize="1" noEditPoints="1" noAdjustHandles="1" noChangeArrowheads="1" noChangeShapeType="1" noTextEdit="1"/>
+                </p:cNvSpPr>
+                <p:nvPr/>
+              </p:nvSpPr>
+              <p:spPr>
+                <a:xfrm>
+                  <a:off x="1418102" y="3246198"/>
+                  <a:ext cx="3266022" cy="1569660"/>
+                </a:xfrm>
+                <a:prstGeom prst="rect">
+                  <a:avLst/>
+                </a:prstGeom>
+                <a:blipFill>
+                  <a:blip r:embed="rId5"/>
+                  <a:stretch>
+                    <a:fillRect l="-4860" t="-4669" r="-3738" b="-12451"/>
+                  </a:stretch>
+                </a:blipFill>
+              </p:spPr>
+              <p:txBody>
+                <a:bodyPr/>
+                <a:lstStyle/>
+                <a:p>
+                  <a:r>
+                    <a:rPr lang="en-US">
+                      <a:noFill/>
+                    </a:rPr>
+                    <a:t> </a:t>
+                  </a:r>
+                </a:p>
+              </p:txBody>
+            </p:sp>
+          </mc:Fallback>
+        </mc:AlternateContent>
+      </p:grpSp>
+    </p:spTree>
+    <p:extLst>
+      <p:ext uri="{BB962C8B-B14F-4D97-AF65-F5344CB8AC3E}">
+        <p14:creationId xmlns:p14="http://schemas.microsoft.com/office/powerpoint/2010/main" val="1729372562"/>
+      </p:ext>
+    </p:extLst>
+  </p:cSld>
+  <p:clrMapOvr>
+    <a:masterClrMapping/>
+  </p:clrMapOvr>
+</p:sld>
+</file>
+
+<file path=ppt/slides/slide43.xml><?xml version="1.0" encoding="utf-8"?>
+<p:sld xmlns:a="http://schemas.openxmlformats.org/drawingml/2006/main" xmlns:r="http://schemas.openxmlformats.org/officeDocument/2006/relationships" xmlns:p="http://schemas.openxmlformats.org/presentationml/2006/main">
+  <p:cSld>
+    <p:spTree>
+      <p:nvGrpSpPr>
+        <p:cNvPr id="1" name=""/>
+        <p:cNvGrpSpPr/>
+        <p:nvPr/>
+      </p:nvGrpSpPr>
+      <p:grpSpPr>
+        <a:xfrm>
+          <a:off x="0" y="0"/>
+          <a:ext cx="0" cy="0"/>
+          <a:chOff x="0" y="0"/>
+          <a:chExt cx="0" cy="0"/>
+        </a:xfrm>
+      </p:grpSpPr>
       <p:sp>
         <p:nvSpPr>
           <p:cNvPr id="3" name="Title 2">
@@ -31001,7 +31954,7 @@
             <a:fld id="{29AAD378-655A-49C6-813C-9FD132EF7440}" type="slidenum">
               <a:rPr lang="en-US" smtClean="0"/>
               <a:pPr/>
-              <a:t>42</a:t>
+              <a:t>43</a:t>
             </a:fld>
             <a:endParaRPr lang="en-US"/>
           </a:p>
@@ -32022,1004 +32975,6 @@
 </p:sld>
 </file>
 
-<file path=ppt/slides/slide43.xml><?xml version="1.0" encoding="utf-8"?>
-<p:sld xmlns:a="http://schemas.openxmlformats.org/drawingml/2006/main" xmlns:r="http://schemas.openxmlformats.org/officeDocument/2006/relationships" xmlns:p="http://schemas.openxmlformats.org/presentationml/2006/main">
-  <p:cSld>
-    <p:spTree>
-      <p:nvGrpSpPr>
-        <p:cNvPr id="1" name=""/>
-        <p:cNvGrpSpPr/>
-        <p:nvPr/>
-      </p:nvGrpSpPr>
-      <p:grpSpPr>
-        <a:xfrm>
-          <a:off x="0" y="0"/>
-          <a:ext cx="0" cy="0"/>
-          <a:chOff x="0" y="0"/>
-          <a:chExt cx="0" cy="0"/>
-        </a:xfrm>
-      </p:grpSpPr>
-      <mc:AlternateContent xmlns:mc="http://schemas.openxmlformats.org/markup-compatibility/2006" xmlns:a14="http://schemas.microsoft.com/office/drawing/2010/main">
-        <mc:Choice Requires="a14">
-          <p:sp>
-            <p:nvSpPr>
-              <p:cNvPr id="2" name="Content Placeholder 1">
-                <a:extLst>
-                  <a:ext uri="{FF2B5EF4-FFF2-40B4-BE49-F238E27FC236}">
-                    <a16:creationId xmlns:a16="http://schemas.microsoft.com/office/drawing/2014/main" id="{40B842EE-9CFB-4E94-BA8E-A5BB6159A365}"/>
-                  </a:ext>
-                </a:extLst>
-              </p:cNvPr>
-              <p:cNvSpPr>
-                <a:spLocks noGrp="1"/>
-              </p:cNvSpPr>
-              <p:nvPr>
-                <p:ph idx="1"/>
-              </p:nvPr>
-            </p:nvSpPr>
-            <p:spPr>
-              <a:xfrm>
-                <a:off x="5893654" y="1332703"/>
-                <a:ext cx="5972115" cy="4351338"/>
-              </a:xfrm>
-            </p:spPr>
-            <p:txBody>
-              <a:bodyPr>
-                <a:normAutofit/>
-              </a:bodyPr>
-              <a:lstStyle/>
-              <a:p>
-                <a:r>
-                  <a:rPr lang="en-US" dirty="0"/>
-                  <a:t>Input channel </a:t>
-                </a:r>
-                <a:r>
-                  <a:rPr lang="en-US" dirty="0">
-                    <a:solidFill>
-                      <a:srgbClr val="FF0000"/>
-                    </a:solidFill>
-                  </a:rPr>
-                  <a:t>in </a:t>
-                </a:r>
-                <a:r>
-                  <a:rPr lang="en-US" dirty="0"/>
-                  <a:t>of type bool</a:t>
-                </a:r>
-              </a:p>
-              <a:p>
-                <a:r>
-                  <a:rPr lang="en-US" dirty="0"/>
-                  <a:t>Output channel </a:t>
-                </a:r>
-                <a:r>
-                  <a:rPr lang="en-US" dirty="0">
-                    <a:solidFill>
-                      <a:schemeClr val="accent1">
-                        <a:lumMod val="75000"/>
-                      </a:schemeClr>
-                    </a:solidFill>
-                  </a:rPr>
-                  <a:t>out </a:t>
-                </a:r>
-                <a:r>
-                  <a:rPr lang="en-US" dirty="0"/>
-                  <a:t>of type bool</a:t>
-                </a:r>
-              </a:p>
-              <a:p>
-                <a:r>
-                  <a:rPr lang="en-US" dirty="0"/>
-                  <a:t>State variable </a:t>
-                </a:r>
-                <a:r>
-                  <a:rPr lang="en-US" dirty="0">
-                    <a:solidFill>
-                      <a:schemeClr val="accent6">
-                        <a:lumMod val="75000"/>
-                      </a:schemeClr>
-                    </a:solidFill>
-                  </a:rPr>
-                  <a:t>x</a:t>
-                </a:r>
-                <a:r>
-                  <a:rPr lang="en-US" dirty="0"/>
-                  <a:t> of type bool+</a:t>
-                </a:r>
-                <a14:m>
-                  <m:oMath xmlns:m="http://schemas.openxmlformats.org/officeDocument/2006/math">
-                    <m:r>
-                      <a:rPr lang="en-US" b="0" i="1" smtClean="0">
-                        <a:latin typeface="Cambria Math" panose="02040503050406030204" pitchFamily="18" charset="0"/>
-                      </a:rPr>
-                      <m:t>∅</m:t>
-                    </m:r>
-                  </m:oMath>
-                </a14:m>
-                <a:r>
-                  <a:rPr lang="en-US" dirty="0"/>
-                  <a:t>. The value </a:t>
-                </a:r>
-                <a14:m>
-                  <m:oMath xmlns:m="http://schemas.openxmlformats.org/officeDocument/2006/math">
-                    <m:r>
-                      <a:rPr lang="en-US" b="0" i="1" smtClean="0">
-                        <a:latin typeface="Cambria Math" panose="02040503050406030204" pitchFamily="18" charset="0"/>
-                      </a:rPr>
-                      <m:t>∅</m:t>
-                    </m:r>
-                  </m:oMath>
-                </a14:m>
-                <a:r>
-                  <a:rPr lang="en-US" dirty="0"/>
-                  <a:t> indicates empty or null.</a:t>
-                </a:r>
-              </a:p>
-              <a:p>
-                <a:r>
-                  <a:rPr lang="en-US" dirty="0"/>
-                  <a:t>x initialized to </a:t>
-                </a:r>
-                <a14:m>
-                  <m:oMath xmlns:m="http://schemas.openxmlformats.org/officeDocument/2006/math">
-                    <m:r>
-                      <a:rPr lang="en-US" b="0" i="1" smtClean="0">
-                        <a:latin typeface="Cambria Math" panose="02040503050406030204" pitchFamily="18" charset="0"/>
-                      </a:rPr>
-                      <m:t>∅</m:t>
-                    </m:r>
-                  </m:oMath>
-                </a14:m>
-                <a:endParaRPr lang="en-US" dirty="0"/>
-              </a:p>
-              <a:p>
-                <a:r>
-                  <a:rPr lang="en-US" dirty="0">
-                    <a:solidFill>
-                      <a:srgbClr val="FF0000"/>
-                    </a:solidFill>
-                  </a:rPr>
-                  <a:t>Input task </a:t>
-                </a:r>
-                <a:r>
-                  <a:rPr lang="en-US" dirty="0"/>
-                  <a:t>T</a:t>
-                </a:r>
-                <a:r>
-                  <a:rPr lang="en-US" baseline="-25000" dirty="0"/>
-                  <a:t>in</a:t>
-                </a:r>
-                <a:r>
-                  <a:rPr lang="en-US" dirty="0"/>
-                  <a:t> reads input value into x</a:t>
-                </a:r>
-              </a:p>
-              <a:p>
-                <a:r>
-                  <a:rPr lang="en-US" dirty="0">
-                    <a:solidFill>
-                      <a:schemeClr val="accent1"/>
-                    </a:solidFill>
-                  </a:rPr>
-                  <a:t>Output task </a:t>
-                </a:r>
-                <a:r>
-                  <a:rPr lang="en-US" dirty="0"/>
-                  <a:t>T</a:t>
-                </a:r>
-                <a:r>
-                  <a:rPr lang="en-US" baseline="-25000" dirty="0"/>
-                  <a:t>out</a:t>
-                </a:r>
-                <a:r>
-                  <a:rPr lang="en-US" dirty="0"/>
-                  <a:t> produces output if x is not empty</a:t>
-                </a:r>
-              </a:p>
-              <a:p>
-                <a:endParaRPr lang="en-US" dirty="0"/>
-              </a:p>
-            </p:txBody>
-          </p:sp>
-        </mc:Choice>
-        <mc:Fallback xmlns="">
-          <p:sp>
-            <p:nvSpPr>
-              <p:cNvPr id="2" name="Content Placeholder 1">
-                <a:extLst>
-                  <a:ext uri="{FF2B5EF4-FFF2-40B4-BE49-F238E27FC236}">
-                    <a16:creationId xmlns:a16="http://schemas.microsoft.com/office/drawing/2014/main" id="{40B842EE-9CFB-4E94-BA8E-A5BB6159A365}"/>
-                  </a:ext>
-                </a:extLst>
-              </p:cNvPr>
-              <p:cNvSpPr>
-                <a:spLocks noGrp="1" noRot="1" noChangeAspect="1" noMove="1" noResize="1" noEditPoints="1" noAdjustHandles="1" noChangeArrowheads="1" noChangeShapeType="1" noTextEdit="1"/>
-              </p:cNvSpPr>
-              <p:nvPr>
-                <p:ph idx="1"/>
-              </p:nvPr>
-            </p:nvSpPr>
-            <p:spPr>
-              <a:xfrm>
-                <a:off x="5893654" y="1332703"/>
-                <a:ext cx="5972115" cy="4351338"/>
-              </a:xfrm>
-              <a:blipFill>
-                <a:blip r:embed="rId2"/>
-                <a:stretch>
-                  <a:fillRect l="-1328" t="-2384" r="-1941"/>
-                </a:stretch>
-              </a:blipFill>
-            </p:spPr>
-            <p:txBody>
-              <a:bodyPr/>
-              <a:lstStyle/>
-              <a:p>
-                <a:r>
-                  <a:rPr lang="en-US">
-                    <a:noFill/>
-                  </a:rPr>
-                  <a:t> </a:t>
-                </a:r>
-              </a:p>
-            </p:txBody>
-          </p:sp>
-        </mc:Fallback>
-      </mc:AlternateContent>
-      <p:sp>
-        <p:nvSpPr>
-          <p:cNvPr id="3" name="Title 2">
-            <a:extLst>
-              <a:ext uri="{FF2B5EF4-FFF2-40B4-BE49-F238E27FC236}">
-                <a16:creationId xmlns:a16="http://schemas.microsoft.com/office/drawing/2014/main" id="{C89A1683-0128-4614-B590-20933FDEB3A9}"/>
-              </a:ext>
-            </a:extLst>
-          </p:cNvPr>
-          <p:cNvSpPr>
-            <a:spLocks noGrp="1"/>
-          </p:cNvSpPr>
-          <p:nvPr>
-            <p:ph type="title"/>
-          </p:nvPr>
-        </p:nvSpPr>
-        <p:spPr/>
-        <p:txBody>
-          <a:bodyPr/>
-          <a:lstStyle/>
-          <a:p>
-            <a:r>
-              <a:rPr lang="en-US" dirty="0"/>
-              <a:t>Asynchronous Reactive Component</a:t>
-            </a:r>
-          </a:p>
-        </p:txBody>
-      </p:sp>
-      <p:sp>
-        <p:nvSpPr>
-          <p:cNvPr id="4" name="Slide Number Placeholder 3">
-            <a:extLst>
-              <a:ext uri="{FF2B5EF4-FFF2-40B4-BE49-F238E27FC236}">
-                <a16:creationId xmlns:a16="http://schemas.microsoft.com/office/drawing/2014/main" id="{6CF2BA18-E1CB-4B79-AAFC-FDACD8FC3C82}"/>
-              </a:ext>
-            </a:extLst>
-          </p:cNvPr>
-          <p:cNvSpPr>
-            <a:spLocks noGrp="1"/>
-          </p:cNvSpPr>
-          <p:nvPr>
-            <p:ph type="sldNum" sz="quarter" idx="12"/>
-          </p:nvPr>
-        </p:nvSpPr>
-        <p:spPr/>
-        <p:txBody>
-          <a:bodyPr/>
-          <a:lstStyle/>
-          <a:p>
-            <a:fld id="{29AAD378-655A-49C6-813C-9FD132EF7440}" type="slidenum">
-              <a:rPr lang="en-US" smtClean="0"/>
-              <a:pPr/>
-              <a:t>43</a:t>
-            </a:fld>
-            <a:endParaRPr lang="en-US" dirty="0"/>
-          </a:p>
-        </p:txBody>
-      </p:sp>
-      <p:sp>
-        <p:nvSpPr>
-          <p:cNvPr id="9" name="TextBox 8">
-            <a:extLst>
-              <a:ext uri="{FF2B5EF4-FFF2-40B4-BE49-F238E27FC236}">
-                <a16:creationId xmlns:a16="http://schemas.microsoft.com/office/drawing/2014/main" id="{E5E15AA8-E008-4132-A078-BB325CF81928}"/>
-              </a:ext>
-            </a:extLst>
-          </p:cNvPr>
-          <p:cNvSpPr txBox="1"/>
-          <p:nvPr/>
-        </p:nvSpPr>
-        <p:spPr>
-          <a:xfrm>
-            <a:off x="4872078" y="2272658"/>
-            <a:ext cx="915635" cy="954107"/>
-          </a:xfrm>
-          <a:prstGeom prst="rect">
-            <a:avLst/>
-          </a:prstGeom>
-          <a:noFill/>
-        </p:spPr>
-        <p:txBody>
-          <a:bodyPr wrap="none" rtlCol="0">
-            <a:spAutoFit/>
-          </a:bodyPr>
-          <a:lstStyle/>
-          <a:p>
-            <a:r>
-              <a:rPr lang="en-US" sz="2800" dirty="0"/>
-              <a:t>bool </a:t>
-            </a:r>
-          </a:p>
-          <a:p>
-            <a:r>
-              <a:rPr lang="en-US" sz="2800" dirty="0">
-                <a:solidFill>
-                  <a:schemeClr val="accent1">
-                    <a:lumMod val="75000"/>
-                  </a:schemeClr>
-                </a:solidFill>
-              </a:rPr>
-              <a:t>out</a:t>
-            </a:r>
-          </a:p>
-        </p:txBody>
-      </p:sp>
-      <p:grpSp>
-        <p:nvGrpSpPr>
-          <p:cNvPr id="17" name="Group 16">
-            <a:extLst>
-              <a:ext uri="{FF2B5EF4-FFF2-40B4-BE49-F238E27FC236}">
-                <a16:creationId xmlns:a16="http://schemas.microsoft.com/office/drawing/2014/main" id="{CBBD3D74-E6B3-45E7-A43C-156493F31D06}"/>
-              </a:ext>
-            </a:extLst>
-          </p:cNvPr>
-          <p:cNvGrpSpPr/>
-          <p:nvPr/>
-        </p:nvGrpSpPr>
-        <p:grpSpPr>
-          <a:xfrm>
-            <a:off x="20042" y="1541532"/>
-            <a:ext cx="5606847" cy="3897411"/>
-            <a:chOff x="20042" y="1541532"/>
-            <a:chExt cx="5606847" cy="3897411"/>
-          </a:xfrm>
-        </p:grpSpPr>
-        <p:sp>
-          <p:nvSpPr>
-            <p:cNvPr id="5" name="Rectangle 4">
-              <a:extLst>
-                <a:ext uri="{FF2B5EF4-FFF2-40B4-BE49-F238E27FC236}">
-                  <a16:creationId xmlns:a16="http://schemas.microsoft.com/office/drawing/2014/main" id="{D872B848-46A2-40B5-9381-70B05885355E}"/>
-                </a:ext>
-              </a:extLst>
-            </p:cNvPr>
-            <p:cNvSpPr/>
-            <p:nvPr/>
-          </p:nvSpPr>
-          <p:spPr>
-            <a:xfrm>
-              <a:off x="1206585" y="1723596"/>
-              <a:ext cx="3719413" cy="3715347"/>
-            </a:xfrm>
-            <a:prstGeom prst="rect">
-              <a:avLst/>
-            </a:prstGeom>
-            <a:noFill/>
-            <a:ln w="50800">
-              <a:solidFill>
-                <a:schemeClr val="tx1"/>
-              </a:solidFill>
-            </a:ln>
-          </p:spPr>
-          <p:style>
-            <a:lnRef idx="2">
-              <a:schemeClr val="accent1">
-                <a:shade val="50000"/>
-              </a:schemeClr>
-            </a:lnRef>
-            <a:fillRef idx="1">
-              <a:schemeClr val="accent1"/>
-            </a:fillRef>
-            <a:effectRef idx="0">
-              <a:schemeClr val="accent1"/>
-            </a:effectRef>
-            <a:fontRef idx="minor">
-              <a:schemeClr val="lt1"/>
-            </a:fontRef>
-          </p:style>
-          <p:txBody>
-            <a:bodyPr rtlCol="0" anchor="ctr"/>
-            <a:lstStyle/>
-            <a:p>
-              <a:pPr algn="ctr"/>
-              <a:endParaRPr lang="en-US"/>
-            </a:p>
-          </p:txBody>
-        </p:sp>
-        <p:cxnSp>
-          <p:nvCxnSpPr>
-            <p:cNvPr id="6" name="Straight Arrow Connector 5">
-              <a:extLst>
-                <a:ext uri="{FF2B5EF4-FFF2-40B4-BE49-F238E27FC236}">
-                  <a16:creationId xmlns:a16="http://schemas.microsoft.com/office/drawing/2014/main" id="{B014A381-F3B7-46E2-BF5E-E6B0F9BDF849}"/>
-                </a:ext>
-              </a:extLst>
-            </p:cNvPr>
-            <p:cNvCxnSpPr>
-              <a:cxnSpLocks/>
-            </p:cNvCxnSpPr>
-            <p:nvPr/>
-          </p:nvCxnSpPr>
-          <p:spPr>
-            <a:xfrm>
-              <a:off x="4972811" y="2211839"/>
-              <a:ext cx="654078" cy="0"/>
-            </a:xfrm>
-            <a:prstGeom prst="straightConnector1">
-              <a:avLst/>
-            </a:prstGeom>
-            <a:ln w="31750">
-              <a:solidFill>
-                <a:schemeClr val="tx1"/>
-              </a:solidFill>
-              <a:tailEnd type="triangle" w="lg" len="lg"/>
-            </a:ln>
-          </p:spPr>
-          <p:style>
-            <a:lnRef idx="1">
-              <a:schemeClr val="accent1"/>
-            </a:lnRef>
-            <a:fillRef idx="0">
-              <a:schemeClr val="accent1"/>
-            </a:fillRef>
-            <a:effectRef idx="0">
-              <a:schemeClr val="accent1"/>
-            </a:effectRef>
-            <a:fontRef idx="minor">
-              <a:schemeClr val="tx1"/>
-            </a:fontRef>
-          </p:style>
-        </p:cxnSp>
-        <p:cxnSp>
-          <p:nvCxnSpPr>
-            <p:cNvPr id="7" name="Straight Arrow Connector 6">
-              <a:extLst>
-                <a:ext uri="{FF2B5EF4-FFF2-40B4-BE49-F238E27FC236}">
-                  <a16:creationId xmlns:a16="http://schemas.microsoft.com/office/drawing/2014/main" id="{A0FCB4D5-5532-4854-932C-734C1F85D29A}"/>
-                </a:ext>
-              </a:extLst>
-            </p:cNvPr>
-            <p:cNvCxnSpPr>
-              <a:cxnSpLocks/>
-            </p:cNvCxnSpPr>
-            <p:nvPr/>
-          </p:nvCxnSpPr>
-          <p:spPr>
-            <a:xfrm>
-              <a:off x="92208" y="2135635"/>
-              <a:ext cx="1114377" cy="0"/>
-            </a:xfrm>
-            <a:prstGeom prst="straightConnector1">
-              <a:avLst/>
-            </a:prstGeom>
-            <a:ln w="31750">
-              <a:solidFill>
-                <a:schemeClr val="tx1"/>
-              </a:solidFill>
-              <a:tailEnd type="triangle" w="lg" len="lg"/>
-            </a:ln>
-          </p:spPr>
-          <p:style>
-            <a:lnRef idx="1">
-              <a:schemeClr val="accent1"/>
-            </a:lnRef>
-            <a:fillRef idx="0">
-              <a:schemeClr val="accent1"/>
-            </a:fillRef>
-            <a:effectRef idx="0">
-              <a:schemeClr val="accent1"/>
-            </a:effectRef>
-            <a:fontRef idx="minor">
-              <a:schemeClr val="tx1"/>
-            </a:fontRef>
-          </p:style>
-        </p:cxnSp>
-        <p:sp>
-          <p:nvSpPr>
-            <p:cNvPr id="8" name="TextBox 7">
-              <a:extLst>
-                <a:ext uri="{FF2B5EF4-FFF2-40B4-BE49-F238E27FC236}">
-                  <a16:creationId xmlns:a16="http://schemas.microsoft.com/office/drawing/2014/main" id="{D555DF31-D189-4DEE-A7A0-624994297992}"/>
-                </a:ext>
-              </a:extLst>
-            </p:cNvPr>
-            <p:cNvSpPr txBox="1"/>
-            <p:nvPr/>
-          </p:nvSpPr>
-          <p:spPr>
-            <a:xfrm>
-              <a:off x="20042" y="1541532"/>
-              <a:ext cx="1186543" cy="523220"/>
-            </a:xfrm>
-            <a:prstGeom prst="rect">
-              <a:avLst/>
-            </a:prstGeom>
-            <a:noFill/>
-          </p:spPr>
-          <p:txBody>
-            <a:bodyPr wrap="none" rtlCol="0">
-              <a:spAutoFit/>
-            </a:bodyPr>
-            <a:lstStyle/>
-            <a:p>
-              <a:r>
-                <a:rPr lang="en-US" sz="2800" dirty="0" err="1"/>
-                <a:t>bool</a:t>
-              </a:r>
-              <a:r>
-                <a:rPr lang="en-US" sz="2800" dirty="0"/>
-                <a:t> </a:t>
-              </a:r>
-              <a:r>
-                <a:rPr lang="en-US" sz="2800" dirty="0">
-                  <a:solidFill>
-                    <a:srgbClr val="FF0000"/>
-                  </a:solidFill>
-                </a:rPr>
-                <a:t>in</a:t>
-              </a:r>
-            </a:p>
-          </p:txBody>
-        </p:sp>
-        <p:cxnSp>
-          <p:nvCxnSpPr>
-            <p:cNvPr id="10" name="Straight Connector 9">
-              <a:extLst>
-                <a:ext uri="{FF2B5EF4-FFF2-40B4-BE49-F238E27FC236}">
-                  <a16:creationId xmlns:a16="http://schemas.microsoft.com/office/drawing/2014/main" id="{70ECF661-C3D7-4BBC-91C1-C0FDD74F9137}"/>
-                </a:ext>
-              </a:extLst>
-            </p:cNvPr>
-            <p:cNvCxnSpPr>
-              <a:cxnSpLocks/>
-            </p:cNvCxnSpPr>
-            <p:nvPr/>
-          </p:nvCxnSpPr>
-          <p:spPr>
-            <a:xfrm>
-              <a:off x="1206585" y="2567222"/>
-              <a:ext cx="3719413" cy="0"/>
-            </a:xfrm>
-            <a:prstGeom prst="line">
-              <a:avLst/>
-            </a:prstGeom>
-            <a:ln w="50800">
-              <a:solidFill>
-                <a:schemeClr val="tx1"/>
-              </a:solidFill>
-            </a:ln>
-          </p:spPr>
-          <p:style>
-            <a:lnRef idx="1">
-              <a:schemeClr val="accent1"/>
-            </a:lnRef>
-            <a:fillRef idx="0">
-              <a:schemeClr val="accent1"/>
-            </a:fillRef>
-            <a:effectRef idx="0">
-              <a:schemeClr val="accent1"/>
-            </a:effectRef>
-            <a:fontRef idx="minor">
-              <a:schemeClr val="tx1"/>
-            </a:fontRef>
-          </p:style>
-        </p:cxnSp>
-        <mc:AlternateContent xmlns:mc="http://schemas.openxmlformats.org/markup-compatibility/2006" xmlns:a14="http://schemas.microsoft.com/office/drawing/2010/main">
-          <mc:Choice Requires="a14">
-            <p:sp>
-              <p:nvSpPr>
-                <p:cNvPr id="11" name="TextBox 10">
-                  <a:extLst>
-                    <a:ext uri="{FF2B5EF4-FFF2-40B4-BE49-F238E27FC236}">
-                      <a16:creationId xmlns:a16="http://schemas.microsoft.com/office/drawing/2014/main" id="{B02B70FC-C004-48CC-A958-20B2013485CF}"/>
-                    </a:ext>
-                  </a:extLst>
-                </p:cNvPr>
-                <p:cNvSpPr txBox="1"/>
-                <p:nvPr/>
-              </p:nvSpPr>
-              <p:spPr>
-                <a:xfrm>
-                  <a:off x="1418103" y="1803305"/>
-                  <a:ext cx="2070823" cy="591765"/>
-                </a:xfrm>
-                <a:prstGeom prst="rect">
-                  <a:avLst/>
-                </a:prstGeom>
-                <a:noFill/>
-              </p:spPr>
-              <p:txBody>
-                <a:bodyPr wrap="none" rtlCol="0">
-                  <a:spAutoFit/>
-                </a:bodyPr>
-                <a:lstStyle/>
-                <a:p>
-                  <a14:m>
-                    <m:oMath xmlns:m="http://schemas.openxmlformats.org/officeDocument/2006/math">
-                      <m:sSub>
-                        <m:sSubPr>
-                          <m:ctrlPr>
-                            <a:rPr lang="en-US" sz="3200" b="0" i="1" smtClean="0">
-                              <a:latin typeface="Cambria Math" panose="02040503050406030204" pitchFamily="18" charset="0"/>
-                            </a:rPr>
-                          </m:ctrlPr>
-                        </m:sSubPr>
-                        <m:e>
-                          <m:r>
-                            <m:rPr>
-                              <m:nor/>
-                            </m:rPr>
-                            <a:rPr lang="en-US" sz="3200" dirty="0"/>
-                            <m:t>bool</m:t>
-                          </m:r>
-                        </m:e>
-                        <m:sub>
-                          <m:r>
-                            <a:rPr lang="en-US" sz="3200" i="1">
-                              <a:latin typeface="Cambria Math" panose="02040503050406030204" pitchFamily="18" charset="0"/>
-                            </a:rPr>
-                            <m:t>∅</m:t>
-                          </m:r>
-                        </m:sub>
-                      </m:sSub>
-                    </m:oMath>
-                  </a14:m>
-                  <a:r>
-                    <a:rPr lang="en-US" sz="3200" dirty="0"/>
-                    <a:t> </a:t>
-                  </a:r>
-                  <a:r>
-                    <a:rPr lang="en-US" sz="3200" dirty="0">
-                      <a:solidFill>
-                        <a:schemeClr val="accent6">
-                          <a:lumMod val="75000"/>
-                        </a:schemeClr>
-                      </a:solidFill>
-                    </a:rPr>
-                    <a:t>x</a:t>
-                  </a:r>
-                  <a:r>
-                    <a:rPr lang="en-US" sz="3200" dirty="0"/>
-                    <a:t>:= </a:t>
-                  </a:r>
-                  <a14:m>
-                    <m:oMath xmlns:m="http://schemas.openxmlformats.org/officeDocument/2006/math">
-                      <m:r>
-                        <a:rPr lang="en-US" sz="3200" b="0" i="1" smtClean="0">
-                          <a:latin typeface="Cambria Math" panose="02040503050406030204" pitchFamily="18" charset="0"/>
-                        </a:rPr>
-                        <m:t>∅</m:t>
-                      </m:r>
-                    </m:oMath>
-                  </a14:m>
-                  <a:endParaRPr lang="en-US" sz="3200" dirty="0"/>
-                </a:p>
-              </p:txBody>
-            </p:sp>
-          </mc:Choice>
-          <mc:Fallback xmlns="">
-            <p:sp>
-              <p:nvSpPr>
-                <p:cNvPr id="11" name="TextBox 10">
-                  <a:extLst>
-                    <a:ext uri="{FF2B5EF4-FFF2-40B4-BE49-F238E27FC236}">
-                      <a16:creationId xmlns:a16="http://schemas.microsoft.com/office/drawing/2014/main" id="{B02B70FC-C004-48CC-A958-20B2013485CF}"/>
-                    </a:ext>
-                  </a:extLst>
-                </p:cNvPr>
-                <p:cNvSpPr txBox="1">
-                  <a:spLocks noRot="1" noChangeAspect="1" noMove="1" noResize="1" noEditPoints="1" noAdjustHandles="1" noChangeArrowheads="1" noChangeShapeType="1" noTextEdit="1"/>
-                </p:cNvSpPr>
-                <p:nvPr/>
-              </p:nvSpPr>
-              <p:spPr>
-                <a:xfrm>
-                  <a:off x="1418103" y="1803305"/>
-                  <a:ext cx="2070823" cy="591765"/>
-                </a:xfrm>
-                <a:prstGeom prst="rect">
-                  <a:avLst/>
-                </a:prstGeom>
-                <a:blipFill>
-                  <a:blip r:embed="rId3"/>
-                  <a:stretch>
-                    <a:fillRect t="-12371" b="-32990"/>
-                  </a:stretch>
-                </a:blipFill>
-              </p:spPr>
-              <p:txBody>
-                <a:bodyPr/>
-                <a:lstStyle/>
-                <a:p>
-                  <a:r>
-                    <a:rPr lang="en-US">
-                      <a:noFill/>
-                    </a:rPr>
-                    <a:t> </a:t>
-                  </a:r>
-                </a:p>
-              </p:txBody>
-            </p:sp>
-          </mc:Fallback>
-        </mc:AlternateContent>
-        <mc:AlternateContent xmlns:mc="http://schemas.openxmlformats.org/markup-compatibility/2006" xmlns:a14="http://schemas.microsoft.com/office/drawing/2010/main">
-          <mc:Choice Requires="a14">
-            <p:sp>
-              <p:nvSpPr>
-                <p:cNvPr id="12" name="TextBox 11">
-                  <a:extLst>
-                    <a:ext uri="{FF2B5EF4-FFF2-40B4-BE49-F238E27FC236}">
-                      <a16:creationId xmlns:a16="http://schemas.microsoft.com/office/drawing/2014/main" id="{4E62FC64-3332-41A6-B4B5-5CAEC469C150}"/>
-                    </a:ext>
-                  </a:extLst>
-                </p:cNvPr>
-                <p:cNvSpPr txBox="1"/>
-                <p:nvPr/>
-              </p:nvSpPr>
-              <p:spPr>
-                <a:xfrm>
-                  <a:off x="1418103" y="2674883"/>
-                  <a:ext cx="1784463" cy="584775"/>
-                </a:xfrm>
-                <a:prstGeom prst="rect">
-                  <a:avLst/>
-                </a:prstGeom>
-                <a:noFill/>
-              </p:spPr>
-              <p:txBody>
-                <a:bodyPr wrap="none" rtlCol="0">
-                  <a:spAutoFit/>
-                </a:bodyPr>
-                <a:lstStyle/>
-                <a:p>
-                  <a:r>
-                    <a:rPr lang="en-US" sz="3200" b="0" dirty="0"/>
-                    <a:t>T</a:t>
-                  </a:r>
-                  <a:r>
-                    <a:rPr lang="en-US" sz="3200" b="0" baseline="-25000" dirty="0"/>
-                    <a:t>in</a:t>
-                  </a:r>
-                  <a14:m>
-                    <m:oMath xmlns:m="http://schemas.openxmlformats.org/officeDocument/2006/math">
-                      <m:r>
-                        <a:rPr lang="en-US" sz="3200" b="0" i="1" smtClean="0">
-                          <a:latin typeface="Cambria Math" panose="02040503050406030204" pitchFamily="18" charset="0"/>
-                        </a:rPr>
-                        <m:t>:</m:t>
-                      </m:r>
-                    </m:oMath>
-                  </a14:m>
-                  <a:r>
-                    <a:rPr lang="en-US" sz="3200" dirty="0"/>
-                    <a:t> x := in</a:t>
-                  </a:r>
-                </a:p>
-              </p:txBody>
-            </p:sp>
-          </mc:Choice>
-          <mc:Fallback xmlns="">
-            <p:sp>
-              <p:nvSpPr>
-                <p:cNvPr id="12" name="TextBox 11">
-                  <a:extLst>
-                    <a:ext uri="{FF2B5EF4-FFF2-40B4-BE49-F238E27FC236}">
-                      <a16:creationId xmlns:a16="http://schemas.microsoft.com/office/drawing/2014/main" id="{4E62FC64-3332-41A6-B4B5-5CAEC469C150}"/>
-                    </a:ext>
-                  </a:extLst>
-                </p:cNvPr>
-                <p:cNvSpPr txBox="1">
-                  <a:spLocks noRot="1" noChangeAspect="1" noMove="1" noResize="1" noEditPoints="1" noAdjustHandles="1" noChangeArrowheads="1" noChangeShapeType="1" noTextEdit="1"/>
-                </p:cNvSpPr>
-                <p:nvPr/>
-              </p:nvSpPr>
-              <p:spPr>
-                <a:xfrm>
-                  <a:off x="1418103" y="2674883"/>
-                  <a:ext cx="1784463" cy="584775"/>
-                </a:xfrm>
-                <a:prstGeom prst="rect">
-                  <a:avLst/>
-                </a:prstGeom>
-                <a:blipFill>
-                  <a:blip r:embed="rId4"/>
-                  <a:stretch>
-                    <a:fillRect l="-8904" t="-12500" r="-7877" b="-34375"/>
-                  </a:stretch>
-                </a:blipFill>
-              </p:spPr>
-              <p:txBody>
-                <a:bodyPr/>
-                <a:lstStyle/>
-                <a:p>
-                  <a:r>
-                    <a:rPr lang="en-US">
-                      <a:noFill/>
-                    </a:rPr>
-                    <a:t> </a:t>
-                  </a:r>
-                </a:p>
-              </p:txBody>
-            </p:sp>
-          </mc:Fallback>
-        </mc:AlternateContent>
-        <mc:AlternateContent xmlns:mc="http://schemas.openxmlformats.org/markup-compatibility/2006" xmlns:a14="http://schemas.microsoft.com/office/drawing/2010/main">
-          <mc:Choice Requires="a14">
-            <p:sp>
-              <p:nvSpPr>
-                <p:cNvPr id="13" name="TextBox 12">
-                  <a:extLst>
-                    <a:ext uri="{FF2B5EF4-FFF2-40B4-BE49-F238E27FC236}">
-                      <a16:creationId xmlns:a16="http://schemas.microsoft.com/office/drawing/2014/main" id="{0231AE22-708C-4CF8-9772-E96D7C87973E}"/>
-                    </a:ext>
-                  </a:extLst>
-                </p:cNvPr>
-                <p:cNvSpPr txBox="1"/>
-                <p:nvPr/>
-              </p:nvSpPr>
-              <p:spPr>
-                <a:xfrm>
-                  <a:off x="1418102" y="3246198"/>
-                  <a:ext cx="3266022" cy="1569660"/>
-                </a:xfrm>
-                <a:prstGeom prst="rect">
-                  <a:avLst/>
-                </a:prstGeom>
-                <a:noFill/>
-              </p:spPr>
-              <p:txBody>
-                <a:bodyPr wrap="none" rtlCol="0">
-                  <a:spAutoFit/>
-                </a:bodyPr>
-                <a:lstStyle/>
-                <a:p>
-                  <a:r>
-                    <a:rPr lang="en-US" sz="3200" b="0" dirty="0"/>
-                    <a:t>T</a:t>
-                  </a:r>
-                  <a:r>
-                    <a:rPr lang="en-US" sz="3200" b="0" baseline="-25000" dirty="0"/>
-                    <a:t>out</a:t>
-                  </a:r>
-                  <a14:m>
-                    <m:oMath xmlns:m="http://schemas.openxmlformats.org/officeDocument/2006/math">
-                      <m:r>
-                        <a:rPr lang="en-US" sz="3200" b="0" i="1" smtClean="0">
-                          <a:latin typeface="Cambria Math" panose="02040503050406030204" pitchFamily="18" charset="0"/>
-                        </a:rPr>
-                        <m:t>:</m:t>
-                      </m:r>
-                    </m:oMath>
-                  </a14:m>
-                  <a:r>
-                    <a:rPr lang="en-US" sz="3200" dirty="0"/>
-                    <a:t> </a:t>
-                  </a:r>
-                </a:p>
-                <a:p>
-                  <a:r>
-                    <a:rPr lang="en-US" sz="3200" b="0" dirty="0"/>
-                    <a:t>x</a:t>
-                  </a:r>
-                  <a14:m>
-                    <m:oMath xmlns:m="http://schemas.openxmlformats.org/officeDocument/2006/math">
-                      <m:r>
-                        <a:rPr lang="en-US" sz="3200" b="0" i="0" smtClean="0">
-                          <a:latin typeface="Cambria Math" panose="02040503050406030204" pitchFamily="18" charset="0"/>
-                        </a:rPr>
-                        <m:t> </m:t>
-                      </m:r>
-                      <m:r>
-                        <a:rPr lang="en-US" sz="3200" b="0" i="1" smtClean="0">
-                          <a:latin typeface="Cambria Math" panose="02040503050406030204" pitchFamily="18" charset="0"/>
-                        </a:rPr>
-                        <m:t>≠∅→</m:t>
-                      </m:r>
-                    </m:oMath>
-                  </a14:m>
-                  <a:r>
-                    <a:rPr lang="en-US" sz="3200" dirty="0"/>
-                    <a:t> { out := x;</a:t>
-                  </a:r>
-                </a:p>
-                <a:p>
-                  <a:r>
-                    <a:rPr lang="en-US" sz="3200" dirty="0"/>
-                    <a:t>                   x := </a:t>
-                  </a:r>
-                  <a14:m>
-                    <m:oMath xmlns:m="http://schemas.openxmlformats.org/officeDocument/2006/math">
-                      <m:r>
-                        <a:rPr lang="en-US" sz="3200" b="0" i="1" smtClean="0">
-                          <a:latin typeface="Cambria Math" panose="02040503050406030204" pitchFamily="18" charset="0"/>
-                        </a:rPr>
-                        <m:t>∅</m:t>
-                      </m:r>
-                    </m:oMath>
-                  </a14:m>
-                  <a:r>
-                    <a:rPr lang="en-US" sz="3200" dirty="0"/>
-                    <a:t> } </a:t>
-                  </a:r>
-                </a:p>
-              </p:txBody>
-            </p:sp>
-          </mc:Choice>
-          <mc:Fallback xmlns="">
-            <p:sp>
-              <p:nvSpPr>
-                <p:cNvPr id="13" name="TextBox 12">
-                  <a:extLst>
-                    <a:ext uri="{FF2B5EF4-FFF2-40B4-BE49-F238E27FC236}">
-                      <a16:creationId xmlns:a16="http://schemas.microsoft.com/office/drawing/2014/main" id="{0231AE22-708C-4CF8-9772-E96D7C87973E}"/>
-                    </a:ext>
-                  </a:extLst>
-                </p:cNvPr>
-                <p:cNvSpPr txBox="1">
-                  <a:spLocks noRot="1" noChangeAspect="1" noMove="1" noResize="1" noEditPoints="1" noAdjustHandles="1" noChangeArrowheads="1" noChangeShapeType="1" noTextEdit="1"/>
-                </p:cNvSpPr>
-                <p:nvPr/>
-              </p:nvSpPr>
-              <p:spPr>
-                <a:xfrm>
-                  <a:off x="1418102" y="3246198"/>
-                  <a:ext cx="3266022" cy="1569660"/>
-                </a:xfrm>
-                <a:prstGeom prst="rect">
-                  <a:avLst/>
-                </a:prstGeom>
-                <a:blipFill>
-                  <a:blip r:embed="rId5"/>
-                  <a:stretch>
-                    <a:fillRect l="-4860" t="-4669" r="-3738" b="-12451"/>
-                  </a:stretch>
-                </a:blipFill>
-              </p:spPr>
-              <p:txBody>
-                <a:bodyPr/>
-                <a:lstStyle/>
-                <a:p>
-                  <a:r>
-                    <a:rPr lang="en-US">
-                      <a:noFill/>
-                    </a:rPr>
-                    <a:t> </a:t>
-                  </a:r>
-                </a:p>
-              </p:txBody>
-            </p:sp>
-          </mc:Fallback>
-        </mc:AlternateContent>
-      </p:grpSp>
-    </p:spTree>
-    <p:extLst>
-      <p:ext uri="{BB962C8B-B14F-4D97-AF65-F5344CB8AC3E}">
-        <p14:creationId xmlns:p14="http://schemas.microsoft.com/office/powerpoint/2010/main" val="1729372562"/>
-      </p:ext>
-    </p:extLst>
-  </p:cSld>
-  <p:clrMapOvr>
-    <a:masterClrMapping/>
-  </p:clrMapOvr>
-</p:sld>
-</file>
-
 <file path=ppt/slides/slide44.xml><?xml version="1.0" encoding="utf-8"?>
 <p:sld xmlns:a="http://schemas.openxmlformats.org/drawingml/2006/main" xmlns:r="http://schemas.openxmlformats.org/officeDocument/2006/relationships" xmlns:p="http://schemas.openxmlformats.org/presentationml/2006/main">
   <p:cSld>
@@ -33073,7 +33028,15 @@
           <a:p>
             <a:r>
               <a:rPr lang="en-US" dirty="0"/>
-              <a:t>Task can be executed only if it is enabled (i.e., if its guard condition is true)</a:t>
+              <a:t>Task can be executed </a:t>
+            </a:r>
+            <a:r>
+              <a:rPr lang="en-US" i="1" dirty="0"/>
+              <a:t>only if it is enabled </a:t>
+            </a:r>
+            <a:r>
+              <a:rPr lang="en-US" dirty="0"/>
+              <a:t>(guard condition is true)</a:t>
             </a:r>
           </a:p>
           <a:p>
@@ -37000,7 +36963,7 @@
 </file>
 
 <file path=ppt/slides/slide47.xml><?xml version="1.0" encoding="utf-8"?>
-<p:sld xmlns:a="http://schemas.openxmlformats.org/drawingml/2006/main" xmlns:r="http://schemas.openxmlformats.org/officeDocument/2006/relationships" xmlns:p="http://schemas.openxmlformats.org/presentationml/2006/main">
+<p:sld xmlns:a="http://schemas.openxmlformats.org/drawingml/2006/main" xmlns:r="http://schemas.openxmlformats.org/officeDocument/2006/relationships" xmlns:p="http://schemas.openxmlformats.org/presentationml/2006/main" show="0">
   <p:cSld>
     <p:spTree>
       <p:nvGrpSpPr>
@@ -37413,7 +37376,7 @@
 </file>
 
 <file path=ppt/slides/slide48.xml><?xml version="1.0" encoding="utf-8"?>
-<p:sld xmlns:a="http://schemas.openxmlformats.org/drawingml/2006/main" xmlns:r="http://schemas.openxmlformats.org/officeDocument/2006/relationships" xmlns:p="http://schemas.openxmlformats.org/presentationml/2006/main">
+<p:sld xmlns:a="http://schemas.openxmlformats.org/drawingml/2006/main" xmlns:r="http://schemas.openxmlformats.org/officeDocument/2006/relationships" xmlns:p="http://schemas.openxmlformats.org/presentationml/2006/main" show="0">
   <p:cSld>
     <p:spTree>
       <p:nvGrpSpPr>
@@ -37733,7 +37696,7 @@
 </file>
 
 <file path=ppt/slides/slide49.xml><?xml version="1.0" encoding="utf-8"?>
-<p:sld xmlns:a="http://schemas.openxmlformats.org/drawingml/2006/main" xmlns:r="http://schemas.openxmlformats.org/officeDocument/2006/relationships" xmlns:p="http://schemas.openxmlformats.org/presentationml/2006/main">
+<p:sld xmlns:a="http://schemas.openxmlformats.org/drawingml/2006/main" xmlns:r="http://schemas.openxmlformats.org/officeDocument/2006/relationships" xmlns:p="http://schemas.openxmlformats.org/presentationml/2006/main" show="0">
   <p:cSld>
     <p:spTree>
       <p:nvGrpSpPr>
@@ -41915,8 +41878,8 @@
           <a:chExt cx="0" cy="0"/>
         </a:xfrm>
       </p:grpSpPr>
-      <mc:AlternateContent xmlns:mc="http://schemas.openxmlformats.org/markup-compatibility/2006" xmlns:a14="http://schemas.microsoft.com/office/drawing/2010/main">
-        <mc:Choice Requires="a14">
+      <mc:AlternateContent xmlns:mc="http://schemas.openxmlformats.org/markup-compatibility/2006">
+        <mc:Choice xmlns:a14="http://schemas.microsoft.com/office/drawing/2010/main" Requires="a14">
           <p:sp>
             <p:nvSpPr>
               <p:cNvPr id="2" name="Content Placeholder 1">
@@ -42021,7 +41984,15 @@
                 </a:r>
                 <a:r>
                   <a:rPr lang="en-US" sz="2400" dirty="0"/>
-                  <a:t>: output task for P</a:t>
+                  <a:t>: </a:t>
+                </a:r>
+                <a:r>
+                  <a:rPr lang="en-US" sz="2400" b="1" dirty="0"/>
+                  <a:t>output task </a:t>
+                </a:r>
+                <a:r>
+                  <a:rPr lang="en-US" sz="2400" dirty="0"/>
+                  <a:t>for P</a:t>
                 </a:r>
                 <a:r>
                   <a:rPr lang="en-US" sz="2400" baseline="-25000" dirty="0"/>
@@ -42065,7 +42036,15 @@
                 </a:r>
                 <a:r>
                   <a:rPr lang="en-US" sz="2400" dirty="0"/>
-                  <a:t>: input task for P</a:t>
+                  <a:t>: </a:t>
+                </a:r>
+                <a:r>
+                  <a:rPr lang="en-US" sz="2400" b="1" dirty="0"/>
+                  <a:t>input task </a:t>
+                </a:r>
+                <a:r>
+                  <a:rPr lang="en-US" sz="2400" dirty="0"/>
+                  <a:t>for P</a:t>
                 </a:r>
                 <a:r>
                   <a:rPr lang="en-US" sz="2400" baseline="-25000" dirty="0"/>
@@ -42101,7 +42080,15 @@
               <a:p>
                 <a:r>
                   <a:rPr lang="en-US" sz="2400" dirty="0"/>
-                  <a:t>Composition has internal task with code: G</a:t>
+                  <a:t>Composition has </a:t>
+                </a:r>
+                <a:r>
+                  <a:rPr lang="en-US" sz="2400" b="1" dirty="0"/>
+                  <a:t>internal task </a:t>
+                </a:r>
+                <a:r>
+                  <a:rPr lang="en-US" sz="2400" dirty="0"/>
+                  <a:t>with code: G</a:t>
                 </a:r>
                 <a:r>
                   <a:rPr lang="en-US" sz="2400" baseline="-25000" dirty="0"/>
@@ -42163,7 +42150,7 @@
             </p:txBody>
           </p:sp>
         </mc:Choice>
-        <mc:Fallback xmlns="">
+        <mc:Fallback>
           <p:sp>
             <p:nvSpPr>
               <p:cNvPr id="2" name="Content Placeholder 1">
@@ -42188,7 +42175,7 @@
               <a:blipFill>
                 <a:blip r:embed="rId2"/>
                 <a:stretch>
-                  <a:fillRect l="-1040" t="-1964" r="-1560"/>
+                  <a:fillRect l="-1040" t="-1964" r="-1951"/>
                 </a:stretch>
               </a:blipFill>
             </p:spPr>
@@ -48834,19 +48821,6 @@
             </a:r>
           </a:p>
           <a:p>
-            <a:r>
-              <a:rPr lang="en-US" dirty="0"/>
-              <a:t>Next lecture:</a:t>
-            </a:r>
-          </a:p>
-          <a:p>
-            <a:pPr lvl="1"/>
-            <a:r>
-              <a:rPr lang="en-US" dirty="0"/>
-              <a:t>Continuous-time models</a:t>
-            </a:r>
-          </a:p>
-          <a:p>
             <a:pPr lvl="1"/>
             <a:endParaRPr lang="en-US" dirty="0"/>
           </a:p>
